--- a/BusNama.pptx
+++ b/BusNama.pptx
@@ -1,43 +1,43 @@
 
 <file path=ppt/presentation.xml><?xml version="1.0" encoding="utf-8"?>
-<p:presentation xmlns:a="http://schemas.openxmlformats.org/drawingml/2006/main" xmlns:r="http://schemas.openxmlformats.org/officeDocument/2006/relationships" xmlns:mc="http://schemas.openxmlformats.org/markup-compatibility/2006" xmlns:mv="urn:schemas-microsoft-com:mac:vml" xmlns:p="http://schemas.openxmlformats.org/presentationml/2006/main" xmlns:c="http://schemas.openxmlformats.org/drawingml/2006/chart" xmlns:dgm="http://schemas.openxmlformats.org/drawingml/2006/diagram" xmlns:o="urn:schemas-microsoft-com:office:office" xmlns:v="urn:schemas-microsoft-com:vml" xmlns:pvml="urn:schemas-microsoft-com:office:powerpoint" xmlns:com="http://schemas.openxmlformats.org/drawingml/2006/compatibility" xmlns:p14="http://schemas.microsoft.com/office/powerpoint/2010/main" xmlns:p15="http://schemas.microsoft.com/office/powerpoint/2012/main" autoCompressPictures="0" embedTrueTypeFonts="1" strictFirstAndLastChars="0" saveSubsetFonts="1">
+<p:presentation xmlns:a="http://schemas.openxmlformats.org/drawingml/2006/main" xmlns:r="http://schemas.openxmlformats.org/officeDocument/2006/relationships" xmlns:p="http://schemas.openxmlformats.org/presentationml/2006/main" strictFirstAndLastChars="0" embedTrueTypeFonts="1" saveSubsetFonts="1" autoCompressPictures="0">
   <p:sldMasterIdLst>
-    <p:sldMasterId id="2147483659" r:id="rId4"/>
+    <p:sldMasterId id="2147483659" r:id="rId1"/>
   </p:sldMasterIdLst>
   <p:notesMasterIdLst>
-    <p:notesMasterId r:id="rId5"/>
+    <p:notesMasterId r:id="rId11"/>
   </p:notesMasterIdLst>
   <p:sldIdLst>
-    <p:sldId id="256" r:id="rId6"/>
-    <p:sldId id="257" r:id="rId7"/>
-    <p:sldId id="258" r:id="rId8"/>
-    <p:sldId id="259" r:id="rId9"/>
-    <p:sldId id="260" r:id="rId10"/>
-    <p:sldId id="261" r:id="rId11"/>
-    <p:sldId id="262" r:id="rId12"/>
-    <p:sldId id="263" r:id="rId13"/>
-    <p:sldId id="264" r:id="rId14"/>
+    <p:sldId id="256" r:id="rId2"/>
+    <p:sldId id="257" r:id="rId3"/>
+    <p:sldId id="258" r:id="rId4"/>
+    <p:sldId id="259" r:id="rId5"/>
+    <p:sldId id="260" r:id="rId6"/>
+    <p:sldId id="261" r:id="rId7"/>
+    <p:sldId id="262" r:id="rId8"/>
+    <p:sldId id="263" r:id="rId9"/>
+    <p:sldId id="264" r:id="rId10"/>
   </p:sldIdLst>
-  <p:sldSz cy="5143500" cx="9144000"/>
+  <p:sldSz cx="9144000" cy="5143500" type="screen16x9"/>
   <p:notesSz cx="6858000" cy="9144000"/>
   <p:embeddedFontLst>
     <p:embeddedFont>
-      <p:font typeface="Raleway"/>
-      <p:regular r:id="rId15"/>
-      <p:bold r:id="rId16"/>
-      <p:italic r:id="rId17"/>
-      <p:boldItalic r:id="rId18"/>
+      <p:font typeface="Raleway" charset="0"/>
+      <p:regular r:id="rId12"/>
+      <p:bold r:id="rId13"/>
+      <p:italic r:id="rId14"/>
+      <p:boldItalic r:id="rId15"/>
     </p:embeddedFont>
     <p:embeddedFont>
-      <p:font typeface="Lato"/>
-      <p:regular r:id="rId19"/>
-      <p:bold r:id="rId20"/>
-      <p:italic r:id="rId21"/>
-      <p:boldItalic r:id="rId22"/>
+      <p:font typeface="Lato" charset="0"/>
+      <p:regular r:id="rId16"/>
+      <p:bold r:id="rId17"/>
+      <p:italic r:id="rId18"/>
+      <p:boldItalic r:id="rId19"/>
     </p:embeddedFont>
   </p:embeddedFontLst>
   <p:defaultTextStyle>
-    <a:defPPr lvl="0" marR="0" rtl="0" algn="l">
+    <a:defPPr marR="0" lvl="0" algn="l" rtl="0">
       <a:lnSpc>
         <a:spcPct val="100000"/>
       </a:lnSpc>
@@ -48,7 +48,7 @@
         <a:spcPts val="0"/>
       </a:spcAft>
     </a:defPPr>
-    <a:lvl1pPr lvl="0" marR="0" rtl="0" algn="l">
+    <a:lvl1pPr marR="0" lvl="0" algn="l" rtl="0">
       <a:lnSpc>
         <a:spcPct val="100000"/>
       </a:lnSpc>
@@ -62,7 +62,7 @@
         <a:srgbClr val="000000"/>
       </a:buClr>
       <a:buFont typeface="Arial"/>
-      <a:defRPr b="0" i="0" sz="1400" u="none" cap="none" strike="noStrike">
+      <a:defRPr sz="1400" b="0" i="0" u="none" strike="noStrike" cap="none">
         <a:solidFill>
           <a:srgbClr val="000000"/>
         </a:solidFill>
@@ -72,7 +72,7 @@
         <a:sym typeface="Arial"/>
       </a:defRPr>
     </a:lvl1pPr>
-    <a:lvl2pPr lvl="1" marR="0" rtl="0" algn="l">
+    <a:lvl2pPr marR="0" lvl="1" algn="l" rtl="0">
       <a:lnSpc>
         <a:spcPct val="100000"/>
       </a:lnSpc>
@@ -86,7 +86,7 @@
         <a:srgbClr val="000000"/>
       </a:buClr>
       <a:buFont typeface="Arial"/>
-      <a:defRPr b="0" i="0" sz="1400" u="none" cap="none" strike="noStrike">
+      <a:defRPr sz="1400" b="0" i="0" u="none" strike="noStrike" cap="none">
         <a:solidFill>
           <a:srgbClr val="000000"/>
         </a:solidFill>
@@ -96,7 +96,7 @@
         <a:sym typeface="Arial"/>
       </a:defRPr>
     </a:lvl2pPr>
-    <a:lvl3pPr lvl="2" marR="0" rtl="0" algn="l">
+    <a:lvl3pPr marR="0" lvl="2" algn="l" rtl="0">
       <a:lnSpc>
         <a:spcPct val="100000"/>
       </a:lnSpc>
@@ -110,7 +110,7 @@
         <a:srgbClr val="000000"/>
       </a:buClr>
       <a:buFont typeface="Arial"/>
-      <a:defRPr b="0" i="0" sz="1400" u="none" cap="none" strike="noStrike">
+      <a:defRPr sz="1400" b="0" i="0" u="none" strike="noStrike" cap="none">
         <a:solidFill>
           <a:srgbClr val="000000"/>
         </a:solidFill>
@@ -120,7 +120,7 @@
         <a:sym typeface="Arial"/>
       </a:defRPr>
     </a:lvl3pPr>
-    <a:lvl4pPr lvl="3" marR="0" rtl="0" algn="l">
+    <a:lvl4pPr marR="0" lvl="3" algn="l" rtl="0">
       <a:lnSpc>
         <a:spcPct val="100000"/>
       </a:lnSpc>
@@ -134,7 +134,7 @@
         <a:srgbClr val="000000"/>
       </a:buClr>
       <a:buFont typeface="Arial"/>
-      <a:defRPr b="0" i="0" sz="1400" u="none" cap="none" strike="noStrike">
+      <a:defRPr sz="1400" b="0" i="0" u="none" strike="noStrike" cap="none">
         <a:solidFill>
           <a:srgbClr val="000000"/>
         </a:solidFill>
@@ -144,7 +144,7 @@
         <a:sym typeface="Arial"/>
       </a:defRPr>
     </a:lvl4pPr>
-    <a:lvl5pPr lvl="4" marR="0" rtl="0" algn="l">
+    <a:lvl5pPr marR="0" lvl="4" algn="l" rtl="0">
       <a:lnSpc>
         <a:spcPct val="100000"/>
       </a:lnSpc>
@@ -158,7 +158,7 @@
         <a:srgbClr val="000000"/>
       </a:buClr>
       <a:buFont typeface="Arial"/>
-      <a:defRPr b="0" i="0" sz="1400" u="none" cap="none" strike="noStrike">
+      <a:defRPr sz="1400" b="0" i="0" u="none" strike="noStrike" cap="none">
         <a:solidFill>
           <a:srgbClr val="000000"/>
         </a:solidFill>
@@ -168,7 +168,7 @@
         <a:sym typeface="Arial"/>
       </a:defRPr>
     </a:lvl5pPr>
-    <a:lvl6pPr lvl="5" marR="0" rtl="0" algn="l">
+    <a:lvl6pPr marR="0" lvl="5" algn="l" rtl="0">
       <a:lnSpc>
         <a:spcPct val="100000"/>
       </a:lnSpc>
@@ -182,7 +182,7 @@
         <a:srgbClr val="000000"/>
       </a:buClr>
       <a:buFont typeface="Arial"/>
-      <a:defRPr b="0" i="0" sz="1400" u="none" cap="none" strike="noStrike">
+      <a:defRPr sz="1400" b="0" i="0" u="none" strike="noStrike" cap="none">
         <a:solidFill>
           <a:srgbClr val="000000"/>
         </a:solidFill>
@@ -192,7 +192,7 @@
         <a:sym typeface="Arial"/>
       </a:defRPr>
     </a:lvl6pPr>
-    <a:lvl7pPr lvl="6" marR="0" rtl="0" algn="l">
+    <a:lvl7pPr marR="0" lvl="6" algn="l" rtl="0">
       <a:lnSpc>
         <a:spcPct val="100000"/>
       </a:lnSpc>
@@ -206,7 +206,7 @@
         <a:srgbClr val="000000"/>
       </a:buClr>
       <a:buFont typeface="Arial"/>
-      <a:defRPr b="0" i="0" sz="1400" u="none" cap="none" strike="noStrike">
+      <a:defRPr sz="1400" b="0" i="0" u="none" strike="noStrike" cap="none">
         <a:solidFill>
           <a:srgbClr val="000000"/>
         </a:solidFill>
@@ -216,7 +216,7 @@
         <a:sym typeface="Arial"/>
       </a:defRPr>
     </a:lvl7pPr>
-    <a:lvl8pPr lvl="7" marR="0" rtl="0" algn="l">
+    <a:lvl8pPr marR="0" lvl="7" algn="l" rtl="0">
       <a:lnSpc>
         <a:spcPct val="100000"/>
       </a:lnSpc>
@@ -230,7 +230,7 @@
         <a:srgbClr val="000000"/>
       </a:buClr>
       <a:buFont typeface="Arial"/>
-      <a:defRPr b="0" i="0" sz="1400" u="none" cap="none" strike="noStrike">
+      <a:defRPr sz="1400" b="0" i="0" u="none" strike="noStrike" cap="none">
         <a:solidFill>
           <a:srgbClr val="000000"/>
         </a:solidFill>
@@ -240,7 +240,7 @@
         <a:sym typeface="Arial"/>
       </a:defRPr>
     </a:lvl8pPr>
-    <a:lvl9pPr lvl="8" marR="0" rtl="0" algn="l">
+    <a:lvl9pPr marR="0" lvl="8" algn="l" rtl="0">
       <a:lnSpc>
         <a:spcPct val="100000"/>
       </a:lnSpc>
@@ -254,7 +254,7 @@
         <a:srgbClr val="000000"/>
       </a:buClr>
       <a:buFont typeface="Arial"/>
-      <a:defRPr b="0" i="0" sz="1400" u="none" cap="none" strike="noStrike">
+      <a:defRPr sz="1400" b="0" i="0" u="none" strike="noStrike" cap="none">
         <a:solidFill>
           <a:srgbClr val="000000"/>
         </a:solidFill>
@@ -267,7 +267,7 @@
   </p:defaultTextStyle>
   <p:extLst>
     <p:ext uri="{EFAFB233-063F-42B5-8137-9DF3F51BA10A}">
-      <p15:sldGuideLst>
+      <p15:sldGuideLst xmlns:p15="http://schemas.microsoft.com/office/powerpoint/2012/main" xmlns:p14="http://schemas.microsoft.com/office/powerpoint/2010/main" xmlns:com="http://schemas.openxmlformats.org/drawingml/2006/compatibility" xmlns:pvml="urn:schemas-microsoft-com:office:powerpoint" xmlns:v="urn:schemas-microsoft-com:vml" xmlns:o="urn:schemas-microsoft-com:office:office" xmlns:dgm="http://schemas.openxmlformats.org/drawingml/2006/diagram" xmlns:c="http://schemas.openxmlformats.org/drawingml/2006/chart" xmlns:mv="urn:schemas-microsoft-com:mac:vml" xmlns:mc="http://schemas.openxmlformats.org/markup-compatibility/2006" xmlns="">
         <p15:guide id="1" orient="horz" pos="1620">
           <p15:clr>
             <a:srgbClr val="A4A3A4"/>
@@ -285,11 +285,16 @@
 </file>
 
 <file path=ppt/notesMasters/notesMaster1.xml><?xml version="1.0" encoding="utf-8"?>
-<p:notesMaster xmlns:a="http://schemas.openxmlformats.org/drawingml/2006/main" xmlns:r="http://schemas.openxmlformats.org/officeDocument/2006/relationships" xmlns:mc="http://schemas.openxmlformats.org/markup-compatibility/2006" xmlns:mv="urn:schemas-microsoft-com:mac:vml" xmlns:p="http://schemas.openxmlformats.org/presentationml/2006/main" xmlns:c="http://schemas.openxmlformats.org/drawingml/2006/chart" xmlns:dgm="http://schemas.openxmlformats.org/drawingml/2006/diagram" xmlns:o="urn:schemas-microsoft-com:office:office" xmlns:v="urn:schemas-microsoft-com:vml" xmlns:pvml="urn:schemas-microsoft-com:office:powerpoint" xmlns:com="http://schemas.openxmlformats.org/drawingml/2006/compatibility" xmlns:p14="http://schemas.microsoft.com/office/powerpoint/2010/main" xmlns:p15="http://schemas.microsoft.com/office/powerpoint/2012/main">
+<p:notesMaster xmlns:a="http://schemas.openxmlformats.org/drawingml/2006/main" xmlns:r="http://schemas.openxmlformats.org/officeDocument/2006/relationships" xmlns:p="http://schemas.openxmlformats.org/presentationml/2006/main">
   <p:cSld>
+    <p:bg>
+      <p:bgRef idx="1001">
+        <a:schemeClr val="bg1"/>
+      </p:bgRef>
+    </p:bg>
     <p:spTree>
       <p:nvGrpSpPr>
-        <p:cNvPr id="2" name="Shape 2"/>
+        <p:cNvPr id="1" name="Shape 2"/>
         <p:cNvGrpSpPr/>
         <p:nvPr/>
       </p:nvGrpSpPr>
@@ -304,9 +309,11 @@
       <p:sp>
         <p:nvSpPr>
           <p:cNvPr id="3" name="Google Shape;3;n"/>
-          <p:cNvSpPr/>
+          <p:cNvSpPr>
+            <a:spLocks noGrp="1" noRot="1" noChangeAspect="1"/>
+          </p:cNvSpPr>
           <p:nvPr>
-            <p:ph idx="2" type="sldImg"/>
+            <p:ph type="sldImg" idx="2"/>
           </p:nvPr>
         </p:nvSpPr>
         <p:spPr>
@@ -315,9 +322,13 @@
             <a:ext cx="6096075" cy="3429000"/>
           </a:xfrm>
           <a:custGeom>
-            <a:rect b="b" l="l" r="r" t="t"/>
+            <a:avLst/>
+            <a:gdLst/>
+            <a:ahLst/>
+            <a:cxnLst/>
+            <a:rect l="l" t="t" r="r" b="b"/>
             <a:pathLst>
-              <a:path extrusionOk="0" h="120000" w="120000">
+              <a:path w="120000" h="120000" extrusionOk="0">
                 <a:moveTo>
                   <a:pt x="0" y="0"/>
                 </a:moveTo>
@@ -335,23 +346,25 @@
             </a:pathLst>
           </a:custGeom>
           <a:noFill/>
-          <a:ln cap="flat" cmpd="sng" w="9525">
+          <a:ln w="9525" cap="flat" cmpd="sng">
             <a:solidFill>
               <a:srgbClr val="000000"/>
             </a:solidFill>
             <a:prstDash val="solid"/>
             <a:round/>
-            <a:headEnd len="sm" w="sm" type="none"/>
-            <a:tailEnd len="sm" w="sm" type="none"/>
+            <a:headEnd type="none" w="sm" len="sm"/>
+            <a:tailEnd type="none" w="sm" len="sm"/>
           </a:ln>
         </p:spPr>
       </p:sp>
       <p:sp>
         <p:nvSpPr>
           <p:cNvPr id="4" name="Google Shape;4;n"/>
-          <p:cNvSpPr txBox="1"/>
+          <p:cNvSpPr txBox="1">
+            <a:spLocks noGrp="1"/>
+          </p:cNvSpPr>
           <p:nvPr>
-            <p:ph idx="1" type="body"/>
+            <p:ph type="body" idx="1"/>
           </p:nvPr>
         </p:nvSpPr>
         <p:spPr>
@@ -368,11 +381,11 @@
           </a:ln>
         </p:spPr>
         <p:txBody>
-          <a:bodyPr anchorCtr="0" anchor="t" bIns="91425" lIns="91425" spcFirstLastPara="1" rIns="91425" wrap="square" tIns="91425">
+          <a:bodyPr spcFirstLastPara="1" wrap="square" lIns="91425" tIns="91425" rIns="91425" bIns="91425" anchor="t" anchorCtr="0">
             <a:noAutofit/>
           </a:bodyPr>
           <a:lstStyle>
-            <a:lvl1pPr indent="-317500" lvl="0" marL="457200">
+            <a:lvl1pPr marL="457200" lvl="0" indent="-317500">
               <a:spcBef>
                 <a:spcPts val="0"/>
               </a:spcBef>
@@ -383,7 +396,7 @@
               <a:buChar char="●"/>
               <a:defRPr sz="1100"/>
             </a:lvl1pPr>
-            <a:lvl2pPr indent="-317500" lvl="1" marL="914400">
+            <a:lvl2pPr marL="914400" lvl="1" indent="-317500">
               <a:spcBef>
                 <a:spcPts val="0"/>
               </a:spcBef>
@@ -394,7 +407,7 @@
               <a:buChar char="○"/>
               <a:defRPr sz="1100"/>
             </a:lvl2pPr>
-            <a:lvl3pPr indent="-317500" lvl="2" marL="1371600">
+            <a:lvl3pPr marL="1371600" lvl="2" indent="-317500">
               <a:spcBef>
                 <a:spcPts val="0"/>
               </a:spcBef>
@@ -405,7 +418,7 @@
               <a:buChar char="■"/>
               <a:defRPr sz="1100"/>
             </a:lvl3pPr>
-            <a:lvl4pPr indent="-317500" lvl="3" marL="1828800">
+            <a:lvl4pPr marL="1828800" lvl="3" indent="-317500">
               <a:spcBef>
                 <a:spcPts val="0"/>
               </a:spcBef>
@@ -416,7 +429,7 @@
               <a:buChar char="●"/>
               <a:defRPr sz="1100"/>
             </a:lvl4pPr>
-            <a:lvl5pPr indent="-317500" lvl="4" marL="2286000">
+            <a:lvl5pPr marL="2286000" lvl="4" indent="-317500">
               <a:spcBef>
                 <a:spcPts val="0"/>
               </a:spcBef>
@@ -427,7 +440,7 @@
               <a:buChar char="○"/>
               <a:defRPr sz="1100"/>
             </a:lvl5pPr>
-            <a:lvl6pPr indent="-317500" lvl="5" marL="2743200">
+            <a:lvl6pPr marL="2743200" lvl="5" indent="-317500">
               <a:spcBef>
                 <a:spcPts val="0"/>
               </a:spcBef>
@@ -438,7 +451,7 @@
               <a:buChar char="■"/>
               <a:defRPr sz="1100"/>
             </a:lvl6pPr>
-            <a:lvl7pPr indent="-317500" lvl="6" marL="3200400">
+            <a:lvl7pPr marL="3200400" lvl="6" indent="-317500">
               <a:spcBef>
                 <a:spcPts val="0"/>
               </a:spcBef>
@@ -449,7 +462,7 @@
               <a:buChar char="●"/>
               <a:defRPr sz="1100"/>
             </a:lvl7pPr>
-            <a:lvl8pPr indent="-317500" lvl="7" marL="3657600">
+            <a:lvl8pPr marL="3657600" lvl="7" indent="-317500">
               <a:spcBef>
                 <a:spcPts val="0"/>
               </a:spcBef>
@@ -460,7 +473,7 @@
               <a:buChar char="○"/>
               <a:defRPr sz="1100"/>
             </a:lvl8pPr>
-            <a:lvl9pPr indent="-317500" lvl="8" marL="4114800">
+            <a:lvl9pPr marL="4114800" lvl="8" indent="-317500">
               <a:spcBef>
                 <a:spcPts val="0"/>
               </a:spcBef>
@@ -472,14 +485,21 @@
               <a:defRPr sz="1100"/>
             </a:lvl9pPr>
           </a:lstStyle>
-          <a:p/>
+          <a:p>
+            <a:endParaRPr/>
+          </a:p>
         </p:txBody>
       </p:sp>
     </p:spTree>
+    <p:extLst>
+      <p:ext uri="{BB962C8B-B14F-4D97-AF65-F5344CB8AC3E}">
+        <p14:creationId xmlns:p14="http://schemas.microsoft.com/office/powerpoint/2010/main" val="3998348472"/>
+      </p:ext>
+    </p:extLst>
   </p:cSld>
-  <p:clrMap accent1="accent1" accent2="accent2" accent3="accent3" accent4="accent4" accent5="accent5" accent6="accent6" bg1="lt1" bg2="dk2" tx1="dk1" tx2="lt2" folHlink="folHlink" hlink="hlink"/>
+  <p:clrMap bg1="lt1" tx1="dk1" bg2="dk2" tx2="lt2" accent1="accent1" accent2="accent2" accent3="accent3" accent4="accent4" accent5="accent5" accent6="accent6" hlink="hlink" folHlink="folHlink"/>
   <p:notesStyle>
-    <a:defPPr lvl="0" marR="0" rtl="0" algn="l">
+    <a:defPPr marR="0" lvl="0" algn="l" rtl="0">
       <a:lnSpc>
         <a:spcPct val="100000"/>
       </a:lnSpc>
@@ -490,7 +510,7 @@
         <a:spcPts val="0"/>
       </a:spcAft>
     </a:defPPr>
-    <a:lvl1pPr lvl="0" marR="0" rtl="0" algn="l">
+    <a:lvl1pPr marR="0" lvl="0" algn="l" rtl="0">
       <a:lnSpc>
         <a:spcPct val="100000"/>
       </a:lnSpc>
@@ -504,7 +524,7 @@
         <a:srgbClr val="000000"/>
       </a:buClr>
       <a:buFont typeface="Arial"/>
-      <a:defRPr b="0" i="0" sz="1400" u="none" cap="none" strike="noStrike">
+      <a:defRPr sz="1400" b="0" i="0" u="none" strike="noStrike" cap="none">
         <a:solidFill>
           <a:srgbClr val="000000"/>
         </a:solidFill>
@@ -514,7 +534,7 @@
         <a:sym typeface="Arial"/>
       </a:defRPr>
     </a:lvl1pPr>
-    <a:lvl2pPr lvl="1" marR="0" rtl="0" algn="l">
+    <a:lvl2pPr marR="0" lvl="1" algn="l" rtl="0">
       <a:lnSpc>
         <a:spcPct val="100000"/>
       </a:lnSpc>
@@ -528,7 +548,7 @@
         <a:srgbClr val="000000"/>
       </a:buClr>
       <a:buFont typeface="Arial"/>
-      <a:defRPr b="0" i="0" sz="1400" u="none" cap="none" strike="noStrike">
+      <a:defRPr sz="1400" b="0" i="0" u="none" strike="noStrike" cap="none">
         <a:solidFill>
           <a:srgbClr val="000000"/>
         </a:solidFill>
@@ -538,7 +558,7 @@
         <a:sym typeface="Arial"/>
       </a:defRPr>
     </a:lvl2pPr>
-    <a:lvl3pPr lvl="2" marR="0" rtl="0" algn="l">
+    <a:lvl3pPr marR="0" lvl="2" algn="l" rtl="0">
       <a:lnSpc>
         <a:spcPct val="100000"/>
       </a:lnSpc>
@@ -552,7 +572,7 @@
         <a:srgbClr val="000000"/>
       </a:buClr>
       <a:buFont typeface="Arial"/>
-      <a:defRPr b="0" i="0" sz="1400" u="none" cap="none" strike="noStrike">
+      <a:defRPr sz="1400" b="0" i="0" u="none" strike="noStrike" cap="none">
         <a:solidFill>
           <a:srgbClr val="000000"/>
         </a:solidFill>
@@ -562,7 +582,7 @@
         <a:sym typeface="Arial"/>
       </a:defRPr>
     </a:lvl3pPr>
-    <a:lvl4pPr lvl="3" marR="0" rtl="0" algn="l">
+    <a:lvl4pPr marR="0" lvl="3" algn="l" rtl="0">
       <a:lnSpc>
         <a:spcPct val="100000"/>
       </a:lnSpc>
@@ -576,7 +596,7 @@
         <a:srgbClr val="000000"/>
       </a:buClr>
       <a:buFont typeface="Arial"/>
-      <a:defRPr b="0" i="0" sz="1400" u="none" cap="none" strike="noStrike">
+      <a:defRPr sz="1400" b="0" i="0" u="none" strike="noStrike" cap="none">
         <a:solidFill>
           <a:srgbClr val="000000"/>
         </a:solidFill>
@@ -586,7 +606,7 @@
         <a:sym typeface="Arial"/>
       </a:defRPr>
     </a:lvl4pPr>
-    <a:lvl5pPr lvl="4" marR="0" rtl="0" algn="l">
+    <a:lvl5pPr marR="0" lvl="4" algn="l" rtl="0">
       <a:lnSpc>
         <a:spcPct val="100000"/>
       </a:lnSpc>
@@ -600,7 +620,7 @@
         <a:srgbClr val="000000"/>
       </a:buClr>
       <a:buFont typeface="Arial"/>
-      <a:defRPr b="0" i="0" sz="1400" u="none" cap="none" strike="noStrike">
+      <a:defRPr sz="1400" b="0" i="0" u="none" strike="noStrike" cap="none">
         <a:solidFill>
           <a:srgbClr val="000000"/>
         </a:solidFill>
@@ -610,7 +630,7 @@
         <a:sym typeface="Arial"/>
       </a:defRPr>
     </a:lvl5pPr>
-    <a:lvl6pPr lvl="5" marR="0" rtl="0" algn="l">
+    <a:lvl6pPr marR="0" lvl="5" algn="l" rtl="0">
       <a:lnSpc>
         <a:spcPct val="100000"/>
       </a:lnSpc>
@@ -624,7 +644,7 @@
         <a:srgbClr val="000000"/>
       </a:buClr>
       <a:buFont typeface="Arial"/>
-      <a:defRPr b="0" i="0" sz="1400" u="none" cap="none" strike="noStrike">
+      <a:defRPr sz="1400" b="0" i="0" u="none" strike="noStrike" cap="none">
         <a:solidFill>
           <a:srgbClr val="000000"/>
         </a:solidFill>
@@ -634,7 +654,7 @@
         <a:sym typeface="Arial"/>
       </a:defRPr>
     </a:lvl6pPr>
-    <a:lvl7pPr lvl="6" marR="0" rtl="0" algn="l">
+    <a:lvl7pPr marR="0" lvl="6" algn="l" rtl="0">
       <a:lnSpc>
         <a:spcPct val="100000"/>
       </a:lnSpc>
@@ -648,7 +668,7 @@
         <a:srgbClr val="000000"/>
       </a:buClr>
       <a:buFont typeface="Arial"/>
-      <a:defRPr b="0" i="0" sz="1400" u="none" cap="none" strike="noStrike">
+      <a:defRPr sz="1400" b="0" i="0" u="none" strike="noStrike" cap="none">
         <a:solidFill>
           <a:srgbClr val="000000"/>
         </a:solidFill>
@@ -658,7 +678,7 @@
         <a:sym typeface="Arial"/>
       </a:defRPr>
     </a:lvl7pPr>
-    <a:lvl8pPr lvl="7" marR="0" rtl="0" algn="l">
+    <a:lvl8pPr marR="0" lvl="7" algn="l" rtl="0">
       <a:lnSpc>
         <a:spcPct val="100000"/>
       </a:lnSpc>
@@ -672,7 +692,7 @@
         <a:srgbClr val="000000"/>
       </a:buClr>
       <a:buFont typeface="Arial"/>
-      <a:defRPr b="0" i="0" sz="1400" u="none" cap="none" strike="noStrike">
+      <a:defRPr sz="1400" b="0" i="0" u="none" strike="noStrike" cap="none">
         <a:solidFill>
           <a:srgbClr val="000000"/>
         </a:solidFill>
@@ -682,7 +702,7 @@
         <a:sym typeface="Arial"/>
       </a:defRPr>
     </a:lvl8pPr>
-    <a:lvl9pPr lvl="8" marR="0" rtl="0" algn="l">
+    <a:lvl9pPr marR="0" lvl="8" algn="l" rtl="0">
       <a:lnSpc>
         <a:spcPct val="100000"/>
       </a:lnSpc>
@@ -696,7 +716,7 @@
         <a:srgbClr val="000000"/>
       </a:buClr>
       <a:buFont typeface="Arial"/>
-      <a:defRPr b="0" i="0" sz="1400" u="none" cap="none" strike="noStrike">
+      <a:defRPr sz="1400" b="0" i="0" u="none" strike="noStrike" cap="none">
         <a:solidFill>
           <a:srgbClr val="000000"/>
         </a:solidFill>
@@ -711,11 +731,11 @@
 </file>
 
 <file path=ppt/notesSlides/notesSlide1.xml><?xml version="1.0" encoding="utf-8"?>
-<p:notes xmlns:a="http://schemas.openxmlformats.org/drawingml/2006/main" xmlns:r="http://schemas.openxmlformats.org/officeDocument/2006/relationships" xmlns:mc="http://schemas.openxmlformats.org/markup-compatibility/2006" xmlns:mv="urn:schemas-microsoft-com:mac:vml" xmlns:p="http://schemas.openxmlformats.org/presentationml/2006/main" xmlns:c="http://schemas.openxmlformats.org/drawingml/2006/chart" xmlns:dgm="http://schemas.openxmlformats.org/drawingml/2006/diagram" xmlns:o="urn:schemas-microsoft-com:office:office" xmlns:v="urn:schemas-microsoft-com:vml" xmlns:pvml="urn:schemas-microsoft-com:office:powerpoint" xmlns:com="http://schemas.openxmlformats.org/drawingml/2006/compatibility" xmlns:p14="http://schemas.microsoft.com/office/powerpoint/2010/main" xmlns:p15="http://schemas.microsoft.com/office/powerpoint/2012/main" showMasterPhAnim="0" showMasterSp="0">
+<p:notes xmlns:a="http://schemas.openxmlformats.org/drawingml/2006/main" xmlns:r="http://schemas.openxmlformats.org/officeDocument/2006/relationships" xmlns:p="http://schemas.openxmlformats.org/presentationml/2006/main" showMasterSp="0" showMasterPhAnim="0">
   <p:cSld>
     <p:spTree>
       <p:nvGrpSpPr>
-        <p:cNvPr id="68" name="Shape 68"/>
+        <p:cNvPr id="1" name="Shape 68"/>
         <p:cNvGrpSpPr/>
         <p:nvPr/>
       </p:nvGrpSpPr>
@@ -730,20 +750,26 @@
       <p:sp>
         <p:nvSpPr>
           <p:cNvPr id="69" name="Google Shape;69;gcb9a0b074_1_0:notes"/>
-          <p:cNvSpPr/>
+          <p:cNvSpPr>
+            <a:spLocks noGrp="1" noRot="1" noChangeAspect="1"/>
+          </p:cNvSpPr>
           <p:nvPr>
-            <p:ph idx="2" type="sldImg"/>
+            <p:ph type="sldImg" idx="2"/>
           </p:nvPr>
         </p:nvSpPr>
         <p:spPr>
           <a:xfrm>
-            <a:off x="381300" y="685800"/>
+            <a:off x="381000" y="685800"/>
             <a:ext cx="6096000" cy="3429000"/>
           </a:xfrm>
           <a:custGeom>
-            <a:rect b="b" l="l" r="r" t="t"/>
+            <a:avLst/>
+            <a:gdLst/>
+            <a:ahLst/>
+            <a:cxnLst/>
+            <a:rect l="l" t="t" r="r" b="b"/>
             <a:pathLst>
-              <a:path extrusionOk="0" h="120000" w="120000">
+              <a:path w="120000" h="120000" extrusionOk="0">
                 <a:moveTo>
                   <a:pt x="0" y="0"/>
                 </a:moveTo>
@@ -765,9 +791,11 @@
       <p:sp>
         <p:nvSpPr>
           <p:cNvPr id="70" name="Google Shape;70;gcb9a0b074_1_0:notes"/>
-          <p:cNvSpPr txBox="1"/>
+          <p:cNvSpPr txBox="1">
+            <a:spLocks noGrp="1"/>
+          </p:cNvSpPr>
           <p:nvPr>
-            <p:ph idx="1" type="body"/>
+            <p:ph type="body" idx="1"/>
           </p:nvPr>
         </p:nvSpPr>
         <p:spPr>
@@ -780,12 +808,12 @@
           </a:prstGeom>
         </p:spPr>
         <p:txBody>
-          <a:bodyPr anchorCtr="0" anchor="t" bIns="91425" lIns="91425" spcFirstLastPara="1" rIns="91425" wrap="square" tIns="91425">
+          <a:bodyPr spcFirstLastPara="1" wrap="square" lIns="91425" tIns="91425" rIns="91425" bIns="91425" anchor="t" anchorCtr="0">
             <a:noAutofit/>
           </a:bodyPr>
           <a:lstStyle/>
           <a:p>
-            <a:pPr indent="0" lvl="0" marL="0" rtl="0" algn="l">
+            <a:pPr marL="0" lvl="0" indent="0" algn="l" rtl="0">
               <a:spcBef>
                 <a:spcPts val="0"/>
               </a:spcBef>
@@ -794,9 +822,6 @@
               </a:spcAft>
               <a:buNone/>
             </a:pPr>
-            <a:r>
-              <a:t/>
-            </a:r>
             <a:endParaRPr/>
           </a:p>
         </p:txBody>
@@ -810,11 +835,11 @@
 </file>
 
 <file path=ppt/notesSlides/notesSlide2.xml><?xml version="1.0" encoding="utf-8"?>
-<p:notes xmlns:a="http://schemas.openxmlformats.org/drawingml/2006/main" xmlns:r="http://schemas.openxmlformats.org/officeDocument/2006/relationships" xmlns:mc="http://schemas.openxmlformats.org/markup-compatibility/2006" xmlns:mv="urn:schemas-microsoft-com:mac:vml" xmlns:p="http://schemas.openxmlformats.org/presentationml/2006/main" xmlns:c="http://schemas.openxmlformats.org/drawingml/2006/chart" xmlns:dgm="http://schemas.openxmlformats.org/drawingml/2006/diagram" xmlns:o="urn:schemas-microsoft-com:office:office" xmlns:v="urn:schemas-microsoft-com:vml" xmlns:pvml="urn:schemas-microsoft-com:office:powerpoint" xmlns:com="http://schemas.openxmlformats.org/drawingml/2006/compatibility" xmlns:p14="http://schemas.microsoft.com/office/powerpoint/2010/main" xmlns:p15="http://schemas.microsoft.com/office/powerpoint/2012/main" showMasterPhAnim="0" showMasterSp="0">
+<p:notes xmlns:a="http://schemas.openxmlformats.org/drawingml/2006/main" xmlns:r="http://schemas.openxmlformats.org/officeDocument/2006/relationships" xmlns:p="http://schemas.openxmlformats.org/presentationml/2006/main" showMasterSp="0" showMasterPhAnim="0">
   <p:cSld>
     <p:spTree>
       <p:nvGrpSpPr>
-        <p:cNvPr id="74" name="Shape 74"/>
+        <p:cNvPr id="1" name="Shape 74"/>
         <p:cNvGrpSpPr/>
         <p:nvPr/>
       </p:nvGrpSpPr>
@@ -829,9 +854,11 @@
       <p:sp>
         <p:nvSpPr>
           <p:cNvPr id="75" name="Google Shape;75;gd5b15f0a3_5_26:notes"/>
-          <p:cNvSpPr/>
+          <p:cNvSpPr>
+            <a:spLocks noGrp="1" noRot="1" noChangeAspect="1"/>
+          </p:cNvSpPr>
           <p:nvPr>
-            <p:ph idx="2" type="sldImg"/>
+            <p:ph type="sldImg" idx="2"/>
           </p:nvPr>
         </p:nvSpPr>
         <p:spPr>
@@ -840,9 +867,13 @@
             <a:ext cx="6096000" cy="3429000"/>
           </a:xfrm>
           <a:custGeom>
-            <a:rect b="b" l="l" r="r" t="t"/>
+            <a:avLst/>
+            <a:gdLst/>
+            <a:ahLst/>
+            <a:cxnLst/>
+            <a:rect l="l" t="t" r="r" b="b"/>
             <a:pathLst>
-              <a:path extrusionOk="0" h="120000" w="120000">
+              <a:path w="120000" h="120000" extrusionOk="0">
                 <a:moveTo>
                   <a:pt x="0" y="0"/>
                 </a:moveTo>
@@ -864,9 +895,11 @@
       <p:sp>
         <p:nvSpPr>
           <p:cNvPr id="76" name="Google Shape;76;gd5b15f0a3_5_26:notes"/>
-          <p:cNvSpPr txBox="1"/>
+          <p:cNvSpPr txBox="1">
+            <a:spLocks noGrp="1"/>
+          </p:cNvSpPr>
           <p:nvPr>
-            <p:ph idx="1" type="body"/>
+            <p:ph type="body" idx="1"/>
           </p:nvPr>
         </p:nvSpPr>
         <p:spPr>
@@ -879,12 +912,12 @@
           </a:prstGeom>
         </p:spPr>
         <p:txBody>
-          <a:bodyPr anchorCtr="0" anchor="t" bIns="91425" lIns="91425" spcFirstLastPara="1" rIns="91425" wrap="square" tIns="91425">
+          <a:bodyPr spcFirstLastPara="1" wrap="square" lIns="91425" tIns="91425" rIns="91425" bIns="91425" anchor="t" anchorCtr="0">
             <a:noAutofit/>
           </a:bodyPr>
           <a:lstStyle/>
           <a:p>
-            <a:pPr indent="0" lvl="0" marL="0" rtl="0" algn="l">
+            <a:pPr marL="0" lvl="0" indent="0" algn="l" rtl="0">
               <a:spcBef>
                 <a:spcPts val="0"/>
               </a:spcBef>
@@ -893,9 +926,6 @@
               </a:spcAft>
               <a:buNone/>
             </a:pPr>
-            <a:r>
-              <a:t/>
-            </a:r>
             <a:endParaRPr/>
           </a:p>
         </p:txBody>
@@ -909,11 +939,11 @@
 </file>
 
 <file path=ppt/notesSlides/notesSlide3.xml><?xml version="1.0" encoding="utf-8"?>
-<p:notes xmlns:a="http://schemas.openxmlformats.org/drawingml/2006/main" xmlns:r="http://schemas.openxmlformats.org/officeDocument/2006/relationships" xmlns:mc="http://schemas.openxmlformats.org/markup-compatibility/2006" xmlns:mv="urn:schemas-microsoft-com:mac:vml" xmlns:p="http://schemas.openxmlformats.org/presentationml/2006/main" xmlns:c="http://schemas.openxmlformats.org/drawingml/2006/chart" xmlns:dgm="http://schemas.openxmlformats.org/drawingml/2006/diagram" xmlns:o="urn:schemas-microsoft-com:office:office" xmlns:v="urn:schemas-microsoft-com:vml" xmlns:pvml="urn:schemas-microsoft-com:office:powerpoint" xmlns:com="http://schemas.openxmlformats.org/drawingml/2006/compatibility" xmlns:p14="http://schemas.microsoft.com/office/powerpoint/2010/main" xmlns:p15="http://schemas.microsoft.com/office/powerpoint/2012/main" showMasterPhAnim="0" showMasterSp="0">
+<p:notes xmlns:a="http://schemas.openxmlformats.org/drawingml/2006/main" xmlns:r="http://schemas.openxmlformats.org/officeDocument/2006/relationships" xmlns:p="http://schemas.openxmlformats.org/presentationml/2006/main" showMasterSp="0" showMasterPhAnim="0">
   <p:cSld>
     <p:spTree>
       <p:nvGrpSpPr>
-        <p:cNvPr id="81" name="Shape 81"/>
+        <p:cNvPr id="1" name="Shape 81"/>
         <p:cNvGrpSpPr/>
         <p:nvPr/>
       </p:nvGrpSpPr>
@@ -928,9 +958,11 @@
       <p:sp>
         <p:nvSpPr>
           <p:cNvPr id="82" name="Google Shape;82;g723630543_3_0:notes"/>
-          <p:cNvSpPr/>
+          <p:cNvSpPr>
+            <a:spLocks noGrp="1" noRot="1" noChangeAspect="1"/>
+          </p:cNvSpPr>
           <p:nvPr>
-            <p:ph idx="2" type="sldImg"/>
+            <p:ph type="sldImg" idx="2"/>
           </p:nvPr>
         </p:nvSpPr>
         <p:spPr>
@@ -939,9 +971,13 @@
             <a:ext cx="6096000" cy="3429000"/>
           </a:xfrm>
           <a:custGeom>
-            <a:rect b="b" l="l" r="r" t="t"/>
+            <a:avLst/>
+            <a:gdLst/>
+            <a:ahLst/>
+            <a:cxnLst/>
+            <a:rect l="l" t="t" r="r" b="b"/>
             <a:pathLst>
-              <a:path extrusionOk="0" h="120000" w="120000">
+              <a:path w="120000" h="120000" extrusionOk="0">
                 <a:moveTo>
                   <a:pt x="0" y="0"/>
                 </a:moveTo>
@@ -963,9 +999,11 @@
       <p:sp>
         <p:nvSpPr>
           <p:cNvPr id="83" name="Google Shape;83;g723630543_3_0:notes"/>
-          <p:cNvSpPr txBox="1"/>
+          <p:cNvSpPr txBox="1">
+            <a:spLocks noGrp="1"/>
+          </p:cNvSpPr>
           <p:nvPr>
-            <p:ph idx="1" type="body"/>
+            <p:ph type="body" idx="1"/>
           </p:nvPr>
         </p:nvSpPr>
         <p:spPr>
@@ -978,12 +1016,12 @@
           </a:prstGeom>
         </p:spPr>
         <p:txBody>
-          <a:bodyPr anchorCtr="0" anchor="t" bIns="91425" lIns="91425" spcFirstLastPara="1" rIns="91425" wrap="square" tIns="91425">
+          <a:bodyPr spcFirstLastPara="1" wrap="square" lIns="91425" tIns="91425" rIns="91425" bIns="91425" anchor="t" anchorCtr="0">
             <a:noAutofit/>
           </a:bodyPr>
           <a:lstStyle/>
           <a:p>
-            <a:pPr indent="0" lvl="0" marL="0" rtl="0" algn="l">
+            <a:pPr marL="0" lvl="0" indent="0" algn="l" rtl="0">
               <a:spcBef>
                 <a:spcPts val="0"/>
               </a:spcBef>
@@ -992,9 +1030,6 @@
               </a:spcAft>
               <a:buNone/>
             </a:pPr>
-            <a:r>
-              <a:t/>
-            </a:r>
             <a:endParaRPr/>
           </a:p>
         </p:txBody>
@@ -1008,11 +1043,11 @@
 </file>
 
 <file path=ppt/notesSlides/notesSlide4.xml><?xml version="1.0" encoding="utf-8"?>
-<p:notes xmlns:a="http://schemas.openxmlformats.org/drawingml/2006/main" xmlns:r="http://schemas.openxmlformats.org/officeDocument/2006/relationships" xmlns:mc="http://schemas.openxmlformats.org/markup-compatibility/2006" xmlns:mv="urn:schemas-microsoft-com:mac:vml" xmlns:p="http://schemas.openxmlformats.org/presentationml/2006/main" xmlns:c="http://schemas.openxmlformats.org/drawingml/2006/chart" xmlns:dgm="http://schemas.openxmlformats.org/drawingml/2006/diagram" xmlns:o="urn:schemas-microsoft-com:office:office" xmlns:v="urn:schemas-microsoft-com:vml" xmlns:pvml="urn:schemas-microsoft-com:office:powerpoint" xmlns:com="http://schemas.openxmlformats.org/drawingml/2006/compatibility" xmlns:p14="http://schemas.microsoft.com/office/powerpoint/2010/main" xmlns:p15="http://schemas.microsoft.com/office/powerpoint/2012/main" showMasterPhAnim="0" showMasterSp="0">
+<p:notes xmlns:a="http://schemas.openxmlformats.org/drawingml/2006/main" xmlns:r="http://schemas.openxmlformats.org/officeDocument/2006/relationships" xmlns:p="http://schemas.openxmlformats.org/presentationml/2006/main" showMasterSp="0" showMasterPhAnim="0">
   <p:cSld>
     <p:spTree>
       <p:nvGrpSpPr>
-        <p:cNvPr id="89" name="Shape 89"/>
+        <p:cNvPr id="1" name="Shape 89"/>
         <p:cNvGrpSpPr/>
         <p:nvPr/>
       </p:nvGrpSpPr>
@@ -1027,9 +1062,11 @@
       <p:sp>
         <p:nvSpPr>
           <p:cNvPr id="90" name="Google Shape;90;gd251bb473_0_600:notes"/>
-          <p:cNvSpPr/>
+          <p:cNvSpPr>
+            <a:spLocks noGrp="1" noRot="1" noChangeAspect="1"/>
+          </p:cNvSpPr>
           <p:nvPr>
-            <p:ph idx="2" type="sldImg"/>
+            <p:ph type="sldImg" idx="2"/>
           </p:nvPr>
         </p:nvSpPr>
         <p:spPr>
@@ -1038,9 +1075,13 @@
             <a:ext cx="6096000" cy="3429000"/>
           </a:xfrm>
           <a:custGeom>
-            <a:rect b="b" l="l" r="r" t="t"/>
+            <a:avLst/>
+            <a:gdLst/>
+            <a:ahLst/>
+            <a:cxnLst/>
+            <a:rect l="l" t="t" r="r" b="b"/>
             <a:pathLst>
-              <a:path extrusionOk="0" h="120000" w="120000">
+              <a:path w="120000" h="120000" extrusionOk="0">
                 <a:moveTo>
                   <a:pt x="0" y="0"/>
                 </a:moveTo>
@@ -1062,9 +1103,11 @@
       <p:sp>
         <p:nvSpPr>
           <p:cNvPr id="91" name="Google Shape;91;gd251bb473_0_600:notes"/>
-          <p:cNvSpPr txBox="1"/>
+          <p:cNvSpPr txBox="1">
+            <a:spLocks noGrp="1"/>
+          </p:cNvSpPr>
           <p:nvPr>
-            <p:ph idx="1" type="body"/>
+            <p:ph type="body" idx="1"/>
           </p:nvPr>
         </p:nvSpPr>
         <p:spPr>
@@ -1077,12 +1120,12 @@
           </a:prstGeom>
         </p:spPr>
         <p:txBody>
-          <a:bodyPr anchorCtr="0" anchor="t" bIns="91425" lIns="91425" spcFirstLastPara="1" rIns="91425" wrap="square" tIns="91425">
+          <a:bodyPr spcFirstLastPara="1" wrap="square" lIns="91425" tIns="91425" rIns="91425" bIns="91425" anchor="t" anchorCtr="0">
             <a:noAutofit/>
           </a:bodyPr>
           <a:lstStyle/>
           <a:p>
-            <a:pPr indent="0" lvl="0" marL="0" rtl="0" algn="l">
+            <a:pPr marL="0" lvl="0" indent="0" algn="l" rtl="0">
               <a:spcBef>
                 <a:spcPts val="0"/>
               </a:spcBef>
@@ -1091,9 +1134,6 @@
               </a:spcAft>
               <a:buNone/>
             </a:pPr>
-            <a:r>
-              <a:t/>
-            </a:r>
             <a:endParaRPr/>
           </a:p>
         </p:txBody>
@@ -1107,11 +1147,11 @@
 </file>
 
 <file path=ppt/notesSlides/notesSlide5.xml><?xml version="1.0" encoding="utf-8"?>
-<p:notes xmlns:a="http://schemas.openxmlformats.org/drawingml/2006/main" xmlns:r="http://schemas.openxmlformats.org/officeDocument/2006/relationships" xmlns:mc="http://schemas.openxmlformats.org/markup-compatibility/2006" xmlns:mv="urn:schemas-microsoft-com:mac:vml" xmlns:p="http://schemas.openxmlformats.org/presentationml/2006/main" xmlns:c="http://schemas.openxmlformats.org/drawingml/2006/chart" xmlns:dgm="http://schemas.openxmlformats.org/drawingml/2006/diagram" xmlns:o="urn:schemas-microsoft-com:office:office" xmlns:v="urn:schemas-microsoft-com:vml" xmlns:pvml="urn:schemas-microsoft-com:office:powerpoint" xmlns:com="http://schemas.openxmlformats.org/drawingml/2006/compatibility" xmlns:p14="http://schemas.microsoft.com/office/powerpoint/2010/main" xmlns:p15="http://schemas.microsoft.com/office/powerpoint/2012/main" showMasterPhAnim="0" showMasterSp="0">
+<p:notes xmlns:a="http://schemas.openxmlformats.org/drawingml/2006/main" xmlns:r="http://schemas.openxmlformats.org/officeDocument/2006/relationships" xmlns:p="http://schemas.openxmlformats.org/presentationml/2006/main" showMasterSp="0" showMasterPhAnim="0">
   <p:cSld>
     <p:spTree>
       <p:nvGrpSpPr>
-        <p:cNvPr id="99" name="Shape 99"/>
+        <p:cNvPr id="1" name="Shape 99"/>
         <p:cNvGrpSpPr/>
         <p:nvPr/>
       </p:nvGrpSpPr>
@@ -1126,20 +1166,26 @@
       <p:sp>
         <p:nvSpPr>
           <p:cNvPr id="100" name="Google Shape;100;gd251bb473_0_681:notes"/>
-          <p:cNvSpPr/>
+          <p:cNvSpPr>
+            <a:spLocks noGrp="1" noRot="1" noChangeAspect="1"/>
+          </p:cNvSpPr>
           <p:nvPr>
-            <p:ph idx="2" type="sldImg"/>
+            <p:ph type="sldImg" idx="2"/>
           </p:nvPr>
         </p:nvSpPr>
         <p:spPr>
           <a:xfrm>
-            <a:off x="381300" y="685800"/>
+            <a:off x="381000" y="685800"/>
             <a:ext cx="6096000" cy="3429000"/>
           </a:xfrm>
           <a:custGeom>
-            <a:rect b="b" l="l" r="r" t="t"/>
+            <a:avLst/>
+            <a:gdLst/>
+            <a:ahLst/>
+            <a:cxnLst/>
+            <a:rect l="l" t="t" r="r" b="b"/>
             <a:pathLst>
-              <a:path extrusionOk="0" h="120000" w="120000">
+              <a:path w="120000" h="120000" extrusionOk="0">
                 <a:moveTo>
                   <a:pt x="0" y="0"/>
                 </a:moveTo>
@@ -1161,9 +1207,11 @@
       <p:sp>
         <p:nvSpPr>
           <p:cNvPr id="101" name="Google Shape;101;gd251bb473_0_681:notes"/>
-          <p:cNvSpPr txBox="1"/>
+          <p:cNvSpPr txBox="1">
+            <a:spLocks noGrp="1"/>
+          </p:cNvSpPr>
           <p:nvPr>
-            <p:ph idx="1" type="body"/>
+            <p:ph type="body" idx="1"/>
           </p:nvPr>
         </p:nvSpPr>
         <p:spPr>
@@ -1176,12 +1224,12 @@
           </a:prstGeom>
         </p:spPr>
         <p:txBody>
-          <a:bodyPr anchorCtr="0" anchor="t" bIns="91425" lIns="91425" spcFirstLastPara="1" rIns="91425" wrap="square" tIns="91425">
+          <a:bodyPr spcFirstLastPara="1" wrap="square" lIns="91425" tIns="91425" rIns="91425" bIns="91425" anchor="t" anchorCtr="0">
             <a:noAutofit/>
           </a:bodyPr>
           <a:lstStyle/>
           <a:p>
-            <a:pPr indent="0" lvl="0" marL="0" rtl="0" algn="l">
+            <a:pPr marL="0" lvl="0" indent="0" algn="l" rtl="0">
               <a:spcBef>
                 <a:spcPts val="0"/>
               </a:spcBef>
@@ -1190,9 +1238,6 @@
               </a:spcAft>
               <a:buNone/>
             </a:pPr>
-            <a:r>
-              <a:t/>
-            </a:r>
             <a:endParaRPr/>
           </a:p>
         </p:txBody>
@@ -1206,11 +1251,11 @@
 </file>
 
 <file path=ppt/notesSlides/notesSlide6.xml><?xml version="1.0" encoding="utf-8"?>
-<p:notes xmlns:a="http://schemas.openxmlformats.org/drawingml/2006/main" xmlns:r="http://schemas.openxmlformats.org/officeDocument/2006/relationships" xmlns:mc="http://schemas.openxmlformats.org/markup-compatibility/2006" xmlns:mv="urn:schemas-microsoft-com:mac:vml" xmlns:p="http://schemas.openxmlformats.org/presentationml/2006/main" xmlns:c="http://schemas.openxmlformats.org/drawingml/2006/chart" xmlns:dgm="http://schemas.openxmlformats.org/drawingml/2006/diagram" xmlns:o="urn:schemas-microsoft-com:office:office" xmlns:v="urn:schemas-microsoft-com:vml" xmlns:pvml="urn:schemas-microsoft-com:office:powerpoint" xmlns:com="http://schemas.openxmlformats.org/drawingml/2006/compatibility" xmlns:p14="http://schemas.microsoft.com/office/powerpoint/2010/main" xmlns:p15="http://schemas.microsoft.com/office/powerpoint/2012/main" showMasterPhAnim="0" showMasterSp="0">
+<p:notes xmlns:a="http://schemas.openxmlformats.org/drawingml/2006/main" xmlns:r="http://schemas.openxmlformats.org/officeDocument/2006/relationships" xmlns:p="http://schemas.openxmlformats.org/presentationml/2006/main" showMasterSp="0" showMasterPhAnim="0">
   <p:cSld>
     <p:spTree>
       <p:nvGrpSpPr>
-        <p:cNvPr id="109" name="Shape 109"/>
+        <p:cNvPr id="1" name="Shape 109"/>
         <p:cNvGrpSpPr/>
         <p:nvPr/>
       </p:nvGrpSpPr>
@@ -1225,9 +1270,11 @@
       <p:sp>
         <p:nvSpPr>
           <p:cNvPr id="110" name="Google Shape;110;ge965474a9_3_50:notes"/>
-          <p:cNvSpPr/>
+          <p:cNvSpPr>
+            <a:spLocks noGrp="1" noRot="1" noChangeAspect="1"/>
+          </p:cNvSpPr>
           <p:nvPr>
-            <p:ph idx="2" type="sldImg"/>
+            <p:ph type="sldImg" idx="2"/>
           </p:nvPr>
         </p:nvSpPr>
         <p:spPr>
@@ -1236,9 +1283,13 @@
             <a:ext cx="6096000" cy="3429000"/>
           </a:xfrm>
           <a:custGeom>
-            <a:rect b="b" l="l" r="r" t="t"/>
+            <a:avLst/>
+            <a:gdLst/>
+            <a:ahLst/>
+            <a:cxnLst/>
+            <a:rect l="l" t="t" r="r" b="b"/>
             <a:pathLst>
-              <a:path extrusionOk="0" h="120000" w="120000">
+              <a:path w="120000" h="120000" extrusionOk="0">
                 <a:moveTo>
                   <a:pt x="0" y="0"/>
                 </a:moveTo>
@@ -1260,9 +1311,11 @@
       <p:sp>
         <p:nvSpPr>
           <p:cNvPr id="111" name="Google Shape;111;ge965474a9_3_50:notes"/>
-          <p:cNvSpPr txBox="1"/>
+          <p:cNvSpPr txBox="1">
+            <a:spLocks noGrp="1"/>
+          </p:cNvSpPr>
           <p:nvPr>
-            <p:ph idx="1" type="body"/>
+            <p:ph type="body" idx="1"/>
           </p:nvPr>
         </p:nvSpPr>
         <p:spPr>
@@ -1275,12 +1328,12 @@
           </a:prstGeom>
         </p:spPr>
         <p:txBody>
-          <a:bodyPr anchorCtr="0" anchor="t" bIns="91425" lIns="91425" spcFirstLastPara="1" rIns="91425" wrap="square" tIns="91425">
+          <a:bodyPr spcFirstLastPara="1" wrap="square" lIns="91425" tIns="91425" rIns="91425" bIns="91425" anchor="t" anchorCtr="0">
             <a:noAutofit/>
           </a:bodyPr>
           <a:lstStyle/>
           <a:p>
-            <a:pPr indent="0" lvl="0" marL="0" rtl="0" algn="l">
+            <a:pPr marL="0" lvl="0" indent="0" algn="l" rtl="0">
               <a:spcBef>
                 <a:spcPts val="0"/>
               </a:spcBef>
@@ -1289,9 +1342,6 @@
               </a:spcAft>
               <a:buNone/>
             </a:pPr>
-            <a:r>
-              <a:t/>
-            </a:r>
             <a:endParaRPr/>
           </a:p>
         </p:txBody>
@@ -1305,11 +1355,11 @@
 </file>
 
 <file path=ppt/notesSlides/notesSlide7.xml><?xml version="1.0" encoding="utf-8"?>
-<p:notes xmlns:a="http://schemas.openxmlformats.org/drawingml/2006/main" xmlns:r="http://schemas.openxmlformats.org/officeDocument/2006/relationships" xmlns:mc="http://schemas.openxmlformats.org/markup-compatibility/2006" xmlns:mv="urn:schemas-microsoft-com:mac:vml" xmlns:p="http://schemas.openxmlformats.org/presentationml/2006/main" xmlns:c="http://schemas.openxmlformats.org/drawingml/2006/chart" xmlns:dgm="http://schemas.openxmlformats.org/drawingml/2006/diagram" xmlns:o="urn:schemas-microsoft-com:office:office" xmlns:v="urn:schemas-microsoft-com:vml" xmlns:pvml="urn:schemas-microsoft-com:office:powerpoint" xmlns:com="http://schemas.openxmlformats.org/drawingml/2006/compatibility" xmlns:p14="http://schemas.microsoft.com/office/powerpoint/2010/main" xmlns:p15="http://schemas.microsoft.com/office/powerpoint/2012/main" showMasterPhAnim="0" showMasterSp="0">
+<p:notes xmlns:a="http://schemas.openxmlformats.org/drawingml/2006/main" xmlns:r="http://schemas.openxmlformats.org/officeDocument/2006/relationships" xmlns:p="http://schemas.openxmlformats.org/presentationml/2006/main" showMasterSp="0" showMasterPhAnim="0">
   <p:cSld>
     <p:spTree>
       <p:nvGrpSpPr>
-        <p:cNvPr id="119" name="Shape 119"/>
+        <p:cNvPr id="1" name="Shape 119"/>
         <p:cNvGrpSpPr/>
         <p:nvPr/>
       </p:nvGrpSpPr>
@@ -1324,9 +1374,11 @@
       <p:sp>
         <p:nvSpPr>
           <p:cNvPr id="120" name="Google Shape;120;g648802f467_0_4:notes"/>
-          <p:cNvSpPr/>
+          <p:cNvSpPr>
+            <a:spLocks noGrp="1" noRot="1" noChangeAspect="1"/>
+          </p:cNvSpPr>
           <p:nvPr>
-            <p:ph idx="2" type="sldImg"/>
+            <p:ph type="sldImg" idx="2"/>
           </p:nvPr>
         </p:nvSpPr>
         <p:spPr>
@@ -1335,9 +1387,13 @@
             <a:ext cx="6096000" cy="3429000"/>
           </a:xfrm>
           <a:custGeom>
-            <a:rect b="b" l="l" r="r" t="t"/>
+            <a:avLst/>
+            <a:gdLst/>
+            <a:ahLst/>
+            <a:cxnLst/>
+            <a:rect l="l" t="t" r="r" b="b"/>
             <a:pathLst>
-              <a:path extrusionOk="0" h="120000" w="120000">
+              <a:path w="120000" h="120000" extrusionOk="0">
                 <a:moveTo>
                   <a:pt x="0" y="0"/>
                 </a:moveTo>
@@ -1359,9 +1415,11 @@
       <p:sp>
         <p:nvSpPr>
           <p:cNvPr id="121" name="Google Shape;121;g648802f467_0_4:notes"/>
-          <p:cNvSpPr txBox="1"/>
+          <p:cNvSpPr txBox="1">
+            <a:spLocks noGrp="1"/>
+          </p:cNvSpPr>
           <p:nvPr>
-            <p:ph idx="1" type="body"/>
+            <p:ph type="body" idx="1"/>
           </p:nvPr>
         </p:nvSpPr>
         <p:spPr>
@@ -1374,12 +1432,12 @@
           </a:prstGeom>
         </p:spPr>
         <p:txBody>
-          <a:bodyPr anchorCtr="0" anchor="t" bIns="91425" lIns="91425" spcFirstLastPara="1" rIns="91425" wrap="square" tIns="91425">
+          <a:bodyPr spcFirstLastPara="1" wrap="square" lIns="91425" tIns="91425" rIns="91425" bIns="91425" anchor="t" anchorCtr="0">
             <a:noAutofit/>
           </a:bodyPr>
           <a:lstStyle/>
           <a:p>
-            <a:pPr indent="0" lvl="0" marL="0" rtl="0" algn="l">
+            <a:pPr marL="0" lvl="0" indent="0" algn="l" rtl="0">
               <a:spcBef>
                 <a:spcPts val="0"/>
               </a:spcBef>
@@ -1388,9 +1446,6 @@
               </a:spcAft>
               <a:buNone/>
             </a:pPr>
-            <a:r>
-              <a:t/>
-            </a:r>
             <a:endParaRPr/>
           </a:p>
         </p:txBody>
@@ -1404,11 +1459,11 @@
 </file>
 
 <file path=ppt/notesSlides/notesSlide8.xml><?xml version="1.0" encoding="utf-8"?>
-<p:notes xmlns:a="http://schemas.openxmlformats.org/drawingml/2006/main" xmlns:r="http://schemas.openxmlformats.org/officeDocument/2006/relationships" xmlns:mc="http://schemas.openxmlformats.org/markup-compatibility/2006" xmlns:mv="urn:schemas-microsoft-com:mac:vml" xmlns:p="http://schemas.openxmlformats.org/presentationml/2006/main" xmlns:c="http://schemas.openxmlformats.org/drawingml/2006/chart" xmlns:dgm="http://schemas.openxmlformats.org/drawingml/2006/diagram" xmlns:o="urn:schemas-microsoft-com:office:office" xmlns:v="urn:schemas-microsoft-com:vml" xmlns:pvml="urn:schemas-microsoft-com:office:powerpoint" xmlns:com="http://schemas.openxmlformats.org/drawingml/2006/compatibility" xmlns:p14="http://schemas.microsoft.com/office/powerpoint/2010/main" xmlns:p15="http://schemas.microsoft.com/office/powerpoint/2012/main" showMasterPhAnim="0" showMasterSp="0">
+<p:notes xmlns:a="http://schemas.openxmlformats.org/drawingml/2006/main" xmlns:r="http://schemas.openxmlformats.org/officeDocument/2006/relationships" xmlns:p="http://schemas.openxmlformats.org/presentationml/2006/main" showMasterSp="0" showMasterPhAnim="0">
   <p:cSld>
     <p:spTree>
       <p:nvGrpSpPr>
-        <p:cNvPr id="129" name="Shape 129"/>
+        <p:cNvPr id="1" name="Shape 129"/>
         <p:cNvGrpSpPr/>
         <p:nvPr/>
       </p:nvGrpSpPr>
@@ -1423,9 +1478,11 @@
       <p:sp>
         <p:nvSpPr>
           <p:cNvPr id="130" name="Google Shape;130;gcb9a0b074_1_103:notes"/>
-          <p:cNvSpPr/>
+          <p:cNvSpPr>
+            <a:spLocks noGrp="1" noRot="1" noChangeAspect="1"/>
+          </p:cNvSpPr>
           <p:nvPr>
-            <p:ph idx="2" type="sldImg"/>
+            <p:ph type="sldImg" idx="2"/>
           </p:nvPr>
         </p:nvSpPr>
         <p:spPr>
@@ -1434,9 +1491,13 @@
             <a:ext cx="6096000" cy="3429000"/>
           </a:xfrm>
           <a:custGeom>
-            <a:rect b="b" l="l" r="r" t="t"/>
+            <a:avLst/>
+            <a:gdLst/>
+            <a:ahLst/>
+            <a:cxnLst/>
+            <a:rect l="l" t="t" r="r" b="b"/>
             <a:pathLst>
-              <a:path extrusionOk="0" h="120000" w="120000">
+              <a:path w="120000" h="120000" extrusionOk="0">
                 <a:moveTo>
                   <a:pt x="0" y="0"/>
                 </a:moveTo>
@@ -1458,9 +1519,11 @@
       <p:sp>
         <p:nvSpPr>
           <p:cNvPr id="131" name="Google Shape;131;gcb9a0b074_1_103:notes"/>
-          <p:cNvSpPr txBox="1"/>
+          <p:cNvSpPr txBox="1">
+            <a:spLocks noGrp="1"/>
+          </p:cNvSpPr>
           <p:nvPr>
-            <p:ph idx="1" type="body"/>
+            <p:ph type="body" idx="1"/>
           </p:nvPr>
         </p:nvSpPr>
         <p:spPr>
@@ -1473,12 +1536,12 @@
           </a:prstGeom>
         </p:spPr>
         <p:txBody>
-          <a:bodyPr anchorCtr="0" anchor="t" bIns="91425" lIns="91425" spcFirstLastPara="1" rIns="91425" wrap="square" tIns="91425">
+          <a:bodyPr spcFirstLastPara="1" wrap="square" lIns="91425" tIns="91425" rIns="91425" bIns="91425" anchor="t" anchorCtr="0">
             <a:noAutofit/>
           </a:bodyPr>
           <a:lstStyle/>
           <a:p>
-            <a:pPr indent="0" lvl="0" marL="0" rtl="0" algn="l">
+            <a:pPr marL="0" lvl="0" indent="0" algn="l" rtl="0">
               <a:spcBef>
                 <a:spcPts val="0"/>
               </a:spcBef>
@@ -1487,9 +1550,6 @@
               </a:spcAft>
               <a:buNone/>
             </a:pPr>
-            <a:r>
-              <a:t/>
-            </a:r>
             <a:endParaRPr/>
           </a:p>
         </p:txBody>
@@ -1503,11 +1563,11 @@
 </file>
 
 <file path=ppt/notesSlides/notesSlide9.xml><?xml version="1.0" encoding="utf-8"?>
-<p:notes xmlns:a="http://schemas.openxmlformats.org/drawingml/2006/main" xmlns:r="http://schemas.openxmlformats.org/officeDocument/2006/relationships" xmlns:mc="http://schemas.openxmlformats.org/markup-compatibility/2006" xmlns:mv="urn:schemas-microsoft-com:mac:vml" xmlns:p="http://schemas.openxmlformats.org/presentationml/2006/main" xmlns:c="http://schemas.openxmlformats.org/drawingml/2006/chart" xmlns:dgm="http://schemas.openxmlformats.org/drawingml/2006/diagram" xmlns:o="urn:schemas-microsoft-com:office:office" xmlns:v="urn:schemas-microsoft-com:vml" xmlns:pvml="urn:schemas-microsoft-com:office:powerpoint" xmlns:com="http://schemas.openxmlformats.org/drawingml/2006/compatibility" xmlns:p14="http://schemas.microsoft.com/office/powerpoint/2010/main" xmlns:p15="http://schemas.microsoft.com/office/powerpoint/2012/main" showMasterPhAnim="0" showMasterSp="0">
+<p:notes xmlns:a="http://schemas.openxmlformats.org/drawingml/2006/main" xmlns:r="http://schemas.openxmlformats.org/officeDocument/2006/relationships" xmlns:p="http://schemas.openxmlformats.org/presentationml/2006/main" showMasterSp="0" showMasterPhAnim="0">
   <p:cSld>
     <p:spTree>
       <p:nvGrpSpPr>
-        <p:cNvPr id="137" name="Shape 137"/>
+        <p:cNvPr id="1" name="Shape 137"/>
         <p:cNvGrpSpPr/>
         <p:nvPr/>
       </p:nvGrpSpPr>
@@ -1522,9 +1582,11 @@
       <p:sp>
         <p:nvSpPr>
           <p:cNvPr id="138" name="Google Shape;138;ge965474a9_3_74:notes"/>
-          <p:cNvSpPr/>
+          <p:cNvSpPr>
+            <a:spLocks noGrp="1" noRot="1" noChangeAspect="1"/>
+          </p:cNvSpPr>
           <p:nvPr>
-            <p:ph idx="2" type="sldImg"/>
+            <p:ph type="sldImg" idx="2"/>
           </p:nvPr>
         </p:nvSpPr>
         <p:spPr>
@@ -1533,9 +1595,13 @@
             <a:ext cx="6096000" cy="3429000"/>
           </a:xfrm>
           <a:custGeom>
-            <a:rect b="b" l="l" r="r" t="t"/>
+            <a:avLst/>
+            <a:gdLst/>
+            <a:ahLst/>
+            <a:cxnLst/>
+            <a:rect l="l" t="t" r="r" b="b"/>
             <a:pathLst>
-              <a:path extrusionOk="0" h="120000" w="120000">
+              <a:path w="120000" h="120000" extrusionOk="0">
                 <a:moveTo>
                   <a:pt x="0" y="0"/>
                 </a:moveTo>
@@ -1557,9 +1623,11 @@
       <p:sp>
         <p:nvSpPr>
           <p:cNvPr id="139" name="Google Shape;139;ge965474a9_3_74:notes"/>
-          <p:cNvSpPr txBox="1"/>
+          <p:cNvSpPr txBox="1">
+            <a:spLocks noGrp="1"/>
+          </p:cNvSpPr>
           <p:nvPr>
-            <p:ph idx="1" type="body"/>
+            <p:ph type="body" idx="1"/>
           </p:nvPr>
         </p:nvSpPr>
         <p:spPr>
@@ -1572,12 +1640,12 @@
           </a:prstGeom>
         </p:spPr>
         <p:txBody>
-          <a:bodyPr anchorCtr="0" anchor="t" bIns="91425" lIns="91425" spcFirstLastPara="1" rIns="91425" wrap="square" tIns="91425">
+          <a:bodyPr spcFirstLastPara="1" wrap="square" lIns="91425" tIns="91425" rIns="91425" bIns="91425" anchor="t" anchorCtr="0">
             <a:noAutofit/>
           </a:bodyPr>
           <a:lstStyle/>
           <a:p>
-            <a:pPr indent="0" lvl="0" marL="0" rtl="0" algn="l">
+            <a:pPr marL="0" lvl="0" indent="0" algn="l" rtl="0">
               <a:spcBef>
                 <a:spcPts val="0"/>
               </a:spcBef>
@@ -1586,9 +1654,6 @@
               </a:spcAft>
               <a:buNone/>
             </a:pPr>
-            <a:r>
-              <a:t/>
-            </a:r>
             <a:endParaRPr/>
           </a:p>
         </p:txBody>
@@ -1602,18 +1667,19 @@
 </file>
 
 <file path=ppt/slideLayouts/slideLayout1.xml><?xml version="1.0" encoding="utf-8"?>
-<p:sldLayout xmlns:a="http://schemas.openxmlformats.org/drawingml/2006/main" xmlns:r="http://schemas.openxmlformats.org/officeDocument/2006/relationships" xmlns:mc="http://schemas.openxmlformats.org/markup-compatibility/2006" xmlns:mv="urn:schemas-microsoft-com:mac:vml" xmlns:p="http://schemas.openxmlformats.org/presentationml/2006/main" xmlns:c="http://schemas.openxmlformats.org/drawingml/2006/chart" xmlns:dgm="http://schemas.openxmlformats.org/drawingml/2006/diagram" xmlns:o="urn:schemas-microsoft-com:office:office" xmlns:v="urn:schemas-microsoft-com:vml" xmlns:pvml="urn:schemas-microsoft-com:office:powerpoint" xmlns:com="http://schemas.openxmlformats.org/drawingml/2006/compatibility" xmlns:p14="http://schemas.microsoft.com/office/powerpoint/2010/main" xmlns:p15="http://schemas.microsoft.com/office/powerpoint/2012/main" matchingName="Title slide" type="title">
+<p:sldLayout xmlns:a="http://schemas.openxmlformats.org/drawingml/2006/main" xmlns:r="http://schemas.openxmlformats.org/officeDocument/2006/relationships" xmlns:p="http://schemas.openxmlformats.org/presentationml/2006/main" matchingName="Title slide" type="title">
   <p:cSld name="TITLE">
     <p:bg>
       <p:bgPr>
         <a:solidFill>
           <a:schemeClr val="dk1"/>
         </a:solidFill>
+        <a:effectLst/>
       </p:bgPr>
     </p:bg>
     <p:spTree>
       <p:nvGrpSpPr>
-        <p:cNvPr id="9" name="Shape 9"/>
+        <p:cNvPr id="1" name="Shape 9"/>
         <p:cNvGrpSpPr/>
         <p:nvPr/>
       </p:nvGrpSpPr>
@@ -1640,14 +1706,14 @@
             <a:avLst/>
           </a:prstGeom>
           <a:noFill/>
-          <a:ln cap="flat" cmpd="sng" w="38100">
+          <a:ln w="38100" cap="flat" cmpd="sng">
             <a:solidFill>
               <a:schemeClr val="lt1"/>
             </a:solidFill>
             <a:prstDash val="solid"/>
             <a:round/>
-            <a:headEnd len="sm" w="sm" type="none"/>
-            <a:tailEnd len="sm" w="sm" type="none"/>
+            <a:headEnd type="none" w="sm" len="sm"/>
+            <a:tailEnd type="none" w="sm" len="sm"/>
           </a:ln>
         </p:spPr>
       </p:cxnSp>
@@ -1666,14 +1732,14 @@
             <a:avLst/>
           </a:prstGeom>
           <a:noFill/>
-          <a:ln cap="flat" cmpd="sng" w="19050">
+          <a:ln w="19050" cap="flat" cmpd="sng">
             <a:solidFill>
               <a:schemeClr val="lt1"/>
             </a:solidFill>
             <a:prstDash val="solid"/>
             <a:round/>
-            <a:headEnd len="sm" w="sm" type="none"/>
-            <a:tailEnd len="sm" w="sm" type="none"/>
+            <a:headEnd type="none" w="sm" len="sm"/>
+            <a:tailEnd type="none" w="sm" len="sm"/>
           </a:ln>
         </p:spPr>
       </p:cxnSp>
@@ -1692,21 +1758,23 @@
             <a:avLst/>
           </a:prstGeom>
           <a:noFill/>
-          <a:ln cap="flat" cmpd="sng" w="19050">
+          <a:ln w="19050" cap="flat" cmpd="sng">
             <a:solidFill>
               <a:schemeClr val="lt1"/>
             </a:solidFill>
             <a:prstDash val="solid"/>
             <a:round/>
-            <a:headEnd len="sm" w="sm" type="none"/>
-            <a:tailEnd len="sm" w="sm" type="none"/>
+            <a:headEnd type="none" w="sm" len="sm"/>
+            <a:tailEnd type="none" w="sm" len="sm"/>
           </a:ln>
         </p:spPr>
       </p:cxnSp>
       <p:sp>
         <p:nvSpPr>
           <p:cNvPr id="13" name="Google Shape;13;p2"/>
-          <p:cNvSpPr txBox="1"/>
+          <p:cNvSpPr txBox="1">
+            <a:spLocks noGrp="1"/>
+          </p:cNvSpPr>
           <p:nvPr>
             <p:ph type="ctrTitle"/>
           </p:nvPr>
@@ -1721,7 +1789,7 @@
           </a:prstGeom>
         </p:spPr>
         <p:txBody>
-          <a:bodyPr anchorCtr="0" anchor="t" bIns="91425" lIns="91425" spcFirstLastPara="1" rIns="91425" wrap="square" tIns="91425">
+          <a:bodyPr spcFirstLastPara="1" wrap="square" lIns="91425" tIns="91425" rIns="91425" bIns="91425" anchor="t" anchorCtr="0">
             <a:noAutofit/>
           </a:bodyPr>
           <a:lstStyle>
@@ -1888,15 +1956,19 @@
               </a:defRPr>
             </a:lvl9pPr>
           </a:lstStyle>
-          <a:p/>
+          <a:p>
+            <a:endParaRPr/>
+          </a:p>
         </p:txBody>
       </p:sp>
       <p:sp>
         <p:nvSpPr>
           <p:cNvPr id="14" name="Google Shape;14;p2"/>
-          <p:cNvSpPr txBox="1"/>
+          <p:cNvSpPr txBox="1">
+            <a:spLocks noGrp="1"/>
+          </p:cNvSpPr>
           <p:nvPr>
-            <p:ph idx="1" type="subTitle"/>
+            <p:ph type="subTitle" idx="1"/>
           </p:nvPr>
         </p:nvSpPr>
         <p:spPr>
@@ -1909,7 +1981,7 @@
           </a:prstGeom>
         </p:spPr>
         <p:txBody>
-          <a:bodyPr anchorCtr="0" anchor="b" bIns="91425" lIns="91425" spcFirstLastPara="1" rIns="91425" wrap="square" tIns="91425">
+          <a:bodyPr spcFirstLastPara="1" wrap="square" lIns="91425" tIns="91425" rIns="91425" bIns="91425" anchor="b" anchorCtr="0">
             <a:noAutofit/>
           </a:bodyPr>
           <a:lstStyle>
@@ -2103,15 +2175,19 @@
               </a:defRPr>
             </a:lvl9pPr>
           </a:lstStyle>
-          <a:p/>
+          <a:p>
+            <a:endParaRPr/>
+          </a:p>
         </p:txBody>
       </p:sp>
       <p:sp>
         <p:nvSpPr>
           <p:cNvPr id="15" name="Google Shape;15;p2"/>
-          <p:cNvSpPr txBox="1"/>
+          <p:cNvSpPr txBox="1">
+            <a:spLocks noGrp="1"/>
+          </p:cNvSpPr>
           <p:nvPr>
-            <p:ph idx="12" type="sldNum"/>
+            <p:ph type="sldNum" idx="12"/>
           </p:nvPr>
         </p:nvSpPr>
         <p:spPr>
@@ -2124,7 +2200,7 @@
           </a:prstGeom>
         </p:spPr>
         <p:txBody>
-          <a:bodyPr anchorCtr="0" anchor="ctr" bIns="91425" lIns="91425" spcFirstLastPara="1" rIns="91425" wrap="square" tIns="91425">
+          <a:bodyPr spcFirstLastPara="1" wrap="square" lIns="91425" tIns="91425" rIns="91425" bIns="91425" anchor="ctr" anchorCtr="0">
             <a:noAutofit/>
           </a:bodyPr>
           <a:lstStyle>
@@ -2202,7 +2278,7 @@
             </a:lvl9pPr>
           </a:lstStyle>
           <a:p>
-            <a:pPr indent="0" lvl="0" marL="0" rtl="0" algn="r">
+            <a:pPr marL="0" lvl="0" indent="0" algn="r" rtl="0">
               <a:spcBef>
                 <a:spcPts val="0"/>
               </a:spcBef>
@@ -2228,11 +2304,11 @@
 </file>
 
 <file path=ppt/slideLayouts/slideLayout10.xml><?xml version="1.0" encoding="utf-8"?>
-<p:sldLayout xmlns:a="http://schemas.openxmlformats.org/drawingml/2006/main" xmlns:r="http://schemas.openxmlformats.org/officeDocument/2006/relationships" xmlns:mc="http://schemas.openxmlformats.org/markup-compatibility/2006" xmlns:mv="urn:schemas-microsoft-com:mac:vml" xmlns:p="http://schemas.openxmlformats.org/presentationml/2006/main" xmlns:c="http://schemas.openxmlformats.org/drawingml/2006/chart" xmlns:dgm="http://schemas.openxmlformats.org/drawingml/2006/diagram" xmlns:o="urn:schemas-microsoft-com:office:office" xmlns:v="urn:schemas-microsoft-com:vml" xmlns:pvml="urn:schemas-microsoft-com:office:powerpoint" xmlns:com="http://schemas.openxmlformats.org/drawingml/2006/compatibility" xmlns:p14="http://schemas.microsoft.com/office/powerpoint/2010/main" xmlns:p15="http://schemas.microsoft.com/office/powerpoint/2012/main" matchingName="Big number">
+<p:sldLayout xmlns:a="http://schemas.openxmlformats.org/drawingml/2006/main" xmlns:r="http://schemas.openxmlformats.org/officeDocument/2006/relationships" xmlns:p="http://schemas.openxmlformats.org/presentationml/2006/main" matchingName="Big number">
   <p:cSld name="BIG_NUMBER">
     <p:spTree>
       <p:nvGrpSpPr>
-        <p:cNvPr id="60" name="Shape 60"/>
+        <p:cNvPr id="1" name="Shape 60"/>
         <p:cNvGrpSpPr/>
         <p:nvPr/>
       </p:nvGrpSpPr>
@@ -2259,14 +2335,14 @@
             <a:avLst/>
           </a:prstGeom>
           <a:noFill/>
-          <a:ln cap="flat" cmpd="sng" w="19050">
+          <a:ln w="19050" cap="flat" cmpd="sng">
             <a:solidFill>
               <a:schemeClr val="dk2"/>
             </a:solidFill>
             <a:prstDash val="solid"/>
             <a:round/>
-            <a:headEnd len="sm" w="sm" type="none"/>
-            <a:tailEnd len="sm" w="sm" type="none"/>
+            <a:headEnd type="none" w="sm" len="sm"/>
+            <a:tailEnd type="none" w="sm" len="sm"/>
           </a:ln>
         </p:spPr>
       </p:cxnSp>
@@ -2285,23 +2361,25 @@
             <a:avLst/>
           </a:prstGeom>
           <a:noFill/>
-          <a:ln cap="flat" cmpd="sng" w="38100">
+          <a:ln w="38100" cap="flat" cmpd="sng">
             <a:solidFill>
               <a:schemeClr val="dk2"/>
             </a:solidFill>
             <a:prstDash val="solid"/>
             <a:round/>
-            <a:headEnd len="sm" w="sm" type="none"/>
-            <a:tailEnd len="sm" w="sm" type="none"/>
+            <a:headEnd type="none" w="sm" len="sm"/>
+            <a:tailEnd type="none" w="sm" len="sm"/>
           </a:ln>
         </p:spPr>
       </p:cxnSp>
       <p:sp>
         <p:nvSpPr>
           <p:cNvPr id="63" name="Google Shape;63;p11"/>
-          <p:cNvSpPr txBox="1"/>
+          <p:cNvSpPr txBox="1">
+            <a:spLocks noGrp="1"/>
+          </p:cNvSpPr>
           <p:nvPr>
-            <p:ph hasCustomPrompt="1" type="title"/>
+            <p:ph type="title" hasCustomPrompt="1"/>
           </p:nvPr>
         </p:nvSpPr>
         <p:spPr>
@@ -2314,11 +2392,11 @@
           </a:prstGeom>
         </p:spPr>
         <p:txBody>
-          <a:bodyPr anchorCtr="0" anchor="ctr" bIns="91425" lIns="91425" spcFirstLastPara="1" rIns="91425" wrap="square" tIns="91425">
+          <a:bodyPr spcFirstLastPara="1" wrap="square" lIns="91425" tIns="91425" rIns="91425" bIns="91425" anchor="ctr" anchorCtr="0">
             <a:noAutofit/>
           </a:bodyPr>
           <a:lstStyle>
-            <a:lvl1pPr lvl="0" rtl="0" algn="ctr">
+            <a:lvl1pPr lvl="0" algn="ctr" rtl="0">
               <a:spcBef>
                 <a:spcPts val="0"/>
               </a:spcBef>
@@ -2341,7 +2419,7 @@
                 <a:sym typeface="Lato"/>
               </a:defRPr>
             </a:lvl1pPr>
-            <a:lvl2pPr lvl="1" rtl="0" algn="ctr">
+            <a:lvl2pPr lvl="1" algn="ctr" rtl="0">
               <a:spcBef>
                 <a:spcPts val="0"/>
               </a:spcBef>
@@ -2364,7 +2442,7 @@
                 <a:sym typeface="Lato"/>
               </a:defRPr>
             </a:lvl2pPr>
-            <a:lvl3pPr lvl="2" rtl="0" algn="ctr">
+            <a:lvl3pPr lvl="2" algn="ctr" rtl="0">
               <a:spcBef>
                 <a:spcPts val="0"/>
               </a:spcBef>
@@ -2387,7 +2465,7 @@
                 <a:sym typeface="Lato"/>
               </a:defRPr>
             </a:lvl3pPr>
-            <a:lvl4pPr lvl="3" rtl="0" algn="ctr">
+            <a:lvl4pPr lvl="3" algn="ctr" rtl="0">
               <a:spcBef>
                 <a:spcPts val="0"/>
               </a:spcBef>
@@ -2410,7 +2488,7 @@
                 <a:sym typeface="Lato"/>
               </a:defRPr>
             </a:lvl4pPr>
-            <a:lvl5pPr lvl="4" rtl="0" algn="ctr">
+            <a:lvl5pPr lvl="4" algn="ctr" rtl="0">
               <a:spcBef>
                 <a:spcPts val="0"/>
               </a:spcBef>
@@ -2433,7 +2511,7 @@
                 <a:sym typeface="Lato"/>
               </a:defRPr>
             </a:lvl5pPr>
-            <a:lvl6pPr lvl="5" rtl="0" algn="ctr">
+            <a:lvl6pPr lvl="5" algn="ctr" rtl="0">
               <a:spcBef>
                 <a:spcPts val="0"/>
               </a:spcBef>
@@ -2456,7 +2534,7 @@
                 <a:sym typeface="Lato"/>
               </a:defRPr>
             </a:lvl6pPr>
-            <a:lvl7pPr lvl="6" rtl="0" algn="ctr">
+            <a:lvl7pPr lvl="6" algn="ctr" rtl="0">
               <a:spcBef>
                 <a:spcPts val="0"/>
               </a:spcBef>
@@ -2479,7 +2557,7 @@
                 <a:sym typeface="Lato"/>
               </a:defRPr>
             </a:lvl7pPr>
-            <a:lvl8pPr lvl="7" rtl="0" algn="ctr">
+            <a:lvl8pPr lvl="7" algn="ctr" rtl="0">
               <a:spcBef>
                 <a:spcPts val="0"/>
               </a:spcBef>
@@ -2502,7 +2580,7 @@
                 <a:sym typeface="Lato"/>
               </a:defRPr>
             </a:lvl8pPr>
-            <a:lvl9pPr lvl="8" rtl="0" algn="ctr">
+            <a:lvl9pPr lvl="8" algn="ctr" rtl="0">
               <a:spcBef>
                 <a:spcPts val="0"/>
               </a:spcBef>
@@ -2536,9 +2614,11 @@
       <p:sp>
         <p:nvSpPr>
           <p:cNvPr id="64" name="Google Shape;64;p11"/>
-          <p:cNvSpPr txBox="1"/>
+          <p:cNvSpPr txBox="1">
+            <a:spLocks noGrp="1"/>
+          </p:cNvSpPr>
           <p:nvPr>
-            <p:ph idx="1" type="body"/>
+            <p:ph type="body" idx="1"/>
           </p:nvPr>
         </p:nvSpPr>
         <p:spPr>
@@ -2551,11 +2631,11 @@
           </a:prstGeom>
         </p:spPr>
         <p:txBody>
-          <a:bodyPr anchorCtr="0" anchor="t" bIns="91425" lIns="91425" spcFirstLastPara="1" rIns="91425" wrap="square" tIns="91425">
+          <a:bodyPr spcFirstLastPara="1" wrap="square" lIns="91425" tIns="91425" rIns="91425" bIns="91425" anchor="t" anchorCtr="0">
             <a:noAutofit/>
           </a:bodyPr>
           <a:lstStyle>
-            <a:lvl1pPr indent="-342900" lvl="0" marL="457200" rtl="0" algn="ctr">
+            <a:lvl1pPr marL="457200" lvl="0" indent="-342900" algn="ctr" rtl="0">
               <a:spcBef>
                 <a:spcPts val="0"/>
               </a:spcBef>
@@ -2566,7 +2646,7 @@
               <a:buChar char="●"/>
               <a:defRPr/>
             </a:lvl1pPr>
-            <a:lvl2pPr indent="-317500" lvl="1" marL="914400" rtl="0" algn="ctr">
+            <a:lvl2pPr marL="914400" lvl="1" indent="-317500" algn="ctr" rtl="0">
               <a:spcBef>
                 <a:spcPts val="1600"/>
               </a:spcBef>
@@ -2577,7 +2657,7 @@
               <a:buChar char="○"/>
               <a:defRPr/>
             </a:lvl2pPr>
-            <a:lvl3pPr indent="-317500" lvl="2" marL="1371600" rtl="0" algn="ctr">
+            <a:lvl3pPr marL="1371600" lvl="2" indent="-317500" algn="ctr" rtl="0">
               <a:spcBef>
                 <a:spcPts val="1600"/>
               </a:spcBef>
@@ -2588,7 +2668,7 @@
               <a:buChar char="■"/>
               <a:defRPr/>
             </a:lvl3pPr>
-            <a:lvl4pPr indent="-317500" lvl="3" marL="1828800" rtl="0" algn="ctr">
+            <a:lvl4pPr marL="1828800" lvl="3" indent="-317500" algn="ctr" rtl="0">
               <a:spcBef>
                 <a:spcPts val="1600"/>
               </a:spcBef>
@@ -2599,7 +2679,7 @@
               <a:buChar char="●"/>
               <a:defRPr/>
             </a:lvl4pPr>
-            <a:lvl5pPr indent="-317500" lvl="4" marL="2286000" rtl="0" algn="ctr">
+            <a:lvl5pPr marL="2286000" lvl="4" indent="-317500" algn="ctr" rtl="0">
               <a:spcBef>
                 <a:spcPts val="1600"/>
               </a:spcBef>
@@ -2610,7 +2690,7 @@
               <a:buChar char="○"/>
               <a:defRPr/>
             </a:lvl5pPr>
-            <a:lvl6pPr indent="-317500" lvl="5" marL="2743200" rtl="0" algn="ctr">
+            <a:lvl6pPr marL="2743200" lvl="5" indent="-317500" algn="ctr" rtl="0">
               <a:spcBef>
                 <a:spcPts val="1600"/>
               </a:spcBef>
@@ -2621,7 +2701,7 @@
               <a:buChar char="■"/>
               <a:defRPr/>
             </a:lvl6pPr>
-            <a:lvl7pPr indent="-317500" lvl="6" marL="3200400" rtl="0" algn="ctr">
+            <a:lvl7pPr marL="3200400" lvl="6" indent="-317500" algn="ctr" rtl="0">
               <a:spcBef>
                 <a:spcPts val="1600"/>
               </a:spcBef>
@@ -2632,7 +2712,7 @@
               <a:buChar char="●"/>
               <a:defRPr/>
             </a:lvl7pPr>
-            <a:lvl8pPr indent="-317500" lvl="7" marL="3657600" rtl="0" algn="ctr">
+            <a:lvl8pPr marL="3657600" lvl="7" indent="-317500" algn="ctr" rtl="0">
               <a:spcBef>
                 <a:spcPts val="1600"/>
               </a:spcBef>
@@ -2643,7 +2723,7 @@
               <a:buChar char="○"/>
               <a:defRPr/>
             </a:lvl8pPr>
-            <a:lvl9pPr indent="-317500" lvl="8" marL="4114800" rtl="0" algn="ctr">
+            <a:lvl9pPr marL="4114800" lvl="8" indent="-317500" algn="ctr" rtl="0">
               <a:spcBef>
                 <a:spcPts val="1600"/>
               </a:spcBef>
@@ -2655,15 +2735,19 @@
               <a:defRPr/>
             </a:lvl9pPr>
           </a:lstStyle>
-          <a:p/>
+          <a:p>
+            <a:endParaRPr/>
+          </a:p>
         </p:txBody>
       </p:sp>
       <p:sp>
         <p:nvSpPr>
           <p:cNvPr id="65" name="Google Shape;65;p11"/>
-          <p:cNvSpPr txBox="1"/>
+          <p:cNvSpPr txBox="1">
+            <a:spLocks noGrp="1"/>
+          </p:cNvSpPr>
           <p:nvPr>
-            <p:ph idx="12" type="sldNum"/>
+            <p:ph type="sldNum" idx="12"/>
           </p:nvPr>
         </p:nvSpPr>
         <p:spPr>
@@ -2676,7 +2760,7 @@
           </a:prstGeom>
         </p:spPr>
         <p:txBody>
-          <a:bodyPr anchorCtr="0" anchor="ctr" bIns="91425" lIns="91425" spcFirstLastPara="1" rIns="91425" wrap="square" tIns="91425">
+          <a:bodyPr spcFirstLastPara="1" wrap="square" lIns="91425" tIns="91425" rIns="91425" bIns="91425" anchor="ctr" anchorCtr="0">
             <a:noAutofit/>
           </a:bodyPr>
           <a:lstStyle>
@@ -2718,7 +2802,7 @@
             </a:lvl9pPr>
           </a:lstStyle>
           <a:p>
-            <a:pPr indent="0" lvl="0" marL="0" rtl="0" algn="r">
+            <a:pPr marL="0" lvl="0" indent="0" algn="r" rtl="0">
               <a:spcBef>
                 <a:spcPts val="0"/>
               </a:spcBef>
@@ -2744,11 +2828,11 @@
 </file>
 
 <file path=ppt/slideLayouts/slideLayout11.xml><?xml version="1.0" encoding="utf-8"?>
-<p:sldLayout xmlns:a="http://schemas.openxmlformats.org/drawingml/2006/main" xmlns:r="http://schemas.openxmlformats.org/officeDocument/2006/relationships" xmlns:mc="http://schemas.openxmlformats.org/markup-compatibility/2006" xmlns:mv="urn:schemas-microsoft-com:mac:vml" xmlns:p="http://schemas.openxmlformats.org/presentationml/2006/main" xmlns:c="http://schemas.openxmlformats.org/drawingml/2006/chart" xmlns:dgm="http://schemas.openxmlformats.org/drawingml/2006/diagram" xmlns:o="urn:schemas-microsoft-com:office:office" xmlns:v="urn:schemas-microsoft-com:vml" xmlns:pvml="urn:schemas-microsoft-com:office:powerpoint" xmlns:com="http://schemas.openxmlformats.org/drawingml/2006/compatibility" xmlns:p14="http://schemas.microsoft.com/office/powerpoint/2010/main" xmlns:p15="http://schemas.microsoft.com/office/powerpoint/2012/main" matchingName="Blank" type="blank">
+<p:sldLayout xmlns:a="http://schemas.openxmlformats.org/drawingml/2006/main" xmlns:r="http://schemas.openxmlformats.org/officeDocument/2006/relationships" xmlns:p="http://schemas.openxmlformats.org/presentationml/2006/main" matchingName="Blank" type="blank">
   <p:cSld name="BLANK">
     <p:spTree>
       <p:nvGrpSpPr>
-        <p:cNvPr id="66" name="Shape 66"/>
+        <p:cNvPr id="1" name="Shape 66"/>
         <p:cNvGrpSpPr/>
         <p:nvPr/>
       </p:nvGrpSpPr>
@@ -2763,9 +2847,11 @@
       <p:sp>
         <p:nvSpPr>
           <p:cNvPr id="67" name="Google Shape;67;p12"/>
-          <p:cNvSpPr txBox="1"/>
+          <p:cNvSpPr txBox="1">
+            <a:spLocks noGrp="1"/>
+          </p:cNvSpPr>
           <p:nvPr>
-            <p:ph idx="12" type="sldNum"/>
+            <p:ph type="sldNum" idx="12"/>
           </p:nvPr>
         </p:nvSpPr>
         <p:spPr>
@@ -2778,7 +2864,7 @@
           </a:prstGeom>
         </p:spPr>
         <p:txBody>
-          <a:bodyPr anchorCtr="0" anchor="ctr" bIns="91425" lIns="91425" spcFirstLastPara="1" rIns="91425" wrap="square" tIns="91425">
+          <a:bodyPr spcFirstLastPara="1" wrap="square" lIns="91425" tIns="91425" rIns="91425" bIns="91425" anchor="ctr" anchorCtr="0">
             <a:noAutofit/>
           </a:bodyPr>
           <a:lstStyle>
@@ -2820,7 +2906,7 @@
             </a:lvl9pPr>
           </a:lstStyle>
           <a:p>
-            <a:pPr indent="0" lvl="0" marL="0" rtl="0" algn="r">
+            <a:pPr marL="0" lvl="0" indent="0" algn="r" rtl="0">
               <a:spcBef>
                 <a:spcPts val="0"/>
               </a:spcBef>
@@ -2846,18 +2932,19 @@
 </file>
 
 <file path=ppt/slideLayouts/slideLayout2.xml><?xml version="1.0" encoding="utf-8"?>
-<p:sldLayout xmlns:a="http://schemas.openxmlformats.org/drawingml/2006/main" xmlns:r="http://schemas.openxmlformats.org/officeDocument/2006/relationships" xmlns:mc="http://schemas.openxmlformats.org/markup-compatibility/2006" xmlns:mv="urn:schemas-microsoft-com:mac:vml" xmlns:p="http://schemas.openxmlformats.org/presentationml/2006/main" xmlns:c="http://schemas.openxmlformats.org/drawingml/2006/chart" xmlns:dgm="http://schemas.openxmlformats.org/drawingml/2006/diagram" xmlns:o="urn:schemas-microsoft-com:office:office" xmlns:v="urn:schemas-microsoft-com:vml" xmlns:pvml="urn:schemas-microsoft-com:office:powerpoint" xmlns:com="http://schemas.openxmlformats.org/drawingml/2006/compatibility" xmlns:p14="http://schemas.microsoft.com/office/powerpoint/2010/main" xmlns:p15="http://schemas.microsoft.com/office/powerpoint/2012/main" matchingName="Section header" type="secHead">
+<p:sldLayout xmlns:a="http://schemas.openxmlformats.org/drawingml/2006/main" xmlns:r="http://schemas.openxmlformats.org/officeDocument/2006/relationships" xmlns:p="http://schemas.openxmlformats.org/presentationml/2006/main" matchingName="Section header" type="secHead">
   <p:cSld name="SECTION_HEADER">
     <p:bg>
       <p:bgPr>
         <a:solidFill>
           <a:schemeClr val="dk1"/>
         </a:solidFill>
+        <a:effectLst/>
       </p:bgPr>
     </p:bg>
     <p:spTree>
       <p:nvGrpSpPr>
-        <p:cNvPr id="16" name="Shape 16"/>
+        <p:cNvPr id="1" name="Shape 16"/>
         <p:cNvGrpSpPr/>
         <p:nvPr/>
       </p:nvGrpSpPr>
@@ -2884,14 +2971,14 @@
             <a:avLst/>
           </a:prstGeom>
           <a:noFill/>
-          <a:ln cap="flat" cmpd="sng" w="38100">
+          <a:ln w="38100" cap="flat" cmpd="sng">
             <a:solidFill>
               <a:schemeClr val="lt1"/>
             </a:solidFill>
             <a:prstDash val="solid"/>
             <a:round/>
-            <a:headEnd len="sm" w="sm" type="none"/>
-            <a:tailEnd len="sm" w="sm" type="none"/>
+            <a:headEnd type="none" w="sm" len="sm"/>
+            <a:tailEnd type="none" w="sm" len="sm"/>
           </a:ln>
         </p:spPr>
       </p:cxnSp>
@@ -2910,21 +2997,23 @@
             <a:avLst/>
           </a:prstGeom>
           <a:noFill/>
-          <a:ln cap="flat" cmpd="sng" w="19050">
+          <a:ln w="19050" cap="flat" cmpd="sng">
             <a:solidFill>
               <a:schemeClr val="lt1"/>
             </a:solidFill>
             <a:prstDash val="solid"/>
             <a:round/>
-            <a:headEnd len="sm" w="sm" type="none"/>
-            <a:tailEnd len="sm" w="sm" type="none"/>
+            <a:headEnd type="none" w="sm" len="sm"/>
+            <a:tailEnd type="none" w="sm" len="sm"/>
           </a:ln>
         </p:spPr>
       </p:cxnSp>
       <p:sp>
         <p:nvSpPr>
           <p:cNvPr id="19" name="Google Shape;19;p3"/>
-          <p:cNvSpPr txBox="1"/>
+          <p:cNvSpPr txBox="1">
+            <a:spLocks noGrp="1"/>
+          </p:cNvSpPr>
           <p:nvPr>
             <p:ph type="title"/>
           </p:nvPr>
@@ -2939,11 +3028,11 @@
           </a:prstGeom>
         </p:spPr>
         <p:txBody>
-          <a:bodyPr anchorCtr="0" anchor="ctr" bIns="91425" lIns="91425" spcFirstLastPara="1" rIns="91425" wrap="square" tIns="91425">
+          <a:bodyPr spcFirstLastPara="1" wrap="square" lIns="91425" tIns="91425" rIns="91425" bIns="91425" anchor="ctr" anchorCtr="0">
             <a:noAutofit/>
           </a:bodyPr>
           <a:lstStyle>
-            <a:lvl1pPr lvl="0" rtl="0" algn="ctr">
+            <a:lvl1pPr lvl="0" algn="ctr" rtl="0">
               <a:spcBef>
                 <a:spcPts val="0"/>
               </a:spcBef>
@@ -2961,7 +3050,7 @@
                 </a:solidFill>
               </a:defRPr>
             </a:lvl1pPr>
-            <a:lvl2pPr lvl="1" rtl="0" algn="ctr">
+            <a:lvl2pPr lvl="1" algn="ctr" rtl="0">
               <a:spcBef>
                 <a:spcPts val="0"/>
               </a:spcBef>
@@ -2979,7 +3068,7 @@
                 </a:solidFill>
               </a:defRPr>
             </a:lvl2pPr>
-            <a:lvl3pPr lvl="2" rtl="0" algn="ctr">
+            <a:lvl3pPr lvl="2" algn="ctr" rtl="0">
               <a:spcBef>
                 <a:spcPts val="0"/>
               </a:spcBef>
@@ -2997,7 +3086,7 @@
                 </a:solidFill>
               </a:defRPr>
             </a:lvl3pPr>
-            <a:lvl4pPr lvl="3" rtl="0" algn="ctr">
+            <a:lvl4pPr lvl="3" algn="ctr" rtl="0">
               <a:spcBef>
                 <a:spcPts val="0"/>
               </a:spcBef>
@@ -3015,7 +3104,7 @@
                 </a:solidFill>
               </a:defRPr>
             </a:lvl4pPr>
-            <a:lvl5pPr lvl="4" rtl="0" algn="ctr">
+            <a:lvl5pPr lvl="4" algn="ctr" rtl="0">
               <a:spcBef>
                 <a:spcPts val="0"/>
               </a:spcBef>
@@ -3033,7 +3122,7 @@
                 </a:solidFill>
               </a:defRPr>
             </a:lvl5pPr>
-            <a:lvl6pPr lvl="5" rtl="0" algn="ctr">
+            <a:lvl6pPr lvl="5" algn="ctr" rtl="0">
               <a:spcBef>
                 <a:spcPts val="0"/>
               </a:spcBef>
@@ -3051,7 +3140,7 @@
                 </a:solidFill>
               </a:defRPr>
             </a:lvl6pPr>
-            <a:lvl7pPr lvl="6" rtl="0" algn="ctr">
+            <a:lvl7pPr lvl="6" algn="ctr" rtl="0">
               <a:spcBef>
                 <a:spcPts val="0"/>
               </a:spcBef>
@@ -3069,7 +3158,7 @@
                 </a:solidFill>
               </a:defRPr>
             </a:lvl7pPr>
-            <a:lvl8pPr lvl="7" rtl="0" algn="ctr">
+            <a:lvl8pPr lvl="7" algn="ctr" rtl="0">
               <a:spcBef>
                 <a:spcPts val="0"/>
               </a:spcBef>
@@ -3087,7 +3176,7 @@
                 </a:solidFill>
               </a:defRPr>
             </a:lvl8pPr>
-            <a:lvl9pPr lvl="8" rtl="0" algn="ctr">
+            <a:lvl9pPr lvl="8" algn="ctr" rtl="0">
               <a:spcBef>
                 <a:spcPts val="0"/>
               </a:spcBef>
@@ -3106,15 +3195,19 @@
               </a:defRPr>
             </a:lvl9pPr>
           </a:lstStyle>
-          <a:p/>
+          <a:p>
+            <a:endParaRPr/>
+          </a:p>
         </p:txBody>
       </p:sp>
       <p:sp>
         <p:nvSpPr>
           <p:cNvPr id="20" name="Google Shape;20;p3"/>
-          <p:cNvSpPr txBox="1"/>
+          <p:cNvSpPr txBox="1">
+            <a:spLocks noGrp="1"/>
+          </p:cNvSpPr>
           <p:nvPr>
-            <p:ph idx="12" type="sldNum"/>
+            <p:ph type="sldNum" idx="12"/>
           </p:nvPr>
         </p:nvSpPr>
         <p:spPr>
@@ -3127,7 +3220,7 @@
           </a:prstGeom>
         </p:spPr>
         <p:txBody>
-          <a:bodyPr anchorCtr="0" anchor="ctr" bIns="91425" lIns="91425" spcFirstLastPara="1" rIns="91425" wrap="square" tIns="91425">
+          <a:bodyPr spcFirstLastPara="1" wrap="square" lIns="91425" tIns="91425" rIns="91425" bIns="91425" anchor="ctr" anchorCtr="0">
             <a:noAutofit/>
           </a:bodyPr>
           <a:lstStyle>
@@ -3205,7 +3298,7 @@
             </a:lvl9pPr>
           </a:lstStyle>
           <a:p>
-            <a:pPr indent="0" lvl="0" marL="0" rtl="0" algn="r">
+            <a:pPr marL="0" lvl="0" indent="0" algn="r" rtl="0">
               <a:spcBef>
                 <a:spcPts val="0"/>
               </a:spcBef>
@@ -3231,11 +3324,11 @@
 </file>
 
 <file path=ppt/slideLayouts/slideLayout3.xml><?xml version="1.0" encoding="utf-8"?>
-<p:sldLayout xmlns:a="http://schemas.openxmlformats.org/drawingml/2006/main" xmlns:r="http://schemas.openxmlformats.org/officeDocument/2006/relationships" xmlns:mc="http://schemas.openxmlformats.org/markup-compatibility/2006" xmlns:mv="urn:schemas-microsoft-com:mac:vml" xmlns:p="http://schemas.openxmlformats.org/presentationml/2006/main" xmlns:c="http://schemas.openxmlformats.org/drawingml/2006/chart" xmlns:dgm="http://schemas.openxmlformats.org/drawingml/2006/diagram" xmlns:o="urn:schemas-microsoft-com:office:office" xmlns:v="urn:schemas-microsoft-com:vml" xmlns:pvml="urn:schemas-microsoft-com:office:powerpoint" xmlns:com="http://schemas.openxmlformats.org/drawingml/2006/compatibility" xmlns:p14="http://schemas.microsoft.com/office/powerpoint/2010/main" xmlns:p15="http://schemas.microsoft.com/office/powerpoint/2012/main" matchingName="Title and body" type="tx">
+<p:sldLayout xmlns:a="http://schemas.openxmlformats.org/drawingml/2006/main" xmlns:r="http://schemas.openxmlformats.org/officeDocument/2006/relationships" xmlns:p="http://schemas.openxmlformats.org/presentationml/2006/main" matchingName="Title and body" type="tx">
   <p:cSld name="TITLE_AND_BODY">
     <p:spTree>
       <p:nvGrpSpPr>
-        <p:cNvPr id="21" name="Shape 21"/>
+        <p:cNvPr id="1" name="Shape 21"/>
         <p:cNvGrpSpPr/>
         <p:nvPr/>
       </p:nvGrpSpPr>
@@ -3262,14 +3355,14 @@
             <a:avLst/>
           </a:prstGeom>
           <a:noFill/>
-          <a:ln cap="flat" cmpd="sng" w="38100">
+          <a:ln w="38100" cap="flat" cmpd="sng">
             <a:solidFill>
               <a:schemeClr val="dk2"/>
             </a:solidFill>
             <a:prstDash val="solid"/>
             <a:round/>
-            <a:headEnd len="sm" w="sm" type="none"/>
-            <a:tailEnd len="sm" w="sm" type="none"/>
+            <a:headEnd type="none" w="sm" len="sm"/>
+            <a:tailEnd type="none" w="sm" len="sm"/>
           </a:ln>
         </p:spPr>
       </p:cxnSp>
@@ -3288,14 +3381,14 @@
             <a:avLst/>
           </a:prstGeom>
           <a:noFill/>
-          <a:ln cap="flat" cmpd="sng" w="19050">
+          <a:ln w="19050" cap="flat" cmpd="sng">
             <a:solidFill>
               <a:schemeClr val="dk2"/>
             </a:solidFill>
             <a:prstDash val="solid"/>
             <a:round/>
-            <a:headEnd len="sm" w="sm" type="none"/>
-            <a:tailEnd len="sm" w="sm" type="none"/>
+            <a:headEnd type="none" w="sm" len="sm"/>
+            <a:tailEnd type="none" w="sm" len="sm"/>
           </a:ln>
         </p:spPr>
       </p:cxnSp>
@@ -3314,21 +3407,23 @@
             <a:avLst/>
           </a:prstGeom>
           <a:noFill/>
-          <a:ln cap="flat" cmpd="sng" w="19050">
+          <a:ln w="19050" cap="flat" cmpd="sng">
             <a:solidFill>
               <a:schemeClr val="dk2"/>
             </a:solidFill>
             <a:prstDash val="solid"/>
             <a:round/>
-            <a:headEnd len="sm" w="sm" type="none"/>
-            <a:tailEnd len="sm" w="sm" type="none"/>
+            <a:headEnd type="none" w="sm" len="sm"/>
+            <a:tailEnd type="none" w="sm" len="sm"/>
           </a:ln>
         </p:spPr>
       </p:cxnSp>
       <p:sp>
         <p:nvSpPr>
           <p:cNvPr id="25" name="Google Shape;25;p4"/>
-          <p:cNvSpPr txBox="1"/>
+          <p:cNvSpPr txBox="1">
+            <a:spLocks noGrp="1"/>
+          </p:cNvSpPr>
           <p:nvPr>
             <p:ph type="title"/>
           </p:nvPr>
@@ -3343,7 +3438,7 @@
           </a:prstGeom>
         </p:spPr>
         <p:txBody>
-          <a:bodyPr anchorCtr="0" anchor="t" bIns="91425" lIns="91425" spcFirstLastPara="1" rIns="91425" wrap="square" tIns="91425">
+          <a:bodyPr spcFirstLastPara="1" wrap="square" lIns="91425" tIns="91425" rIns="91425" bIns="91425" anchor="t" anchorCtr="0">
             <a:noAutofit/>
           </a:bodyPr>
           <a:lstStyle>
@@ -3447,15 +3542,19 @@
               <a:defRPr/>
             </a:lvl9pPr>
           </a:lstStyle>
-          <a:p/>
+          <a:p>
+            <a:endParaRPr/>
+          </a:p>
         </p:txBody>
       </p:sp>
       <p:sp>
         <p:nvSpPr>
           <p:cNvPr id="26" name="Google Shape;26;p4"/>
-          <p:cNvSpPr txBox="1"/>
+          <p:cNvSpPr txBox="1">
+            <a:spLocks noGrp="1"/>
+          </p:cNvSpPr>
           <p:nvPr>
-            <p:ph idx="1" type="body"/>
+            <p:ph type="body" idx="1"/>
           </p:nvPr>
         </p:nvSpPr>
         <p:spPr>
@@ -3468,11 +3567,11 @@
           </a:prstGeom>
         </p:spPr>
         <p:txBody>
-          <a:bodyPr anchorCtr="0" anchor="t" bIns="91425" lIns="91425" spcFirstLastPara="1" rIns="91425" wrap="square" tIns="91425">
+          <a:bodyPr spcFirstLastPara="1" wrap="square" lIns="91425" tIns="91425" rIns="91425" bIns="91425" anchor="t" anchorCtr="0">
             <a:noAutofit/>
           </a:bodyPr>
           <a:lstStyle>
-            <a:lvl1pPr indent="-342900" lvl="0" marL="457200" rtl="0">
+            <a:lvl1pPr marL="457200" lvl="0" indent="-342900" rtl="0">
               <a:spcBef>
                 <a:spcPts val="0"/>
               </a:spcBef>
@@ -3483,7 +3582,7 @@
               <a:buChar char="●"/>
               <a:defRPr/>
             </a:lvl1pPr>
-            <a:lvl2pPr indent="-317500" lvl="1" marL="914400" rtl="0">
+            <a:lvl2pPr marL="914400" lvl="1" indent="-317500" rtl="0">
               <a:spcBef>
                 <a:spcPts val="1600"/>
               </a:spcBef>
@@ -3494,7 +3593,7 @@
               <a:buChar char="○"/>
               <a:defRPr/>
             </a:lvl2pPr>
-            <a:lvl3pPr indent="-317500" lvl="2" marL="1371600" rtl="0">
+            <a:lvl3pPr marL="1371600" lvl="2" indent="-317500" rtl="0">
               <a:spcBef>
                 <a:spcPts val="1600"/>
               </a:spcBef>
@@ -3505,7 +3604,7 @@
               <a:buChar char="■"/>
               <a:defRPr/>
             </a:lvl3pPr>
-            <a:lvl4pPr indent="-317500" lvl="3" marL="1828800" rtl="0">
+            <a:lvl4pPr marL="1828800" lvl="3" indent="-317500" rtl="0">
               <a:spcBef>
                 <a:spcPts val="1600"/>
               </a:spcBef>
@@ -3516,7 +3615,7 @@
               <a:buChar char="●"/>
               <a:defRPr/>
             </a:lvl4pPr>
-            <a:lvl5pPr indent="-317500" lvl="4" marL="2286000" rtl="0">
+            <a:lvl5pPr marL="2286000" lvl="4" indent="-317500" rtl="0">
               <a:spcBef>
                 <a:spcPts val="1600"/>
               </a:spcBef>
@@ -3527,7 +3626,7 @@
               <a:buChar char="○"/>
               <a:defRPr/>
             </a:lvl5pPr>
-            <a:lvl6pPr indent="-317500" lvl="5" marL="2743200" rtl="0">
+            <a:lvl6pPr marL="2743200" lvl="5" indent="-317500" rtl="0">
               <a:spcBef>
                 <a:spcPts val="1600"/>
               </a:spcBef>
@@ -3538,7 +3637,7 @@
               <a:buChar char="■"/>
               <a:defRPr/>
             </a:lvl6pPr>
-            <a:lvl7pPr indent="-317500" lvl="6" marL="3200400" rtl="0">
+            <a:lvl7pPr marL="3200400" lvl="6" indent="-317500" rtl="0">
               <a:spcBef>
                 <a:spcPts val="1600"/>
               </a:spcBef>
@@ -3549,7 +3648,7 @@
               <a:buChar char="●"/>
               <a:defRPr/>
             </a:lvl7pPr>
-            <a:lvl8pPr indent="-317500" lvl="7" marL="3657600" rtl="0">
+            <a:lvl8pPr marL="3657600" lvl="7" indent="-317500" rtl="0">
               <a:spcBef>
                 <a:spcPts val="1600"/>
               </a:spcBef>
@@ -3560,7 +3659,7 @@
               <a:buChar char="○"/>
               <a:defRPr/>
             </a:lvl8pPr>
-            <a:lvl9pPr indent="-317500" lvl="8" marL="4114800" rtl="0">
+            <a:lvl9pPr marL="4114800" lvl="8" indent="-317500" rtl="0">
               <a:spcBef>
                 <a:spcPts val="1600"/>
               </a:spcBef>
@@ -3572,15 +3671,19 @@
               <a:defRPr/>
             </a:lvl9pPr>
           </a:lstStyle>
-          <a:p/>
+          <a:p>
+            <a:endParaRPr/>
+          </a:p>
         </p:txBody>
       </p:sp>
       <p:sp>
         <p:nvSpPr>
           <p:cNvPr id="27" name="Google Shape;27;p4"/>
-          <p:cNvSpPr txBox="1"/>
+          <p:cNvSpPr txBox="1">
+            <a:spLocks noGrp="1"/>
+          </p:cNvSpPr>
           <p:nvPr>
-            <p:ph idx="12" type="sldNum"/>
+            <p:ph type="sldNum" idx="12"/>
           </p:nvPr>
         </p:nvSpPr>
         <p:spPr>
@@ -3593,7 +3696,7 @@
           </a:prstGeom>
         </p:spPr>
         <p:txBody>
-          <a:bodyPr anchorCtr="0" anchor="ctr" bIns="91425" lIns="91425" spcFirstLastPara="1" rIns="91425" wrap="square" tIns="91425">
+          <a:bodyPr spcFirstLastPara="1" wrap="square" lIns="91425" tIns="91425" rIns="91425" bIns="91425" anchor="ctr" anchorCtr="0">
             <a:noAutofit/>
           </a:bodyPr>
           <a:lstStyle>
@@ -3635,7 +3738,7 @@
             </a:lvl9pPr>
           </a:lstStyle>
           <a:p>
-            <a:pPr indent="0" lvl="0" marL="0" rtl="0" algn="r">
+            <a:pPr marL="0" lvl="0" indent="0" algn="r" rtl="0">
               <a:spcBef>
                 <a:spcPts val="0"/>
               </a:spcBef>
@@ -3661,11 +3764,11 @@
 </file>
 
 <file path=ppt/slideLayouts/slideLayout4.xml><?xml version="1.0" encoding="utf-8"?>
-<p:sldLayout xmlns:a="http://schemas.openxmlformats.org/drawingml/2006/main" xmlns:r="http://schemas.openxmlformats.org/officeDocument/2006/relationships" xmlns:mc="http://schemas.openxmlformats.org/markup-compatibility/2006" xmlns:mv="urn:schemas-microsoft-com:mac:vml" xmlns:p="http://schemas.openxmlformats.org/presentationml/2006/main" xmlns:c="http://schemas.openxmlformats.org/drawingml/2006/chart" xmlns:dgm="http://schemas.openxmlformats.org/drawingml/2006/diagram" xmlns:o="urn:schemas-microsoft-com:office:office" xmlns:v="urn:schemas-microsoft-com:vml" xmlns:pvml="urn:schemas-microsoft-com:office:powerpoint" xmlns:com="http://schemas.openxmlformats.org/drawingml/2006/compatibility" xmlns:p14="http://schemas.microsoft.com/office/powerpoint/2010/main" xmlns:p15="http://schemas.microsoft.com/office/powerpoint/2012/main" matchingName="Title and two columns" type="twoColTx">
+<p:sldLayout xmlns:a="http://schemas.openxmlformats.org/drawingml/2006/main" xmlns:r="http://schemas.openxmlformats.org/officeDocument/2006/relationships" xmlns:p="http://schemas.openxmlformats.org/presentationml/2006/main" matchingName="Title and two columns" type="twoColTx">
   <p:cSld name="TITLE_AND_TWO_COLUMNS">
     <p:spTree>
       <p:nvGrpSpPr>
-        <p:cNvPr id="28" name="Shape 28"/>
+        <p:cNvPr id="1" name="Shape 28"/>
         <p:cNvGrpSpPr/>
         <p:nvPr/>
       </p:nvGrpSpPr>
@@ -3692,14 +3795,14 @@
             <a:avLst/>
           </a:prstGeom>
           <a:noFill/>
-          <a:ln cap="flat" cmpd="sng" w="38100">
+          <a:ln w="38100" cap="flat" cmpd="sng">
             <a:solidFill>
               <a:schemeClr val="dk2"/>
             </a:solidFill>
             <a:prstDash val="solid"/>
             <a:round/>
-            <a:headEnd len="sm" w="sm" type="none"/>
-            <a:tailEnd len="sm" w="sm" type="none"/>
+            <a:headEnd type="none" w="sm" len="sm"/>
+            <a:tailEnd type="none" w="sm" len="sm"/>
           </a:ln>
         </p:spPr>
       </p:cxnSp>
@@ -3718,14 +3821,14 @@
             <a:avLst/>
           </a:prstGeom>
           <a:noFill/>
-          <a:ln cap="flat" cmpd="sng" w="19050">
+          <a:ln w="19050" cap="flat" cmpd="sng">
             <a:solidFill>
               <a:schemeClr val="dk2"/>
             </a:solidFill>
             <a:prstDash val="solid"/>
             <a:round/>
-            <a:headEnd len="sm" w="sm" type="none"/>
-            <a:tailEnd len="sm" w="sm" type="none"/>
+            <a:headEnd type="none" w="sm" len="sm"/>
+            <a:tailEnd type="none" w="sm" len="sm"/>
           </a:ln>
         </p:spPr>
       </p:cxnSp>
@@ -3744,21 +3847,23 @@
             <a:avLst/>
           </a:prstGeom>
           <a:noFill/>
-          <a:ln cap="flat" cmpd="sng" w="19050">
+          <a:ln w="19050" cap="flat" cmpd="sng">
             <a:solidFill>
               <a:schemeClr val="dk2"/>
             </a:solidFill>
             <a:prstDash val="solid"/>
             <a:round/>
-            <a:headEnd len="sm" w="sm" type="none"/>
-            <a:tailEnd len="sm" w="sm" type="none"/>
+            <a:headEnd type="none" w="sm" len="sm"/>
+            <a:tailEnd type="none" w="sm" len="sm"/>
           </a:ln>
         </p:spPr>
       </p:cxnSp>
       <p:sp>
         <p:nvSpPr>
           <p:cNvPr id="32" name="Google Shape;32;p5"/>
-          <p:cNvSpPr txBox="1"/>
+          <p:cNvSpPr txBox="1">
+            <a:spLocks noGrp="1"/>
+          </p:cNvSpPr>
           <p:nvPr>
             <p:ph type="title"/>
           </p:nvPr>
@@ -3773,7 +3878,7 @@
           </a:prstGeom>
         </p:spPr>
         <p:txBody>
-          <a:bodyPr anchorCtr="0" anchor="t" bIns="91425" lIns="91425" spcFirstLastPara="1" rIns="91425" wrap="square" tIns="91425">
+          <a:bodyPr spcFirstLastPara="1" wrap="square" lIns="91425" tIns="91425" rIns="91425" bIns="91425" anchor="t" anchorCtr="0">
             <a:noAutofit/>
           </a:bodyPr>
           <a:lstStyle>
@@ -3877,15 +3982,19 @@
               <a:defRPr/>
             </a:lvl9pPr>
           </a:lstStyle>
-          <a:p/>
+          <a:p>
+            <a:endParaRPr/>
+          </a:p>
         </p:txBody>
       </p:sp>
       <p:sp>
         <p:nvSpPr>
           <p:cNvPr id="33" name="Google Shape;33;p5"/>
-          <p:cNvSpPr txBox="1"/>
+          <p:cNvSpPr txBox="1">
+            <a:spLocks noGrp="1"/>
+          </p:cNvSpPr>
           <p:nvPr>
-            <p:ph idx="1" type="body"/>
+            <p:ph type="body" idx="1"/>
           </p:nvPr>
         </p:nvSpPr>
         <p:spPr>
@@ -3898,11 +4007,11 @@
           </a:prstGeom>
         </p:spPr>
         <p:txBody>
-          <a:bodyPr anchorCtr="0" anchor="t" bIns="91425" lIns="91425" spcFirstLastPara="1" rIns="91425" wrap="square" tIns="91425">
+          <a:bodyPr spcFirstLastPara="1" wrap="square" lIns="91425" tIns="91425" rIns="91425" bIns="91425" anchor="t" anchorCtr="0">
             <a:noAutofit/>
           </a:bodyPr>
           <a:lstStyle>
-            <a:lvl1pPr indent="-317500" lvl="0" marL="457200" rtl="0">
+            <a:lvl1pPr marL="457200" lvl="0" indent="-317500" rtl="0">
               <a:spcBef>
                 <a:spcPts val="0"/>
               </a:spcBef>
@@ -3913,7 +4022,7 @@
               <a:buChar char="●"/>
               <a:defRPr sz="1400"/>
             </a:lvl1pPr>
-            <a:lvl2pPr indent="-304800" lvl="1" marL="914400" rtl="0">
+            <a:lvl2pPr marL="914400" lvl="1" indent="-304800" rtl="0">
               <a:spcBef>
                 <a:spcPts val="1600"/>
               </a:spcBef>
@@ -3924,7 +4033,7 @@
               <a:buChar char="○"/>
               <a:defRPr sz="1200"/>
             </a:lvl2pPr>
-            <a:lvl3pPr indent="-304800" lvl="2" marL="1371600" rtl="0">
+            <a:lvl3pPr marL="1371600" lvl="2" indent="-304800" rtl="0">
               <a:spcBef>
                 <a:spcPts val="1600"/>
               </a:spcBef>
@@ -3935,7 +4044,7 @@
               <a:buChar char="■"/>
               <a:defRPr sz="1200"/>
             </a:lvl3pPr>
-            <a:lvl4pPr indent="-304800" lvl="3" marL="1828800" rtl="0">
+            <a:lvl4pPr marL="1828800" lvl="3" indent="-304800" rtl="0">
               <a:spcBef>
                 <a:spcPts val="1600"/>
               </a:spcBef>
@@ -3946,7 +4055,7 @@
               <a:buChar char="●"/>
               <a:defRPr sz="1200"/>
             </a:lvl4pPr>
-            <a:lvl5pPr indent="-304800" lvl="4" marL="2286000" rtl="0">
+            <a:lvl5pPr marL="2286000" lvl="4" indent="-304800" rtl="0">
               <a:spcBef>
                 <a:spcPts val="1600"/>
               </a:spcBef>
@@ -3957,7 +4066,7 @@
               <a:buChar char="○"/>
               <a:defRPr sz="1200"/>
             </a:lvl5pPr>
-            <a:lvl6pPr indent="-304800" lvl="5" marL="2743200" rtl="0">
+            <a:lvl6pPr marL="2743200" lvl="5" indent="-304800" rtl="0">
               <a:spcBef>
                 <a:spcPts val="1600"/>
               </a:spcBef>
@@ -3968,7 +4077,7 @@
               <a:buChar char="■"/>
               <a:defRPr sz="1200"/>
             </a:lvl6pPr>
-            <a:lvl7pPr indent="-304800" lvl="6" marL="3200400" rtl="0">
+            <a:lvl7pPr marL="3200400" lvl="6" indent="-304800" rtl="0">
               <a:spcBef>
                 <a:spcPts val="1600"/>
               </a:spcBef>
@@ -3979,7 +4088,7 @@
               <a:buChar char="●"/>
               <a:defRPr sz="1200"/>
             </a:lvl7pPr>
-            <a:lvl8pPr indent="-304800" lvl="7" marL="3657600" rtl="0">
+            <a:lvl8pPr marL="3657600" lvl="7" indent="-304800" rtl="0">
               <a:spcBef>
                 <a:spcPts val="1600"/>
               </a:spcBef>
@@ -3990,7 +4099,7 @@
               <a:buChar char="○"/>
               <a:defRPr sz="1200"/>
             </a:lvl8pPr>
-            <a:lvl9pPr indent="-304800" lvl="8" marL="4114800" rtl="0">
+            <a:lvl9pPr marL="4114800" lvl="8" indent="-304800" rtl="0">
               <a:spcBef>
                 <a:spcPts val="1600"/>
               </a:spcBef>
@@ -4002,15 +4111,19 @@
               <a:defRPr sz="1200"/>
             </a:lvl9pPr>
           </a:lstStyle>
-          <a:p/>
+          <a:p>
+            <a:endParaRPr/>
+          </a:p>
         </p:txBody>
       </p:sp>
       <p:sp>
         <p:nvSpPr>
           <p:cNvPr id="34" name="Google Shape;34;p5"/>
-          <p:cNvSpPr txBox="1"/>
+          <p:cNvSpPr txBox="1">
+            <a:spLocks noGrp="1"/>
+          </p:cNvSpPr>
           <p:nvPr>
-            <p:ph idx="2" type="body"/>
+            <p:ph type="body" idx="2"/>
           </p:nvPr>
         </p:nvSpPr>
         <p:spPr>
@@ -4023,11 +4136,11 @@
           </a:prstGeom>
         </p:spPr>
         <p:txBody>
-          <a:bodyPr anchorCtr="0" anchor="t" bIns="91425" lIns="91425" spcFirstLastPara="1" rIns="91425" wrap="square" tIns="91425">
+          <a:bodyPr spcFirstLastPara="1" wrap="square" lIns="91425" tIns="91425" rIns="91425" bIns="91425" anchor="t" anchorCtr="0">
             <a:noAutofit/>
           </a:bodyPr>
           <a:lstStyle>
-            <a:lvl1pPr indent="-317500" lvl="0" marL="457200" rtl="0">
+            <a:lvl1pPr marL="457200" lvl="0" indent="-317500" rtl="0">
               <a:spcBef>
                 <a:spcPts val="0"/>
               </a:spcBef>
@@ -4038,7 +4151,7 @@
               <a:buChar char="●"/>
               <a:defRPr sz="1400"/>
             </a:lvl1pPr>
-            <a:lvl2pPr indent="-304800" lvl="1" marL="914400" rtl="0">
+            <a:lvl2pPr marL="914400" lvl="1" indent="-304800" rtl="0">
               <a:spcBef>
                 <a:spcPts val="1600"/>
               </a:spcBef>
@@ -4049,7 +4162,7 @@
               <a:buChar char="○"/>
               <a:defRPr sz="1200"/>
             </a:lvl2pPr>
-            <a:lvl3pPr indent="-304800" lvl="2" marL="1371600" rtl="0">
+            <a:lvl3pPr marL="1371600" lvl="2" indent="-304800" rtl="0">
               <a:spcBef>
                 <a:spcPts val="1600"/>
               </a:spcBef>
@@ -4060,7 +4173,7 @@
               <a:buChar char="■"/>
               <a:defRPr sz="1200"/>
             </a:lvl3pPr>
-            <a:lvl4pPr indent="-304800" lvl="3" marL="1828800" rtl="0">
+            <a:lvl4pPr marL="1828800" lvl="3" indent="-304800" rtl="0">
               <a:spcBef>
                 <a:spcPts val="1600"/>
               </a:spcBef>
@@ -4071,7 +4184,7 @@
               <a:buChar char="●"/>
               <a:defRPr sz="1200"/>
             </a:lvl4pPr>
-            <a:lvl5pPr indent="-304800" lvl="4" marL="2286000" rtl="0">
+            <a:lvl5pPr marL="2286000" lvl="4" indent="-304800" rtl="0">
               <a:spcBef>
                 <a:spcPts val="1600"/>
               </a:spcBef>
@@ -4082,7 +4195,7 @@
               <a:buChar char="○"/>
               <a:defRPr sz="1200"/>
             </a:lvl5pPr>
-            <a:lvl6pPr indent="-304800" lvl="5" marL="2743200" rtl="0">
+            <a:lvl6pPr marL="2743200" lvl="5" indent="-304800" rtl="0">
               <a:spcBef>
                 <a:spcPts val="1600"/>
               </a:spcBef>
@@ -4093,7 +4206,7 @@
               <a:buChar char="■"/>
               <a:defRPr sz="1200"/>
             </a:lvl6pPr>
-            <a:lvl7pPr indent="-304800" lvl="6" marL="3200400" rtl="0">
+            <a:lvl7pPr marL="3200400" lvl="6" indent="-304800" rtl="0">
               <a:spcBef>
                 <a:spcPts val="1600"/>
               </a:spcBef>
@@ -4104,7 +4217,7 @@
               <a:buChar char="●"/>
               <a:defRPr sz="1200"/>
             </a:lvl7pPr>
-            <a:lvl8pPr indent="-304800" lvl="7" marL="3657600" rtl="0">
+            <a:lvl8pPr marL="3657600" lvl="7" indent="-304800" rtl="0">
               <a:spcBef>
                 <a:spcPts val="1600"/>
               </a:spcBef>
@@ -4115,7 +4228,7 @@
               <a:buChar char="○"/>
               <a:defRPr sz="1200"/>
             </a:lvl8pPr>
-            <a:lvl9pPr indent="-304800" lvl="8" marL="4114800" rtl="0">
+            <a:lvl9pPr marL="4114800" lvl="8" indent="-304800" rtl="0">
               <a:spcBef>
                 <a:spcPts val="1600"/>
               </a:spcBef>
@@ -4127,15 +4240,19 @@
               <a:defRPr sz="1200"/>
             </a:lvl9pPr>
           </a:lstStyle>
-          <a:p/>
+          <a:p>
+            <a:endParaRPr/>
+          </a:p>
         </p:txBody>
       </p:sp>
       <p:sp>
         <p:nvSpPr>
           <p:cNvPr id="35" name="Google Shape;35;p5"/>
-          <p:cNvSpPr txBox="1"/>
+          <p:cNvSpPr txBox="1">
+            <a:spLocks noGrp="1"/>
+          </p:cNvSpPr>
           <p:nvPr>
-            <p:ph idx="12" type="sldNum"/>
+            <p:ph type="sldNum" idx="12"/>
           </p:nvPr>
         </p:nvSpPr>
         <p:spPr>
@@ -4148,7 +4265,7 @@
           </a:prstGeom>
         </p:spPr>
         <p:txBody>
-          <a:bodyPr anchorCtr="0" anchor="ctr" bIns="91425" lIns="91425" spcFirstLastPara="1" rIns="91425" wrap="square" tIns="91425">
+          <a:bodyPr spcFirstLastPara="1" wrap="square" lIns="91425" tIns="91425" rIns="91425" bIns="91425" anchor="ctr" anchorCtr="0">
             <a:noAutofit/>
           </a:bodyPr>
           <a:lstStyle>
@@ -4190,7 +4307,7 @@
             </a:lvl9pPr>
           </a:lstStyle>
           <a:p>
-            <a:pPr indent="0" lvl="0" marL="0" rtl="0" algn="r">
+            <a:pPr marL="0" lvl="0" indent="0" algn="r" rtl="0">
               <a:spcBef>
                 <a:spcPts val="0"/>
               </a:spcBef>
@@ -4216,11 +4333,11 @@
 </file>
 
 <file path=ppt/slideLayouts/slideLayout5.xml><?xml version="1.0" encoding="utf-8"?>
-<p:sldLayout xmlns:a="http://schemas.openxmlformats.org/drawingml/2006/main" xmlns:r="http://schemas.openxmlformats.org/officeDocument/2006/relationships" xmlns:mc="http://schemas.openxmlformats.org/markup-compatibility/2006" xmlns:mv="urn:schemas-microsoft-com:mac:vml" xmlns:p="http://schemas.openxmlformats.org/presentationml/2006/main" xmlns:c="http://schemas.openxmlformats.org/drawingml/2006/chart" xmlns:dgm="http://schemas.openxmlformats.org/drawingml/2006/diagram" xmlns:o="urn:schemas-microsoft-com:office:office" xmlns:v="urn:schemas-microsoft-com:vml" xmlns:pvml="urn:schemas-microsoft-com:office:powerpoint" xmlns:com="http://schemas.openxmlformats.org/drawingml/2006/compatibility" xmlns:p14="http://schemas.microsoft.com/office/powerpoint/2010/main" xmlns:p15="http://schemas.microsoft.com/office/powerpoint/2012/main" matchingName="Title only" type="titleOnly">
+<p:sldLayout xmlns:a="http://schemas.openxmlformats.org/drawingml/2006/main" xmlns:r="http://schemas.openxmlformats.org/officeDocument/2006/relationships" xmlns:p="http://schemas.openxmlformats.org/presentationml/2006/main" matchingName="Title only" type="titleOnly">
   <p:cSld name="TITLE_ONLY">
     <p:spTree>
       <p:nvGrpSpPr>
-        <p:cNvPr id="36" name="Shape 36"/>
+        <p:cNvPr id="1" name="Shape 36"/>
         <p:cNvGrpSpPr/>
         <p:nvPr/>
       </p:nvGrpSpPr>
@@ -4235,7 +4352,9 @@
       <p:sp>
         <p:nvSpPr>
           <p:cNvPr id="37" name="Google Shape;37;p6"/>
-          <p:cNvSpPr txBox="1"/>
+          <p:cNvSpPr txBox="1">
+            <a:spLocks noGrp="1"/>
+          </p:cNvSpPr>
           <p:nvPr>
             <p:ph type="title"/>
           </p:nvPr>
@@ -4250,7 +4369,7 @@
           </a:prstGeom>
         </p:spPr>
         <p:txBody>
-          <a:bodyPr anchorCtr="0" anchor="t" bIns="91425" lIns="91425" spcFirstLastPara="1" rIns="91425" wrap="square" tIns="91425">
+          <a:bodyPr spcFirstLastPara="1" wrap="square" lIns="91425" tIns="91425" rIns="91425" bIns="91425" anchor="t" anchorCtr="0">
             <a:noAutofit/>
           </a:bodyPr>
           <a:lstStyle>
@@ -4354,15 +4473,19 @@
               <a:defRPr/>
             </a:lvl9pPr>
           </a:lstStyle>
-          <a:p/>
+          <a:p>
+            <a:endParaRPr/>
+          </a:p>
         </p:txBody>
       </p:sp>
       <p:sp>
         <p:nvSpPr>
           <p:cNvPr id="38" name="Google Shape;38;p6"/>
-          <p:cNvSpPr txBox="1"/>
+          <p:cNvSpPr txBox="1">
+            <a:spLocks noGrp="1"/>
+          </p:cNvSpPr>
           <p:nvPr>
-            <p:ph idx="12" type="sldNum"/>
+            <p:ph type="sldNum" idx="12"/>
           </p:nvPr>
         </p:nvSpPr>
         <p:spPr>
@@ -4375,7 +4498,7 @@
           </a:prstGeom>
         </p:spPr>
         <p:txBody>
-          <a:bodyPr anchorCtr="0" anchor="ctr" bIns="91425" lIns="91425" spcFirstLastPara="1" rIns="91425" wrap="square" tIns="91425">
+          <a:bodyPr spcFirstLastPara="1" wrap="square" lIns="91425" tIns="91425" rIns="91425" bIns="91425" anchor="ctr" anchorCtr="0">
             <a:noAutofit/>
           </a:bodyPr>
           <a:lstStyle>
@@ -4417,7 +4540,7 @@
             </a:lvl9pPr>
           </a:lstStyle>
           <a:p>
-            <a:pPr indent="0" lvl="0" marL="0" rtl="0" algn="r">
+            <a:pPr marL="0" lvl="0" indent="0" algn="r" rtl="0">
               <a:spcBef>
                 <a:spcPts val="0"/>
               </a:spcBef>
@@ -4443,11 +4566,11 @@
 </file>
 
 <file path=ppt/slideLayouts/slideLayout6.xml><?xml version="1.0" encoding="utf-8"?>
-<p:sldLayout xmlns:a="http://schemas.openxmlformats.org/drawingml/2006/main" xmlns:r="http://schemas.openxmlformats.org/officeDocument/2006/relationships" xmlns:mc="http://schemas.openxmlformats.org/markup-compatibility/2006" xmlns:mv="urn:schemas-microsoft-com:mac:vml" xmlns:p="http://schemas.openxmlformats.org/presentationml/2006/main" xmlns:c="http://schemas.openxmlformats.org/drawingml/2006/chart" xmlns:dgm="http://schemas.openxmlformats.org/drawingml/2006/diagram" xmlns:o="urn:schemas-microsoft-com:office:office" xmlns:v="urn:schemas-microsoft-com:vml" xmlns:pvml="urn:schemas-microsoft-com:office:powerpoint" xmlns:com="http://schemas.openxmlformats.org/drawingml/2006/compatibility" xmlns:p14="http://schemas.microsoft.com/office/powerpoint/2010/main" xmlns:p15="http://schemas.microsoft.com/office/powerpoint/2012/main" matchingName="One column text">
+<p:sldLayout xmlns:a="http://schemas.openxmlformats.org/drawingml/2006/main" xmlns:r="http://schemas.openxmlformats.org/officeDocument/2006/relationships" xmlns:p="http://schemas.openxmlformats.org/presentationml/2006/main" matchingName="One column text">
   <p:cSld name="ONE_COLUMN_TEXT">
     <p:spTree>
       <p:nvGrpSpPr>
-        <p:cNvPr id="39" name="Shape 39"/>
+        <p:cNvPr id="1" name="Shape 39"/>
         <p:cNvGrpSpPr/>
         <p:nvPr/>
       </p:nvGrpSpPr>
@@ -4474,21 +4597,23 @@
             <a:avLst/>
           </a:prstGeom>
           <a:noFill/>
-          <a:ln cap="flat" cmpd="sng" w="19050">
+          <a:ln w="19050" cap="flat" cmpd="sng">
             <a:solidFill>
               <a:schemeClr val="dk2"/>
             </a:solidFill>
             <a:prstDash val="solid"/>
             <a:round/>
-            <a:headEnd len="sm" w="sm" type="none"/>
-            <a:tailEnd len="sm" w="sm" type="none"/>
+            <a:headEnd type="none" w="sm" len="sm"/>
+            <a:tailEnd type="none" w="sm" len="sm"/>
           </a:ln>
         </p:spPr>
       </p:cxnSp>
       <p:sp>
         <p:nvSpPr>
           <p:cNvPr id="41" name="Google Shape;41;p7"/>
-          <p:cNvSpPr txBox="1"/>
+          <p:cNvSpPr txBox="1">
+            <a:spLocks noGrp="1"/>
+          </p:cNvSpPr>
           <p:nvPr>
             <p:ph type="title"/>
           </p:nvPr>
@@ -4503,7 +4628,7 @@
           </a:prstGeom>
         </p:spPr>
         <p:txBody>
-          <a:bodyPr anchorCtr="0" anchor="b" bIns="91425" lIns="91425" spcFirstLastPara="1" rIns="91425" wrap="square" tIns="91425">
+          <a:bodyPr spcFirstLastPara="1" wrap="square" lIns="91425" tIns="91425" rIns="91425" bIns="91425" anchor="b" anchorCtr="0">
             <a:noAutofit/>
           </a:bodyPr>
           <a:lstStyle>
@@ -4607,15 +4732,19 @@
               <a:defRPr sz="2400"/>
             </a:lvl9pPr>
           </a:lstStyle>
-          <a:p/>
+          <a:p>
+            <a:endParaRPr/>
+          </a:p>
         </p:txBody>
       </p:sp>
       <p:sp>
         <p:nvSpPr>
           <p:cNvPr id="42" name="Google Shape;42;p7"/>
-          <p:cNvSpPr txBox="1"/>
+          <p:cNvSpPr txBox="1">
+            <a:spLocks noGrp="1"/>
+          </p:cNvSpPr>
           <p:nvPr>
-            <p:ph idx="1" type="body"/>
+            <p:ph type="body" idx="1"/>
           </p:nvPr>
         </p:nvSpPr>
         <p:spPr>
@@ -4628,11 +4757,11 @@
           </a:prstGeom>
         </p:spPr>
         <p:txBody>
-          <a:bodyPr anchorCtr="0" anchor="t" bIns="91425" lIns="91425" spcFirstLastPara="1" rIns="91425" wrap="square" tIns="91425">
+          <a:bodyPr spcFirstLastPara="1" wrap="square" lIns="91425" tIns="91425" rIns="91425" bIns="91425" anchor="t" anchorCtr="0">
             <a:noAutofit/>
           </a:bodyPr>
           <a:lstStyle>
-            <a:lvl1pPr indent="-304800" lvl="0" marL="457200" rtl="0">
+            <a:lvl1pPr marL="457200" lvl="0" indent="-304800" rtl="0">
               <a:spcBef>
                 <a:spcPts val="0"/>
               </a:spcBef>
@@ -4643,7 +4772,7 @@
               <a:buChar char="●"/>
               <a:defRPr sz="1200"/>
             </a:lvl1pPr>
-            <a:lvl2pPr indent="-304800" lvl="1" marL="914400" rtl="0">
+            <a:lvl2pPr marL="914400" lvl="1" indent="-304800" rtl="0">
               <a:spcBef>
                 <a:spcPts val="1600"/>
               </a:spcBef>
@@ -4654,7 +4783,7 @@
               <a:buChar char="○"/>
               <a:defRPr sz="1200"/>
             </a:lvl2pPr>
-            <a:lvl3pPr indent="-304800" lvl="2" marL="1371600" rtl="0">
+            <a:lvl3pPr marL="1371600" lvl="2" indent="-304800" rtl="0">
               <a:spcBef>
                 <a:spcPts val="1600"/>
               </a:spcBef>
@@ -4665,7 +4794,7 @@
               <a:buChar char="■"/>
               <a:defRPr sz="1200"/>
             </a:lvl3pPr>
-            <a:lvl4pPr indent="-304800" lvl="3" marL="1828800" rtl="0">
+            <a:lvl4pPr marL="1828800" lvl="3" indent="-304800" rtl="0">
               <a:spcBef>
                 <a:spcPts val="1600"/>
               </a:spcBef>
@@ -4676,7 +4805,7 @@
               <a:buChar char="●"/>
               <a:defRPr sz="1200"/>
             </a:lvl4pPr>
-            <a:lvl5pPr indent="-304800" lvl="4" marL="2286000" rtl="0">
+            <a:lvl5pPr marL="2286000" lvl="4" indent="-304800" rtl="0">
               <a:spcBef>
                 <a:spcPts val="1600"/>
               </a:spcBef>
@@ -4687,7 +4816,7 @@
               <a:buChar char="○"/>
               <a:defRPr sz="1200"/>
             </a:lvl5pPr>
-            <a:lvl6pPr indent="-304800" lvl="5" marL="2743200" rtl="0">
+            <a:lvl6pPr marL="2743200" lvl="5" indent="-304800" rtl="0">
               <a:spcBef>
                 <a:spcPts val="1600"/>
               </a:spcBef>
@@ -4698,7 +4827,7 @@
               <a:buChar char="■"/>
               <a:defRPr sz="1200"/>
             </a:lvl6pPr>
-            <a:lvl7pPr indent="-304800" lvl="6" marL="3200400" rtl="0">
+            <a:lvl7pPr marL="3200400" lvl="6" indent="-304800" rtl="0">
               <a:spcBef>
                 <a:spcPts val="1600"/>
               </a:spcBef>
@@ -4709,7 +4838,7 @@
               <a:buChar char="●"/>
               <a:defRPr sz="1200"/>
             </a:lvl7pPr>
-            <a:lvl8pPr indent="-304800" lvl="7" marL="3657600" rtl="0">
+            <a:lvl8pPr marL="3657600" lvl="7" indent="-304800" rtl="0">
               <a:spcBef>
                 <a:spcPts val="1600"/>
               </a:spcBef>
@@ -4720,7 +4849,7 @@
               <a:buChar char="○"/>
               <a:defRPr sz="1200"/>
             </a:lvl8pPr>
-            <a:lvl9pPr indent="-304800" lvl="8" marL="4114800" rtl="0">
+            <a:lvl9pPr marL="4114800" lvl="8" indent="-304800" rtl="0">
               <a:spcBef>
                 <a:spcPts val="1600"/>
               </a:spcBef>
@@ -4732,15 +4861,19 @@
               <a:defRPr sz="1200"/>
             </a:lvl9pPr>
           </a:lstStyle>
-          <a:p/>
+          <a:p>
+            <a:endParaRPr/>
+          </a:p>
         </p:txBody>
       </p:sp>
       <p:sp>
         <p:nvSpPr>
           <p:cNvPr id="43" name="Google Shape;43;p7"/>
-          <p:cNvSpPr txBox="1"/>
+          <p:cNvSpPr txBox="1">
+            <a:spLocks noGrp="1"/>
+          </p:cNvSpPr>
           <p:nvPr>
-            <p:ph idx="12" type="sldNum"/>
+            <p:ph type="sldNum" idx="12"/>
           </p:nvPr>
         </p:nvSpPr>
         <p:spPr>
@@ -4753,7 +4886,7 @@
           </a:prstGeom>
         </p:spPr>
         <p:txBody>
-          <a:bodyPr anchorCtr="0" anchor="ctr" bIns="91425" lIns="91425" spcFirstLastPara="1" rIns="91425" wrap="square" tIns="91425">
+          <a:bodyPr spcFirstLastPara="1" wrap="square" lIns="91425" tIns="91425" rIns="91425" bIns="91425" anchor="ctr" anchorCtr="0">
             <a:noAutofit/>
           </a:bodyPr>
           <a:lstStyle>
@@ -4795,7 +4928,7 @@
             </a:lvl9pPr>
           </a:lstStyle>
           <a:p>
-            <a:pPr indent="0" lvl="0" marL="0" rtl="0" algn="r">
+            <a:pPr marL="0" lvl="0" indent="0" algn="r" rtl="0">
               <a:spcBef>
                 <a:spcPts val="0"/>
               </a:spcBef>
@@ -4821,18 +4954,19 @@
 </file>
 
 <file path=ppt/slideLayouts/slideLayout7.xml><?xml version="1.0" encoding="utf-8"?>
-<p:sldLayout xmlns:a="http://schemas.openxmlformats.org/drawingml/2006/main" xmlns:r="http://schemas.openxmlformats.org/officeDocument/2006/relationships" xmlns:mc="http://schemas.openxmlformats.org/markup-compatibility/2006" xmlns:mv="urn:schemas-microsoft-com:mac:vml" xmlns:p="http://schemas.openxmlformats.org/presentationml/2006/main" xmlns:c="http://schemas.openxmlformats.org/drawingml/2006/chart" xmlns:dgm="http://schemas.openxmlformats.org/drawingml/2006/diagram" xmlns:o="urn:schemas-microsoft-com:office:office" xmlns:v="urn:schemas-microsoft-com:vml" xmlns:pvml="urn:schemas-microsoft-com:office:powerpoint" xmlns:com="http://schemas.openxmlformats.org/drawingml/2006/compatibility" xmlns:p14="http://schemas.microsoft.com/office/powerpoint/2010/main" xmlns:p15="http://schemas.microsoft.com/office/powerpoint/2012/main" matchingName="Main point">
+<p:sldLayout xmlns:a="http://schemas.openxmlformats.org/drawingml/2006/main" xmlns:r="http://schemas.openxmlformats.org/officeDocument/2006/relationships" xmlns:p="http://schemas.openxmlformats.org/presentationml/2006/main" matchingName="Main point">
   <p:cSld name="MAIN_POINT">
     <p:bg>
       <p:bgPr>
         <a:solidFill>
           <a:srgbClr val="353535"/>
         </a:solidFill>
+        <a:effectLst/>
       </p:bgPr>
     </p:bg>
     <p:spTree>
       <p:nvGrpSpPr>
-        <p:cNvPr id="44" name="Shape 44"/>
+        <p:cNvPr id="1" name="Shape 44"/>
         <p:cNvGrpSpPr/>
         <p:nvPr/>
       </p:nvGrpSpPr>
@@ -4859,21 +4993,23 @@
             <a:avLst/>
           </a:prstGeom>
           <a:noFill/>
-          <a:ln cap="flat" cmpd="sng" w="19050">
+          <a:ln w="19050" cap="flat" cmpd="sng">
             <a:solidFill>
               <a:schemeClr val="lt1"/>
             </a:solidFill>
             <a:prstDash val="solid"/>
             <a:round/>
-            <a:headEnd len="sm" w="sm" type="none"/>
-            <a:tailEnd len="sm" w="sm" type="none"/>
+            <a:headEnd type="none" w="sm" len="sm"/>
+            <a:tailEnd type="none" w="sm" len="sm"/>
           </a:ln>
         </p:spPr>
       </p:cxnSp>
       <p:sp>
         <p:nvSpPr>
           <p:cNvPr id="46" name="Google Shape;46;p8"/>
-          <p:cNvSpPr txBox="1"/>
+          <p:cNvSpPr txBox="1">
+            <a:spLocks noGrp="1"/>
+          </p:cNvSpPr>
           <p:nvPr>
             <p:ph type="title"/>
           </p:nvPr>
@@ -4888,7 +5024,7 @@
           </a:prstGeom>
         </p:spPr>
         <p:txBody>
-          <a:bodyPr anchorCtr="0" anchor="ctr" bIns="91425" lIns="91425" spcFirstLastPara="1" rIns="91425" wrap="square" tIns="91425">
+          <a:bodyPr spcFirstLastPara="1" wrap="square" lIns="91425" tIns="91425" rIns="91425" bIns="91425" anchor="ctr" anchorCtr="0">
             <a:noAutofit/>
           </a:bodyPr>
           <a:lstStyle>
@@ -5055,15 +5191,19 @@
               </a:defRPr>
             </a:lvl9pPr>
           </a:lstStyle>
-          <a:p/>
+          <a:p>
+            <a:endParaRPr/>
+          </a:p>
         </p:txBody>
       </p:sp>
       <p:sp>
         <p:nvSpPr>
           <p:cNvPr id="47" name="Google Shape;47;p8"/>
-          <p:cNvSpPr txBox="1"/>
+          <p:cNvSpPr txBox="1">
+            <a:spLocks noGrp="1"/>
+          </p:cNvSpPr>
           <p:nvPr>
-            <p:ph idx="12" type="sldNum"/>
+            <p:ph type="sldNum" idx="12"/>
           </p:nvPr>
         </p:nvSpPr>
         <p:spPr>
@@ -5076,7 +5216,7 @@
           </a:prstGeom>
         </p:spPr>
         <p:txBody>
-          <a:bodyPr anchorCtr="0" anchor="ctr" bIns="91425" lIns="91425" spcFirstLastPara="1" rIns="91425" wrap="square" tIns="91425">
+          <a:bodyPr spcFirstLastPara="1" wrap="square" lIns="91425" tIns="91425" rIns="91425" bIns="91425" anchor="ctr" anchorCtr="0">
             <a:noAutofit/>
           </a:bodyPr>
           <a:lstStyle>
@@ -5154,7 +5294,7 @@
             </a:lvl9pPr>
           </a:lstStyle>
           <a:p>
-            <a:pPr indent="0" lvl="0" marL="0" rtl="0" algn="r">
+            <a:pPr marL="0" lvl="0" indent="0" algn="r" rtl="0">
               <a:spcBef>
                 <a:spcPts val="0"/>
               </a:spcBef>
@@ -5180,11 +5320,11 @@
 </file>
 
 <file path=ppt/slideLayouts/slideLayout8.xml><?xml version="1.0" encoding="utf-8"?>
-<p:sldLayout xmlns:a="http://schemas.openxmlformats.org/drawingml/2006/main" xmlns:r="http://schemas.openxmlformats.org/officeDocument/2006/relationships" xmlns:mc="http://schemas.openxmlformats.org/markup-compatibility/2006" xmlns:mv="urn:schemas-microsoft-com:mac:vml" xmlns:p="http://schemas.openxmlformats.org/presentationml/2006/main" xmlns:c="http://schemas.openxmlformats.org/drawingml/2006/chart" xmlns:dgm="http://schemas.openxmlformats.org/drawingml/2006/diagram" xmlns:o="urn:schemas-microsoft-com:office:office" xmlns:v="urn:schemas-microsoft-com:vml" xmlns:pvml="urn:schemas-microsoft-com:office:powerpoint" xmlns:com="http://schemas.openxmlformats.org/drawingml/2006/compatibility" xmlns:p14="http://schemas.microsoft.com/office/powerpoint/2010/main" xmlns:p15="http://schemas.microsoft.com/office/powerpoint/2012/main" matchingName="Section title and description">
+<p:sldLayout xmlns:a="http://schemas.openxmlformats.org/drawingml/2006/main" xmlns:r="http://schemas.openxmlformats.org/officeDocument/2006/relationships" xmlns:p="http://schemas.openxmlformats.org/presentationml/2006/main" matchingName="Section title and description">
   <p:cSld name="SECTION_TITLE_AND_DESCRIPTION">
     <p:spTree>
       <p:nvGrpSpPr>
-        <p:cNvPr id="48" name="Shape 48"/>
+        <p:cNvPr id="1" name="Shape 48"/>
         <p:cNvGrpSpPr/>
         <p:nvPr/>
       </p:nvGrpSpPr>
@@ -5218,12 +5358,12 @@
           </a:ln>
         </p:spPr>
         <p:txBody>
-          <a:bodyPr anchorCtr="0" anchor="ctr" bIns="91425" lIns="91425" spcFirstLastPara="1" rIns="91425" wrap="square" tIns="91425">
+          <a:bodyPr spcFirstLastPara="1" wrap="square" lIns="91425" tIns="91425" rIns="91425" bIns="91425" anchor="ctr" anchorCtr="0">
             <a:noAutofit/>
           </a:bodyPr>
           <a:lstStyle/>
           <a:p>
-            <a:pPr indent="0" lvl="0" marL="0" rtl="0" algn="l">
+            <a:pPr marL="0" lvl="0" indent="0" algn="l" rtl="0">
               <a:spcBef>
                 <a:spcPts val="0"/>
               </a:spcBef>
@@ -5232,9 +5372,6 @@
               </a:spcAft>
               <a:buNone/>
             </a:pPr>
-            <a:r>
-              <a:t/>
-            </a:r>
             <a:endParaRPr/>
           </a:p>
         </p:txBody>
@@ -5254,21 +5391,23 @@
             <a:avLst/>
           </a:prstGeom>
           <a:noFill/>
-          <a:ln cap="flat" cmpd="sng" w="19050">
+          <a:ln w="19050" cap="flat" cmpd="sng">
             <a:solidFill>
               <a:schemeClr val="lt1"/>
             </a:solidFill>
             <a:prstDash val="solid"/>
             <a:round/>
-            <a:headEnd len="sm" w="sm" type="none"/>
-            <a:tailEnd len="sm" w="sm" type="none"/>
+            <a:headEnd type="none" w="sm" len="sm"/>
+            <a:tailEnd type="none" w="sm" len="sm"/>
           </a:ln>
         </p:spPr>
       </p:cxnSp>
       <p:sp>
         <p:nvSpPr>
           <p:cNvPr id="51" name="Google Shape;51;p9"/>
-          <p:cNvSpPr txBox="1"/>
+          <p:cNvSpPr txBox="1">
+            <a:spLocks noGrp="1"/>
+          </p:cNvSpPr>
           <p:nvPr>
             <p:ph type="title"/>
           </p:nvPr>
@@ -5283,11 +5422,11 @@
           </a:prstGeom>
         </p:spPr>
         <p:txBody>
-          <a:bodyPr anchorCtr="0" anchor="b" bIns="91425" lIns="91425" spcFirstLastPara="1" rIns="91425" wrap="square" tIns="91425">
+          <a:bodyPr spcFirstLastPara="1" wrap="square" lIns="91425" tIns="91425" rIns="91425" bIns="91425" anchor="b" anchorCtr="0">
             <a:noAutofit/>
           </a:bodyPr>
           <a:lstStyle>
-            <a:lvl1pPr lvl="0" rtl="0" algn="ctr">
+            <a:lvl1pPr lvl="0" algn="ctr" rtl="0">
               <a:spcBef>
                 <a:spcPts val="0"/>
               </a:spcBef>
@@ -5305,7 +5444,7 @@
                 </a:solidFill>
               </a:defRPr>
             </a:lvl1pPr>
-            <a:lvl2pPr lvl="1" rtl="0" algn="ctr">
+            <a:lvl2pPr lvl="1" algn="ctr" rtl="0">
               <a:spcBef>
                 <a:spcPts val="0"/>
               </a:spcBef>
@@ -5323,7 +5462,7 @@
                 </a:solidFill>
               </a:defRPr>
             </a:lvl2pPr>
-            <a:lvl3pPr lvl="2" rtl="0" algn="ctr">
+            <a:lvl3pPr lvl="2" algn="ctr" rtl="0">
               <a:spcBef>
                 <a:spcPts val="0"/>
               </a:spcBef>
@@ -5341,7 +5480,7 @@
                 </a:solidFill>
               </a:defRPr>
             </a:lvl3pPr>
-            <a:lvl4pPr lvl="3" rtl="0" algn="ctr">
+            <a:lvl4pPr lvl="3" algn="ctr" rtl="0">
               <a:spcBef>
                 <a:spcPts val="0"/>
               </a:spcBef>
@@ -5359,7 +5498,7 @@
                 </a:solidFill>
               </a:defRPr>
             </a:lvl4pPr>
-            <a:lvl5pPr lvl="4" rtl="0" algn="ctr">
+            <a:lvl5pPr lvl="4" algn="ctr" rtl="0">
               <a:spcBef>
                 <a:spcPts val="0"/>
               </a:spcBef>
@@ -5377,7 +5516,7 @@
                 </a:solidFill>
               </a:defRPr>
             </a:lvl5pPr>
-            <a:lvl6pPr lvl="5" rtl="0" algn="ctr">
+            <a:lvl6pPr lvl="5" algn="ctr" rtl="0">
               <a:spcBef>
                 <a:spcPts val="0"/>
               </a:spcBef>
@@ -5395,7 +5534,7 @@
                 </a:solidFill>
               </a:defRPr>
             </a:lvl6pPr>
-            <a:lvl7pPr lvl="6" rtl="0" algn="ctr">
+            <a:lvl7pPr lvl="6" algn="ctr" rtl="0">
               <a:spcBef>
                 <a:spcPts val="0"/>
               </a:spcBef>
@@ -5413,7 +5552,7 @@
                 </a:solidFill>
               </a:defRPr>
             </a:lvl7pPr>
-            <a:lvl8pPr lvl="7" rtl="0" algn="ctr">
+            <a:lvl8pPr lvl="7" algn="ctr" rtl="0">
               <a:spcBef>
                 <a:spcPts val="0"/>
               </a:spcBef>
@@ -5431,7 +5570,7 @@
                 </a:solidFill>
               </a:defRPr>
             </a:lvl8pPr>
-            <a:lvl9pPr lvl="8" rtl="0" algn="ctr">
+            <a:lvl9pPr lvl="8" algn="ctr" rtl="0">
               <a:spcBef>
                 <a:spcPts val="0"/>
               </a:spcBef>
@@ -5450,15 +5589,19 @@
               </a:defRPr>
             </a:lvl9pPr>
           </a:lstStyle>
-          <a:p/>
+          <a:p>
+            <a:endParaRPr/>
+          </a:p>
         </p:txBody>
       </p:sp>
       <p:sp>
         <p:nvSpPr>
           <p:cNvPr id="52" name="Google Shape;52;p9"/>
-          <p:cNvSpPr txBox="1"/>
+          <p:cNvSpPr txBox="1">
+            <a:spLocks noGrp="1"/>
+          </p:cNvSpPr>
           <p:nvPr>
-            <p:ph idx="1" type="subTitle"/>
+            <p:ph type="subTitle" idx="1"/>
           </p:nvPr>
         </p:nvSpPr>
         <p:spPr>
@@ -5471,11 +5614,11 @@
           </a:prstGeom>
         </p:spPr>
         <p:txBody>
-          <a:bodyPr anchorCtr="0" anchor="t" bIns="91425" lIns="91425" spcFirstLastPara="1" rIns="91425" wrap="square" tIns="91425">
+          <a:bodyPr spcFirstLastPara="1" wrap="square" lIns="91425" tIns="91425" rIns="91425" bIns="91425" anchor="t" anchorCtr="0">
             <a:noAutofit/>
           </a:bodyPr>
           <a:lstStyle>
-            <a:lvl1pPr lvl="0" rtl="0" algn="ctr">
+            <a:lvl1pPr lvl="0" algn="ctr" rtl="0">
               <a:lnSpc>
                 <a:spcPct val="100000"/>
               </a:lnSpc>
@@ -5489,7 +5632,7 @@
               <a:buNone/>
               <a:defRPr sz="2100"/>
             </a:lvl1pPr>
-            <a:lvl2pPr lvl="1" rtl="0" algn="ctr">
+            <a:lvl2pPr lvl="1" algn="ctr" rtl="0">
               <a:lnSpc>
                 <a:spcPct val="100000"/>
               </a:lnSpc>
@@ -5503,7 +5646,7 @@
               <a:buNone/>
               <a:defRPr sz="2100"/>
             </a:lvl2pPr>
-            <a:lvl3pPr lvl="2" rtl="0" algn="ctr">
+            <a:lvl3pPr lvl="2" algn="ctr" rtl="0">
               <a:lnSpc>
                 <a:spcPct val="100000"/>
               </a:lnSpc>
@@ -5517,7 +5660,7 @@
               <a:buNone/>
               <a:defRPr sz="2100"/>
             </a:lvl3pPr>
-            <a:lvl4pPr lvl="3" rtl="0" algn="ctr">
+            <a:lvl4pPr lvl="3" algn="ctr" rtl="0">
               <a:lnSpc>
                 <a:spcPct val="100000"/>
               </a:lnSpc>
@@ -5531,7 +5674,7 @@
               <a:buNone/>
               <a:defRPr sz="2100"/>
             </a:lvl4pPr>
-            <a:lvl5pPr lvl="4" rtl="0" algn="ctr">
+            <a:lvl5pPr lvl="4" algn="ctr" rtl="0">
               <a:lnSpc>
                 <a:spcPct val="100000"/>
               </a:lnSpc>
@@ -5545,7 +5688,7 @@
               <a:buNone/>
               <a:defRPr sz="2100"/>
             </a:lvl5pPr>
-            <a:lvl6pPr lvl="5" rtl="0" algn="ctr">
+            <a:lvl6pPr lvl="5" algn="ctr" rtl="0">
               <a:lnSpc>
                 <a:spcPct val="100000"/>
               </a:lnSpc>
@@ -5559,7 +5702,7 @@
               <a:buNone/>
               <a:defRPr sz="2100"/>
             </a:lvl6pPr>
-            <a:lvl7pPr lvl="6" rtl="0" algn="ctr">
+            <a:lvl7pPr lvl="6" algn="ctr" rtl="0">
               <a:lnSpc>
                 <a:spcPct val="100000"/>
               </a:lnSpc>
@@ -5573,7 +5716,7 @@
               <a:buNone/>
               <a:defRPr sz="2100"/>
             </a:lvl7pPr>
-            <a:lvl8pPr lvl="7" rtl="0" algn="ctr">
+            <a:lvl8pPr lvl="7" algn="ctr" rtl="0">
               <a:lnSpc>
                 <a:spcPct val="100000"/>
               </a:lnSpc>
@@ -5587,7 +5730,7 @@
               <a:buNone/>
               <a:defRPr sz="2100"/>
             </a:lvl8pPr>
-            <a:lvl9pPr lvl="8" rtl="0" algn="ctr">
+            <a:lvl9pPr lvl="8" algn="ctr" rtl="0">
               <a:lnSpc>
                 <a:spcPct val="100000"/>
               </a:lnSpc>
@@ -5602,15 +5745,19 @@
               <a:defRPr sz="2100"/>
             </a:lvl9pPr>
           </a:lstStyle>
-          <a:p/>
+          <a:p>
+            <a:endParaRPr/>
+          </a:p>
         </p:txBody>
       </p:sp>
       <p:sp>
         <p:nvSpPr>
           <p:cNvPr id="53" name="Google Shape;53;p9"/>
-          <p:cNvSpPr txBox="1"/>
+          <p:cNvSpPr txBox="1">
+            <a:spLocks noGrp="1"/>
+          </p:cNvSpPr>
           <p:nvPr>
-            <p:ph idx="2" type="body"/>
+            <p:ph type="body" idx="2"/>
           </p:nvPr>
         </p:nvSpPr>
         <p:spPr>
@@ -5623,11 +5770,11 @@
           </a:prstGeom>
         </p:spPr>
         <p:txBody>
-          <a:bodyPr anchorCtr="0" anchor="ctr" bIns="91425" lIns="91425" spcFirstLastPara="1" rIns="91425" wrap="square" tIns="91425">
+          <a:bodyPr spcFirstLastPara="1" wrap="square" lIns="91425" tIns="91425" rIns="91425" bIns="91425" anchor="ctr" anchorCtr="0">
             <a:noAutofit/>
           </a:bodyPr>
           <a:lstStyle>
-            <a:lvl1pPr indent="-342900" lvl="0" marL="457200" rtl="0">
+            <a:lvl1pPr marL="457200" lvl="0" indent="-342900" rtl="0">
               <a:spcBef>
                 <a:spcPts val="0"/>
               </a:spcBef>
@@ -5645,7 +5792,7 @@
                 </a:solidFill>
               </a:defRPr>
             </a:lvl1pPr>
-            <a:lvl2pPr indent="-317500" lvl="1" marL="914400" rtl="0">
+            <a:lvl2pPr marL="914400" lvl="1" indent="-317500" rtl="0">
               <a:spcBef>
                 <a:spcPts val="1600"/>
               </a:spcBef>
@@ -5663,7 +5810,7 @@
                 </a:solidFill>
               </a:defRPr>
             </a:lvl2pPr>
-            <a:lvl3pPr indent="-317500" lvl="2" marL="1371600" rtl="0">
+            <a:lvl3pPr marL="1371600" lvl="2" indent="-317500" rtl="0">
               <a:spcBef>
                 <a:spcPts val="1600"/>
               </a:spcBef>
@@ -5681,7 +5828,7 @@
                 </a:solidFill>
               </a:defRPr>
             </a:lvl3pPr>
-            <a:lvl4pPr indent="-317500" lvl="3" marL="1828800" rtl="0">
+            <a:lvl4pPr marL="1828800" lvl="3" indent="-317500" rtl="0">
               <a:spcBef>
                 <a:spcPts val="1600"/>
               </a:spcBef>
@@ -5699,7 +5846,7 @@
                 </a:solidFill>
               </a:defRPr>
             </a:lvl4pPr>
-            <a:lvl5pPr indent="-317500" lvl="4" marL="2286000" rtl="0">
+            <a:lvl5pPr marL="2286000" lvl="4" indent="-317500" rtl="0">
               <a:spcBef>
                 <a:spcPts val="1600"/>
               </a:spcBef>
@@ -5717,7 +5864,7 @@
                 </a:solidFill>
               </a:defRPr>
             </a:lvl5pPr>
-            <a:lvl6pPr indent="-317500" lvl="5" marL="2743200" rtl="0">
+            <a:lvl6pPr marL="2743200" lvl="5" indent="-317500" rtl="0">
               <a:spcBef>
                 <a:spcPts val="1600"/>
               </a:spcBef>
@@ -5735,7 +5882,7 @@
                 </a:solidFill>
               </a:defRPr>
             </a:lvl6pPr>
-            <a:lvl7pPr indent="-317500" lvl="6" marL="3200400" rtl="0">
+            <a:lvl7pPr marL="3200400" lvl="6" indent="-317500" rtl="0">
               <a:spcBef>
                 <a:spcPts val="1600"/>
               </a:spcBef>
@@ -5753,7 +5900,7 @@
                 </a:solidFill>
               </a:defRPr>
             </a:lvl7pPr>
-            <a:lvl8pPr indent="-317500" lvl="7" marL="3657600" rtl="0">
+            <a:lvl8pPr marL="3657600" lvl="7" indent="-317500" rtl="0">
               <a:spcBef>
                 <a:spcPts val="1600"/>
               </a:spcBef>
@@ -5771,7 +5918,7 @@
                 </a:solidFill>
               </a:defRPr>
             </a:lvl8pPr>
-            <a:lvl9pPr indent="-317500" lvl="8" marL="4114800" rtl="0">
+            <a:lvl9pPr marL="4114800" lvl="8" indent="-317500" rtl="0">
               <a:spcBef>
                 <a:spcPts val="1600"/>
               </a:spcBef>
@@ -5790,15 +5937,19 @@
               </a:defRPr>
             </a:lvl9pPr>
           </a:lstStyle>
-          <a:p/>
+          <a:p>
+            <a:endParaRPr/>
+          </a:p>
         </p:txBody>
       </p:sp>
       <p:sp>
         <p:nvSpPr>
           <p:cNvPr id="54" name="Google Shape;54;p9"/>
-          <p:cNvSpPr txBox="1"/>
+          <p:cNvSpPr txBox="1">
+            <a:spLocks noGrp="1"/>
+          </p:cNvSpPr>
           <p:nvPr>
-            <p:ph idx="12" type="sldNum"/>
+            <p:ph type="sldNum" idx="12"/>
           </p:nvPr>
         </p:nvSpPr>
         <p:spPr>
@@ -5811,7 +5962,7 @@
           </a:prstGeom>
         </p:spPr>
         <p:txBody>
-          <a:bodyPr anchorCtr="0" anchor="ctr" bIns="91425" lIns="91425" spcFirstLastPara="1" rIns="91425" wrap="square" tIns="91425">
+          <a:bodyPr spcFirstLastPara="1" wrap="square" lIns="91425" tIns="91425" rIns="91425" bIns="91425" anchor="ctr" anchorCtr="0">
             <a:noAutofit/>
           </a:bodyPr>
           <a:lstStyle>
@@ -5889,7 +6040,7 @@
             </a:lvl9pPr>
           </a:lstStyle>
           <a:p>
-            <a:pPr indent="0" lvl="0" marL="0" rtl="0" algn="r">
+            <a:pPr marL="0" lvl="0" indent="0" algn="r" rtl="0">
               <a:spcBef>
                 <a:spcPts val="0"/>
               </a:spcBef>
@@ -5915,11 +6066,11 @@
 </file>
 
 <file path=ppt/slideLayouts/slideLayout9.xml><?xml version="1.0" encoding="utf-8"?>
-<p:sldLayout xmlns:a="http://schemas.openxmlformats.org/drawingml/2006/main" xmlns:r="http://schemas.openxmlformats.org/officeDocument/2006/relationships" xmlns:mc="http://schemas.openxmlformats.org/markup-compatibility/2006" xmlns:mv="urn:schemas-microsoft-com:mac:vml" xmlns:p="http://schemas.openxmlformats.org/presentationml/2006/main" xmlns:c="http://schemas.openxmlformats.org/drawingml/2006/chart" xmlns:dgm="http://schemas.openxmlformats.org/drawingml/2006/diagram" xmlns:o="urn:schemas-microsoft-com:office:office" xmlns:v="urn:schemas-microsoft-com:vml" xmlns:pvml="urn:schemas-microsoft-com:office:powerpoint" xmlns:com="http://schemas.openxmlformats.org/drawingml/2006/compatibility" xmlns:p14="http://schemas.microsoft.com/office/powerpoint/2010/main" xmlns:p15="http://schemas.microsoft.com/office/powerpoint/2012/main" matchingName="Caption">
+<p:sldLayout xmlns:a="http://schemas.openxmlformats.org/drawingml/2006/main" xmlns:r="http://schemas.openxmlformats.org/officeDocument/2006/relationships" xmlns:p="http://schemas.openxmlformats.org/presentationml/2006/main" matchingName="Caption">
   <p:cSld name="CAPTION_ONLY">
     <p:spTree>
       <p:nvGrpSpPr>
-        <p:cNvPr id="55" name="Shape 55"/>
+        <p:cNvPr id="1" name="Shape 55"/>
         <p:cNvGrpSpPr/>
         <p:nvPr/>
       </p:nvGrpSpPr>
@@ -5946,14 +6097,14 @@
             <a:avLst/>
           </a:prstGeom>
           <a:noFill/>
-          <a:ln cap="flat" cmpd="sng" w="19050">
+          <a:ln w="19050" cap="flat" cmpd="sng">
             <a:solidFill>
               <a:schemeClr val="dk2"/>
             </a:solidFill>
             <a:prstDash val="solid"/>
             <a:round/>
-            <a:headEnd len="sm" w="sm" type="none"/>
-            <a:tailEnd len="sm" w="sm" type="none"/>
+            <a:headEnd type="none" w="sm" len="sm"/>
+            <a:tailEnd type="none" w="sm" len="sm"/>
           </a:ln>
         </p:spPr>
       </p:cxnSp>
@@ -5972,23 +6123,25 @@
             <a:avLst/>
           </a:prstGeom>
           <a:noFill/>
-          <a:ln cap="flat" cmpd="sng" w="19050">
+          <a:ln w="19050" cap="flat" cmpd="sng">
             <a:solidFill>
               <a:schemeClr val="dk2"/>
             </a:solidFill>
             <a:prstDash val="solid"/>
             <a:round/>
-            <a:headEnd len="sm" w="sm" type="none"/>
-            <a:tailEnd len="sm" w="sm" type="none"/>
+            <a:headEnd type="none" w="sm" len="sm"/>
+            <a:tailEnd type="none" w="sm" len="sm"/>
           </a:ln>
         </p:spPr>
       </p:cxnSp>
       <p:sp>
         <p:nvSpPr>
           <p:cNvPr id="58" name="Google Shape;58;p10"/>
-          <p:cNvSpPr txBox="1"/>
+          <p:cNvSpPr txBox="1">
+            <a:spLocks noGrp="1"/>
+          </p:cNvSpPr>
           <p:nvPr>
-            <p:ph idx="1" type="body"/>
+            <p:ph type="body" idx="1"/>
           </p:nvPr>
         </p:nvSpPr>
         <p:spPr>
@@ -6001,11 +6154,11 @@
           </a:prstGeom>
         </p:spPr>
         <p:txBody>
-          <a:bodyPr anchorCtr="0" anchor="ctr" bIns="91425" lIns="91425" spcFirstLastPara="1" rIns="91425" wrap="square" tIns="91425">
+          <a:bodyPr spcFirstLastPara="1" wrap="square" lIns="91425" tIns="91425" rIns="91425" bIns="91425" anchor="ctr" anchorCtr="0">
             <a:noAutofit/>
           </a:bodyPr>
           <a:lstStyle>
-            <a:lvl1pPr indent="-228600" lvl="0" marL="457200" rtl="0">
+            <a:lvl1pPr marL="457200" lvl="0" indent="-228600" rtl="0">
               <a:lnSpc>
                 <a:spcPct val="100000"/>
               </a:lnSpc>
@@ -6020,15 +6173,19 @@
               <a:defRPr/>
             </a:lvl1pPr>
           </a:lstStyle>
-          <a:p/>
+          <a:p>
+            <a:endParaRPr/>
+          </a:p>
         </p:txBody>
       </p:sp>
       <p:sp>
         <p:nvSpPr>
           <p:cNvPr id="59" name="Google Shape;59;p10"/>
-          <p:cNvSpPr txBox="1"/>
+          <p:cNvSpPr txBox="1">
+            <a:spLocks noGrp="1"/>
+          </p:cNvSpPr>
           <p:nvPr>
-            <p:ph idx="12" type="sldNum"/>
+            <p:ph type="sldNum" idx="12"/>
           </p:nvPr>
         </p:nvSpPr>
         <p:spPr>
@@ -6041,7 +6198,7 @@
           </a:prstGeom>
         </p:spPr>
         <p:txBody>
-          <a:bodyPr anchorCtr="0" anchor="ctr" bIns="91425" lIns="91425" spcFirstLastPara="1" rIns="91425" wrap="square" tIns="91425">
+          <a:bodyPr spcFirstLastPara="1" wrap="square" lIns="91425" tIns="91425" rIns="91425" bIns="91425" anchor="ctr" anchorCtr="0">
             <a:noAutofit/>
           </a:bodyPr>
           <a:lstStyle>
@@ -6083,7 +6240,7 @@
             </a:lvl9pPr>
           </a:lstStyle>
           <a:p>
-            <a:pPr indent="0" lvl="0" marL="0" rtl="0" algn="r">
+            <a:pPr marL="0" lvl="0" indent="0" algn="r" rtl="0">
               <a:spcBef>
                 <a:spcPts val="0"/>
               </a:spcBef>
@@ -6109,18 +6266,19 @@
 </file>
 
 <file path=ppt/slideMasters/slideMaster1.xml><?xml version="1.0" encoding="utf-8"?>
-<p:sldMaster xmlns:a="http://schemas.openxmlformats.org/drawingml/2006/main" xmlns:r="http://schemas.openxmlformats.org/officeDocument/2006/relationships" xmlns:mc="http://schemas.openxmlformats.org/markup-compatibility/2006" xmlns:mv="urn:schemas-microsoft-com:mac:vml" xmlns:p="http://schemas.openxmlformats.org/presentationml/2006/main" xmlns:c="http://schemas.openxmlformats.org/drawingml/2006/chart" xmlns:dgm="http://schemas.openxmlformats.org/drawingml/2006/diagram" xmlns:o="urn:schemas-microsoft-com:office:office" xmlns:v="urn:schemas-microsoft-com:vml" xmlns:pvml="urn:schemas-microsoft-com:office:powerpoint" xmlns:com="http://schemas.openxmlformats.org/drawingml/2006/compatibility" xmlns:p14="http://schemas.microsoft.com/office/powerpoint/2010/main" xmlns:p15="http://schemas.microsoft.com/office/powerpoint/2012/main">
+<p:sldMaster xmlns:a="http://schemas.openxmlformats.org/drawingml/2006/main" xmlns:r="http://schemas.openxmlformats.org/officeDocument/2006/relationships" xmlns:p="http://schemas.openxmlformats.org/presentationml/2006/main">
   <p:cSld name="swiss-2">
     <p:bg>
       <p:bgPr>
         <a:solidFill>
           <a:schemeClr val="lt1"/>
         </a:solidFill>
+        <a:effectLst/>
       </p:bgPr>
     </p:bg>
     <p:spTree>
       <p:nvGrpSpPr>
-        <p:cNvPr id="5" name="Shape 5"/>
+        <p:cNvPr id="1" name="Shape 5"/>
         <p:cNvGrpSpPr/>
         <p:nvPr/>
       </p:nvGrpSpPr>
@@ -6135,7 +6293,9 @@
       <p:sp>
         <p:nvSpPr>
           <p:cNvPr id="6" name="Google Shape;6;p1"/>
-          <p:cNvSpPr txBox="1"/>
+          <p:cNvSpPr txBox="1">
+            <a:spLocks noGrp="1"/>
+          </p:cNvSpPr>
           <p:nvPr>
             <p:ph type="title"/>
           </p:nvPr>
@@ -6154,7 +6314,7 @@
           </a:ln>
         </p:spPr>
         <p:txBody>
-          <a:bodyPr anchorCtr="0" anchor="t" bIns="91425" lIns="91425" spcFirstLastPara="1" rIns="91425" wrap="square" tIns="91425">
+          <a:bodyPr spcFirstLastPara="1" wrap="square" lIns="91425" tIns="91425" rIns="91425" bIns="91425" anchor="t" anchorCtr="0">
             <a:noAutofit/>
           </a:bodyPr>
           <a:lstStyle>
@@ -6171,7 +6331,7 @@
               <a:buSzPts val="3000"/>
               <a:buFont typeface="Raleway"/>
               <a:buNone/>
-              <a:defRPr b="1" sz="3000">
+              <a:defRPr sz="3000" b="1">
                 <a:solidFill>
                   <a:schemeClr val="dk2"/>
                 </a:solidFill>
@@ -6194,7 +6354,7 @@
               <a:buSzPts val="3000"/>
               <a:buFont typeface="Raleway"/>
               <a:buNone/>
-              <a:defRPr b="1" sz="3000">
+              <a:defRPr sz="3000" b="1">
                 <a:solidFill>
                   <a:schemeClr val="dk2"/>
                 </a:solidFill>
@@ -6217,7 +6377,7 @@
               <a:buSzPts val="3000"/>
               <a:buFont typeface="Raleway"/>
               <a:buNone/>
-              <a:defRPr b="1" sz="3000">
+              <a:defRPr sz="3000" b="1">
                 <a:solidFill>
                   <a:schemeClr val="dk2"/>
                 </a:solidFill>
@@ -6240,7 +6400,7 @@
               <a:buSzPts val="3000"/>
               <a:buFont typeface="Raleway"/>
               <a:buNone/>
-              <a:defRPr b="1" sz="3000">
+              <a:defRPr sz="3000" b="1">
                 <a:solidFill>
                   <a:schemeClr val="dk2"/>
                 </a:solidFill>
@@ -6263,7 +6423,7 @@
               <a:buSzPts val="3000"/>
               <a:buFont typeface="Raleway"/>
               <a:buNone/>
-              <a:defRPr b="1" sz="3000">
+              <a:defRPr sz="3000" b="1">
                 <a:solidFill>
                   <a:schemeClr val="dk2"/>
                 </a:solidFill>
@@ -6286,7 +6446,7 @@
               <a:buSzPts val="3000"/>
               <a:buFont typeface="Raleway"/>
               <a:buNone/>
-              <a:defRPr b="1" sz="3000">
+              <a:defRPr sz="3000" b="1">
                 <a:solidFill>
                   <a:schemeClr val="dk2"/>
                 </a:solidFill>
@@ -6309,7 +6469,7 @@
               <a:buSzPts val="3000"/>
               <a:buFont typeface="Raleway"/>
               <a:buNone/>
-              <a:defRPr b="1" sz="3000">
+              <a:defRPr sz="3000" b="1">
                 <a:solidFill>
                   <a:schemeClr val="dk2"/>
                 </a:solidFill>
@@ -6332,7 +6492,7 @@
               <a:buSzPts val="3000"/>
               <a:buFont typeface="Raleway"/>
               <a:buNone/>
-              <a:defRPr b="1" sz="3000">
+              <a:defRPr sz="3000" b="1">
                 <a:solidFill>
                   <a:schemeClr val="dk2"/>
                 </a:solidFill>
@@ -6355,7 +6515,7 @@
               <a:buSzPts val="3000"/>
               <a:buFont typeface="Raleway"/>
               <a:buNone/>
-              <a:defRPr b="1" sz="3000">
+              <a:defRPr sz="3000" b="1">
                 <a:solidFill>
                   <a:schemeClr val="dk2"/>
                 </a:solidFill>
@@ -6366,15 +6526,19 @@
               </a:defRPr>
             </a:lvl9pPr>
           </a:lstStyle>
-          <a:p/>
+          <a:p>
+            <a:endParaRPr/>
+          </a:p>
         </p:txBody>
       </p:sp>
       <p:sp>
         <p:nvSpPr>
           <p:cNvPr id="7" name="Google Shape;7;p1"/>
-          <p:cNvSpPr txBox="1"/>
+          <p:cNvSpPr txBox="1">
+            <a:spLocks noGrp="1"/>
+          </p:cNvSpPr>
           <p:nvPr>
-            <p:ph idx="1" type="body"/>
+            <p:ph type="body" idx="1"/>
           </p:nvPr>
         </p:nvSpPr>
         <p:spPr>
@@ -6391,11 +6555,11 @@
           </a:ln>
         </p:spPr>
         <p:txBody>
-          <a:bodyPr anchorCtr="0" anchor="t" bIns="91425" lIns="91425" spcFirstLastPara="1" rIns="91425" wrap="square" tIns="91425">
+          <a:bodyPr spcFirstLastPara="1" wrap="square" lIns="91425" tIns="91425" rIns="91425" bIns="91425" anchor="t" anchorCtr="0">
             <a:noAutofit/>
           </a:bodyPr>
           <a:lstStyle>
-            <a:lvl1pPr indent="-342900" lvl="0" marL="457200" rtl="0">
+            <a:lvl1pPr marL="457200" lvl="0" indent="-342900" rtl="0">
               <a:lnSpc>
                 <a:spcPct val="115000"/>
               </a:lnSpc>
@@ -6421,7 +6585,7 @@
                 <a:sym typeface="Lato"/>
               </a:defRPr>
             </a:lvl1pPr>
-            <a:lvl2pPr indent="-317500" lvl="1" marL="914400" rtl="0">
+            <a:lvl2pPr marL="914400" lvl="1" indent="-317500" rtl="0">
               <a:lnSpc>
                 <a:spcPct val="115000"/>
               </a:lnSpc>
@@ -6447,7 +6611,7 @@
                 <a:sym typeface="Lato"/>
               </a:defRPr>
             </a:lvl2pPr>
-            <a:lvl3pPr indent="-317500" lvl="2" marL="1371600" rtl="0">
+            <a:lvl3pPr marL="1371600" lvl="2" indent="-317500" rtl="0">
               <a:lnSpc>
                 <a:spcPct val="115000"/>
               </a:lnSpc>
@@ -6473,7 +6637,7 @@
                 <a:sym typeface="Lato"/>
               </a:defRPr>
             </a:lvl3pPr>
-            <a:lvl4pPr indent="-317500" lvl="3" marL="1828800" rtl="0">
+            <a:lvl4pPr marL="1828800" lvl="3" indent="-317500" rtl="0">
               <a:lnSpc>
                 <a:spcPct val="115000"/>
               </a:lnSpc>
@@ -6499,7 +6663,7 @@
                 <a:sym typeface="Lato"/>
               </a:defRPr>
             </a:lvl4pPr>
-            <a:lvl5pPr indent="-317500" lvl="4" marL="2286000" rtl="0">
+            <a:lvl5pPr marL="2286000" lvl="4" indent="-317500" rtl="0">
               <a:lnSpc>
                 <a:spcPct val="115000"/>
               </a:lnSpc>
@@ -6525,7 +6689,7 @@
                 <a:sym typeface="Lato"/>
               </a:defRPr>
             </a:lvl5pPr>
-            <a:lvl6pPr indent="-317500" lvl="5" marL="2743200" rtl="0">
+            <a:lvl6pPr marL="2743200" lvl="5" indent="-317500" rtl="0">
               <a:lnSpc>
                 <a:spcPct val="115000"/>
               </a:lnSpc>
@@ -6551,7 +6715,7 @@
                 <a:sym typeface="Lato"/>
               </a:defRPr>
             </a:lvl6pPr>
-            <a:lvl7pPr indent="-317500" lvl="6" marL="3200400" rtl="0">
+            <a:lvl7pPr marL="3200400" lvl="6" indent="-317500" rtl="0">
               <a:lnSpc>
                 <a:spcPct val="115000"/>
               </a:lnSpc>
@@ -6577,7 +6741,7 @@
                 <a:sym typeface="Lato"/>
               </a:defRPr>
             </a:lvl7pPr>
-            <a:lvl8pPr indent="-317500" lvl="7" marL="3657600" rtl="0">
+            <a:lvl8pPr marL="3657600" lvl="7" indent="-317500" rtl="0">
               <a:lnSpc>
                 <a:spcPct val="115000"/>
               </a:lnSpc>
@@ -6603,7 +6767,7 @@
                 <a:sym typeface="Lato"/>
               </a:defRPr>
             </a:lvl8pPr>
-            <a:lvl9pPr indent="-317500" lvl="8" marL="4114800" rtl="0">
+            <a:lvl9pPr marL="4114800" lvl="8" indent="-317500" rtl="0">
               <a:lnSpc>
                 <a:spcPct val="115000"/>
               </a:lnSpc>
@@ -6630,15 +6794,19 @@
               </a:defRPr>
             </a:lvl9pPr>
           </a:lstStyle>
-          <a:p/>
+          <a:p>
+            <a:endParaRPr/>
+          </a:p>
         </p:txBody>
       </p:sp>
       <p:sp>
         <p:nvSpPr>
           <p:cNvPr id="8" name="Google Shape;8;p1"/>
-          <p:cNvSpPr txBox="1"/>
+          <p:cNvSpPr txBox="1">
+            <a:spLocks noGrp="1"/>
+          </p:cNvSpPr>
           <p:nvPr>
-            <p:ph idx="12" type="sldNum"/>
+            <p:ph type="sldNum" idx="12"/>
           </p:nvPr>
         </p:nvSpPr>
         <p:spPr>
@@ -6655,11 +6823,11 @@
           </a:ln>
         </p:spPr>
         <p:txBody>
-          <a:bodyPr anchorCtr="0" anchor="ctr" bIns="91425" lIns="91425" spcFirstLastPara="1" rIns="91425" wrap="square" tIns="91425">
+          <a:bodyPr spcFirstLastPara="1" wrap="square" lIns="91425" tIns="91425" rIns="91425" bIns="91425" anchor="ctr" anchorCtr="0">
             <a:noAutofit/>
           </a:bodyPr>
           <a:lstStyle>
-            <a:lvl1pPr lvl="0" rtl="0" algn="r">
+            <a:lvl1pPr lvl="0" algn="r" rtl="0">
               <a:buNone/>
               <a:defRPr sz="1000">
                 <a:solidFill>
@@ -6671,7 +6839,7 @@
                 <a:sym typeface="Lato"/>
               </a:defRPr>
             </a:lvl1pPr>
-            <a:lvl2pPr lvl="1" rtl="0" algn="r">
+            <a:lvl2pPr lvl="1" algn="r" rtl="0">
               <a:buNone/>
               <a:defRPr sz="1000">
                 <a:solidFill>
@@ -6683,7 +6851,7 @@
                 <a:sym typeface="Lato"/>
               </a:defRPr>
             </a:lvl2pPr>
-            <a:lvl3pPr lvl="2" rtl="0" algn="r">
+            <a:lvl3pPr lvl="2" algn="r" rtl="0">
               <a:buNone/>
               <a:defRPr sz="1000">
                 <a:solidFill>
@@ -6695,7 +6863,7 @@
                 <a:sym typeface="Lato"/>
               </a:defRPr>
             </a:lvl3pPr>
-            <a:lvl4pPr lvl="3" rtl="0" algn="r">
+            <a:lvl4pPr lvl="3" algn="r" rtl="0">
               <a:buNone/>
               <a:defRPr sz="1000">
                 <a:solidFill>
@@ -6707,7 +6875,7 @@
                 <a:sym typeface="Lato"/>
               </a:defRPr>
             </a:lvl4pPr>
-            <a:lvl5pPr lvl="4" rtl="0" algn="r">
+            <a:lvl5pPr lvl="4" algn="r" rtl="0">
               <a:buNone/>
               <a:defRPr sz="1000">
                 <a:solidFill>
@@ -6719,7 +6887,7 @@
                 <a:sym typeface="Lato"/>
               </a:defRPr>
             </a:lvl5pPr>
-            <a:lvl6pPr lvl="5" rtl="0" algn="r">
+            <a:lvl6pPr lvl="5" algn="r" rtl="0">
               <a:buNone/>
               <a:defRPr sz="1000">
                 <a:solidFill>
@@ -6731,7 +6899,7 @@
                 <a:sym typeface="Lato"/>
               </a:defRPr>
             </a:lvl6pPr>
-            <a:lvl7pPr lvl="6" rtl="0" algn="r">
+            <a:lvl7pPr lvl="6" algn="r" rtl="0">
               <a:buNone/>
               <a:defRPr sz="1000">
                 <a:solidFill>
@@ -6743,7 +6911,7 @@
                 <a:sym typeface="Lato"/>
               </a:defRPr>
             </a:lvl7pPr>
-            <a:lvl8pPr lvl="7" rtl="0" algn="r">
+            <a:lvl8pPr lvl="7" algn="r" rtl="0">
               <a:buNone/>
               <a:defRPr sz="1000">
                 <a:solidFill>
@@ -6755,7 +6923,7 @@
                 <a:sym typeface="Lato"/>
               </a:defRPr>
             </a:lvl8pPr>
-            <a:lvl9pPr lvl="8" rtl="0" algn="r">
+            <a:lvl9pPr lvl="8" algn="r" rtl="0">
               <a:buNone/>
               <a:defRPr sz="1000">
                 <a:solidFill>
@@ -6769,7 +6937,7 @@
             </a:lvl9pPr>
           </a:lstStyle>
           <a:p>
-            <a:pPr indent="0" lvl="0" marL="0" rtl="0" algn="r">
+            <a:pPr marL="0" lvl="0" indent="0" algn="r" rtl="0">
               <a:spcBef>
                 <a:spcPts val="0"/>
               </a:spcBef>
@@ -6788,7 +6956,7 @@
       </p:sp>
     </p:spTree>
   </p:cSld>
-  <p:clrMap accent1="accent1" accent2="accent2" accent3="accent3" accent4="accent4" accent5="accent5" accent6="accent6" bg1="lt1" bg2="dk2" tx1="dk1" tx2="lt2" folHlink="folHlink" hlink="hlink"/>
+  <p:clrMap bg1="lt1" tx1="dk1" bg2="dk2" tx2="lt2" accent1="accent1" accent2="accent2" accent3="accent3" accent4="accent4" accent5="accent5" accent6="accent6" hlink="hlink" folHlink="folHlink"/>
   <p:sldLayoutIdLst>
     <p:sldLayoutId id="2147483648" r:id="rId1"/>
     <p:sldLayoutId id="2147483649" r:id="rId2"/>
@@ -6802,10 +6970,10 @@
     <p:sldLayoutId id="2147483657" r:id="rId10"/>
     <p:sldLayoutId id="2147483658" r:id="rId11"/>
   </p:sldLayoutIdLst>
-  <p:hf dt="0" ftr="0" hdr="0" sldNum="0"/>
+  <p:hf sldNum="0" hdr="0" ftr="0" dt="0"/>
   <p:txStyles>
     <p:titleStyle>
-      <a:defPPr lvl="0" marR="0" rtl="0" algn="l">
+      <a:defPPr marR="0" lvl="0" algn="l" rtl="0">
         <a:lnSpc>
           <a:spcPct val="100000"/>
         </a:lnSpc>
@@ -6816,7 +6984,7 @@
           <a:spcPts val="0"/>
         </a:spcAft>
       </a:defPPr>
-      <a:lvl1pPr lvl="0" marR="0" rtl="0" algn="l">
+      <a:lvl1pPr marR="0" lvl="0" algn="l" rtl="0">
         <a:lnSpc>
           <a:spcPct val="100000"/>
         </a:lnSpc>
@@ -6830,7 +6998,7 @@
           <a:srgbClr val="000000"/>
         </a:buClr>
         <a:buFont typeface="Arial"/>
-        <a:defRPr b="0" i="0" sz="1400" u="none" cap="none" strike="noStrike">
+        <a:defRPr sz="1400" b="0" i="0" u="none" strike="noStrike" cap="none">
           <a:solidFill>
             <a:srgbClr val="000000"/>
           </a:solidFill>
@@ -6840,7 +7008,7 @@
           <a:sym typeface="Arial"/>
         </a:defRPr>
       </a:lvl1pPr>
-      <a:lvl2pPr lvl="1" marR="0" rtl="0" algn="l">
+      <a:lvl2pPr marR="0" lvl="1" algn="l" rtl="0">
         <a:lnSpc>
           <a:spcPct val="100000"/>
         </a:lnSpc>
@@ -6854,7 +7022,7 @@
           <a:srgbClr val="000000"/>
         </a:buClr>
         <a:buFont typeface="Arial"/>
-        <a:defRPr b="0" i="0" sz="1400" u="none" cap="none" strike="noStrike">
+        <a:defRPr sz="1400" b="0" i="0" u="none" strike="noStrike" cap="none">
           <a:solidFill>
             <a:srgbClr val="000000"/>
           </a:solidFill>
@@ -6864,7 +7032,7 @@
           <a:sym typeface="Arial"/>
         </a:defRPr>
       </a:lvl2pPr>
-      <a:lvl3pPr lvl="2" marR="0" rtl="0" algn="l">
+      <a:lvl3pPr marR="0" lvl="2" algn="l" rtl="0">
         <a:lnSpc>
           <a:spcPct val="100000"/>
         </a:lnSpc>
@@ -6878,7 +7046,7 @@
           <a:srgbClr val="000000"/>
         </a:buClr>
         <a:buFont typeface="Arial"/>
-        <a:defRPr b="0" i="0" sz="1400" u="none" cap="none" strike="noStrike">
+        <a:defRPr sz="1400" b="0" i="0" u="none" strike="noStrike" cap="none">
           <a:solidFill>
             <a:srgbClr val="000000"/>
           </a:solidFill>
@@ -6888,7 +7056,7 @@
           <a:sym typeface="Arial"/>
         </a:defRPr>
       </a:lvl3pPr>
-      <a:lvl4pPr lvl="3" marR="0" rtl="0" algn="l">
+      <a:lvl4pPr marR="0" lvl="3" algn="l" rtl="0">
         <a:lnSpc>
           <a:spcPct val="100000"/>
         </a:lnSpc>
@@ -6902,7 +7070,7 @@
           <a:srgbClr val="000000"/>
         </a:buClr>
         <a:buFont typeface="Arial"/>
-        <a:defRPr b="0" i="0" sz="1400" u="none" cap="none" strike="noStrike">
+        <a:defRPr sz="1400" b="0" i="0" u="none" strike="noStrike" cap="none">
           <a:solidFill>
             <a:srgbClr val="000000"/>
           </a:solidFill>
@@ -6912,7 +7080,7 @@
           <a:sym typeface="Arial"/>
         </a:defRPr>
       </a:lvl4pPr>
-      <a:lvl5pPr lvl="4" marR="0" rtl="0" algn="l">
+      <a:lvl5pPr marR="0" lvl="4" algn="l" rtl="0">
         <a:lnSpc>
           <a:spcPct val="100000"/>
         </a:lnSpc>
@@ -6926,7 +7094,7 @@
           <a:srgbClr val="000000"/>
         </a:buClr>
         <a:buFont typeface="Arial"/>
-        <a:defRPr b="0" i="0" sz="1400" u="none" cap="none" strike="noStrike">
+        <a:defRPr sz="1400" b="0" i="0" u="none" strike="noStrike" cap="none">
           <a:solidFill>
             <a:srgbClr val="000000"/>
           </a:solidFill>
@@ -6936,7 +7104,7 @@
           <a:sym typeface="Arial"/>
         </a:defRPr>
       </a:lvl5pPr>
-      <a:lvl6pPr lvl="5" marR="0" rtl="0" algn="l">
+      <a:lvl6pPr marR="0" lvl="5" algn="l" rtl="0">
         <a:lnSpc>
           <a:spcPct val="100000"/>
         </a:lnSpc>
@@ -6950,7 +7118,7 @@
           <a:srgbClr val="000000"/>
         </a:buClr>
         <a:buFont typeface="Arial"/>
-        <a:defRPr b="0" i="0" sz="1400" u="none" cap="none" strike="noStrike">
+        <a:defRPr sz="1400" b="0" i="0" u="none" strike="noStrike" cap="none">
           <a:solidFill>
             <a:srgbClr val="000000"/>
           </a:solidFill>
@@ -6960,7 +7128,7 @@
           <a:sym typeface="Arial"/>
         </a:defRPr>
       </a:lvl6pPr>
-      <a:lvl7pPr lvl="6" marR="0" rtl="0" algn="l">
+      <a:lvl7pPr marR="0" lvl="6" algn="l" rtl="0">
         <a:lnSpc>
           <a:spcPct val="100000"/>
         </a:lnSpc>
@@ -6974,7 +7142,7 @@
           <a:srgbClr val="000000"/>
         </a:buClr>
         <a:buFont typeface="Arial"/>
-        <a:defRPr b="0" i="0" sz="1400" u="none" cap="none" strike="noStrike">
+        <a:defRPr sz="1400" b="0" i="0" u="none" strike="noStrike" cap="none">
           <a:solidFill>
             <a:srgbClr val="000000"/>
           </a:solidFill>
@@ -6984,7 +7152,7 @@
           <a:sym typeface="Arial"/>
         </a:defRPr>
       </a:lvl7pPr>
-      <a:lvl8pPr lvl="7" marR="0" rtl="0" algn="l">
+      <a:lvl8pPr marR="0" lvl="7" algn="l" rtl="0">
         <a:lnSpc>
           <a:spcPct val="100000"/>
         </a:lnSpc>
@@ -6998,7 +7166,7 @@
           <a:srgbClr val="000000"/>
         </a:buClr>
         <a:buFont typeface="Arial"/>
-        <a:defRPr b="0" i="0" sz="1400" u="none" cap="none" strike="noStrike">
+        <a:defRPr sz="1400" b="0" i="0" u="none" strike="noStrike" cap="none">
           <a:solidFill>
             <a:srgbClr val="000000"/>
           </a:solidFill>
@@ -7008,7 +7176,7 @@
           <a:sym typeface="Arial"/>
         </a:defRPr>
       </a:lvl8pPr>
-      <a:lvl9pPr lvl="8" marR="0" rtl="0" algn="l">
+      <a:lvl9pPr marR="0" lvl="8" algn="l" rtl="0">
         <a:lnSpc>
           <a:spcPct val="100000"/>
         </a:lnSpc>
@@ -7022,7 +7190,7 @@
           <a:srgbClr val="000000"/>
         </a:buClr>
         <a:buFont typeface="Arial"/>
-        <a:defRPr b="0" i="0" sz="1400" u="none" cap="none" strike="noStrike">
+        <a:defRPr sz="1400" b="0" i="0" u="none" strike="noStrike" cap="none">
           <a:solidFill>
             <a:srgbClr val="000000"/>
           </a:solidFill>
@@ -7034,7 +7202,7 @@
       </a:lvl9pPr>
     </p:titleStyle>
     <p:bodyStyle>
-      <a:defPPr lvl="0" marR="0" rtl="0" algn="l">
+      <a:defPPr marR="0" lvl="0" algn="l" rtl="0">
         <a:lnSpc>
           <a:spcPct val="100000"/>
         </a:lnSpc>
@@ -7045,7 +7213,7 @@
           <a:spcPts val="0"/>
         </a:spcAft>
       </a:defPPr>
-      <a:lvl1pPr lvl="0" marR="0" rtl="0" algn="l">
+      <a:lvl1pPr marR="0" lvl="0" algn="l" rtl="0">
         <a:lnSpc>
           <a:spcPct val="100000"/>
         </a:lnSpc>
@@ -7059,7 +7227,7 @@
           <a:srgbClr val="000000"/>
         </a:buClr>
         <a:buFont typeface="Arial"/>
-        <a:defRPr b="0" i="0" sz="1400" u="none" cap="none" strike="noStrike">
+        <a:defRPr sz="1400" b="0" i="0" u="none" strike="noStrike" cap="none">
           <a:solidFill>
             <a:srgbClr val="000000"/>
           </a:solidFill>
@@ -7069,7 +7237,7 @@
           <a:sym typeface="Arial"/>
         </a:defRPr>
       </a:lvl1pPr>
-      <a:lvl2pPr lvl="1" marR="0" rtl="0" algn="l">
+      <a:lvl2pPr marR="0" lvl="1" algn="l" rtl="0">
         <a:lnSpc>
           <a:spcPct val="100000"/>
         </a:lnSpc>
@@ -7083,7 +7251,7 @@
           <a:srgbClr val="000000"/>
         </a:buClr>
         <a:buFont typeface="Arial"/>
-        <a:defRPr b="0" i="0" sz="1400" u="none" cap="none" strike="noStrike">
+        <a:defRPr sz="1400" b="0" i="0" u="none" strike="noStrike" cap="none">
           <a:solidFill>
             <a:srgbClr val="000000"/>
           </a:solidFill>
@@ -7093,7 +7261,7 @@
           <a:sym typeface="Arial"/>
         </a:defRPr>
       </a:lvl2pPr>
-      <a:lvl3pPr lvl="2" marR="0" rtl="0" algn="l">
+      <a:lvl3pPr marR="0" lvl="2" algn="l" rtl="0">
         <a:lnSpc>
           <a:spcPct val="100000"/>
         </a:lnSpc>
@@ -7107,7 +7275,7 @@
           <a:srgbClr val="000000"/>
         </a:buClr>
         <a:buFont typeface="Arial"/>
-        <a:defRPr b="0" i="0" sz="1400" u="none" cap="none" strike="noStrike">
+        <a:defRPr sz="1400" b="0" i="0" u="none" strike="noStrike" cap="none">
           <a:solidFill>
             <a:srgbClr val="000000"/>
           </a:solidFill>
@@ -7117,7 +7285,7 @@
           <a:sym typeface="Arial"/>
         </a:defRPr>
       </a:lvl3pPr>
-      <a:lvl4pPr lvl="3" marR="0" rtl="0" algn="l">
+      <a:lvl4pPr marR="0" lvl="3" algn="l" rtl="0">
         <a:lnSpc>
           <a:spcPct val="100000"/>
         </a:lnSpc>
@@ -7131,7 +7299,7 @@
           <a:srgbClr val="000000"/>
         </a:buClr>
         <a:buFont typeface="Arial"/>
-        <a:defRPr b="0" i="0" sz="1400" u="none" cap="none" strike="noStrike">
+        <a:defRPr sz="1400" b="0" i="0" u="none" strike="noStrike" cap="none">
           <a:solidFill>
             <a:srgbClr val="000000"/>
           </a:solidFill>
@@ -7141,7 +7309,7 @@
           <a:sym typeface="Arial"/>
         </a:defRPr>
       </a:lvl4pPr>
-      <a:lvl5pPr lvl="4" marR="0" rtl="0" algn="l">
+      <a:lvl5pPr marR="0" lvl="4" algn="l" rtl="0">
         <a:lnSpc>
           <a:spcPct val="100000"/>
         </a:lnSpc>
@@ -7155,7 +7323,7 @@
           <a:srgbClr val="000000"/>
         </a:buClr>
         <a:buFont typeface="Arial"/>
-        <a:defRPr b="0" i="0" sz="1400" u="none" cap="none" strike="noStrike">
+        <a:defRPr sz="1400" b="0" i="0" u="none" strike="noStrike" cap="none">
           <a:solidFill>
             <a:srgbClr val="000000"/>
           </a:solidFill>
@@ -7165,7 +7333,7 @@
           <a:sym typeface="Arial"/>
         </a:defRPr>
       </a:lvl5pPr>
-      <a:lvl6pPr lvl="5" marR="0" rtl="0" algn="l">
+      <a:lvl6pPr marR="0" lvl="5" algn="l" rtl="0">
         <a:lnSpc>
           <a:spcPct val="100000"/>
         </a:lnSpc>
@@ -7179,7 +7347,7 @@
           <a:srgbClr val="000000"/>
         </a:buClr>
         <a:buFont typeface="Arial"/>
-        <a:defRPr b="0" i="0" sz="1400" u="none" cap="none" strike="noStrike">
+        <a:defRPr sz="1400" b="0" i="0" u="none" strike="noStrike" cap="none">
           <a:solidFill>
             <a:srgbClr val="000000"/>
           </a:solidFill>
@@ -7189,7 +7357,7 @@
           <a:sym typeface="Arial"/>
         </a:defRPr>
       </a:lvl6pPr>
-      <a:lvl7pPr lvl="6" marR="0" rtl="0" algn="l">
+      <a:lvl7pPr marR="0" lvl="6" algn="l" rtl="0">
         <a:lnSpc>
           <a:spcPct val="100000"/>
         </a:lnSpc>
@@ -7203,7 +7371,7 @@
           <a:srgbClr val="000000"/>
         </a:buClr>
         <a:buFont typeface="Arial"/>
-        <a:defRPr b="0" i="0" sz="1400" u="none" cap="none" strike="noStrike">
+        <a:defRPr sz="1400" b="0" i="0" u="none" strike="noStrike" cap="none">
           <a:solidFill>
             <a:srgbClr val="000000"/>
           </a:solidFill>
@@ -7213,7 +7381,7 @@
           <a:sym typeface="Arial"/>
         </a:defRPr>
       </a:lvl7pPr>
-      <a:lvl8pPr lvl="7" marR="0" rtl="0" algn="l">
+      <a:lvl8pPr marR="0" lvl="7" algn="l" rtl="0">
         <a:lnSpc>
           <a:spcPct val="100000"/>
         </a:lnSpc>
@@ -7227,7 +7395,7 @@
           <a:srgbClr val="000000"/>
         </a:buClr>
         <a:buFont typeface="Arial"/>
-        <a:defRPr b="0" i="0" sz="1400" u="none" cap="none" strike="noStrike">
+        <a:defRPr sz="1400" b="0" i="0" u="none" strike="noStrike" cap="none">
           <a:solidFill>
             <a:srgbClr val="000000"/>
           </a:solidFill>
@@ -7237,7 +7405,7 @@
           <a:sym typeface="Arial"/>
         </a:defRPr>
       </a:lvl8pPr>
-      <a:lvl9pPr lvl="8" marR="0" rtl="0" algn="l">
+      <a:lvl9pPr marR="0" lvl="8" algn="l" rtl="0">
         <a:lnSpc>
           <a:spcPct val="100000"/>
         </a:lnSpc>
@@ -7251,7 +7419,7 @@
           <a:srgbClr val="000000"/>
         </a:buClr>
         <a:buFont typeface="Arial"/>
-        <a:defRPr b="0" i="0" sz="1400" u="none" cap="none" strike="noStrike">
+        <a:defRPr sz="1400" b="0" i="0" u="none" strike="noStrike" cap="none">
           <a:solidFill>
             <a:srgbClr val="000000"/>
           </a:solidFill>
@@ -7263,7 +7431,7 @@
       </a:lvl9pPr>
     </p:bodyStyle>
     <p:otherStyle>
-      <a:defPPr lvl="0" marR="0" rtl="0" algn="l">
+      <a:defPPr marR="0" lvl="0" algn="l" rtl="0">
         <a:lnSpc>
           <a:spcPct val="100000"/>
         </a:lnSpc>
@@ -7274,7 +7442,7 @@
           <a:spcPts val="0"/>
         </a:spcAft>
       </a:defPPr>
-      <a:lvl1pPr lvl="0" marR="0" rtl="0" algn="l">
+      <a:lvl1pPr marR="0" lvl="0" algn="l" rtl="0">
         <a:lnSpc>
           <a:spcPct val="100000"/>
         </a:lnSpc>
@@ -7288,7 +7456,7 @@
           <a:srgbClr val="000000"/>
         </a:buClr>
         <a:buFont typeface="Arial"/>
-        <a:defRPr b="0" i="0" sz="1400" u="none" cap="none" strike="noStrike">
+        <a:defRPr sz="1400" b="0" i="0" u="none" strike="noStrike" cap="none">
           <a:solidFill>
             <a:srgbClr val="000000"/>
           </a:solidFill>
@@ -7298,7 +7466,7 @@
           <a:sym typeface="Arial"/>
         </a:defRPr>
       </a:lvl1pPr>
-      <a:lvl2pPr lvl="1" marR="0" rtl="0" algn="l">
+      <a:lvl2pPr marR="0" lvl="1" algn="l" rtl="0">
         <a:lnSpc>
           <a:spcPct val="100000"/>
         </a:lnSpc>
@@ -7312,7 +7480,7 @@
           <a:srgbClr val="000000"/>
         </a:buClr>
         <a:buFont typeface="Arial"/>
-        <a:defRPr b="0" i="0" sz="1400" u="none" cap="none" strike="noStrike">
+        <a:defRPr sz="1400" b="0" i="0" u="none" strike="noStrike" cap="none">
           <a:solidFill>
             <a:srgbClr val="000000"/>
           </a:solidFill>
@@ -7322,7 +7490,7 @@
           <a:sym typeface="Arial"/>
         </a:defRPr>
       </a:lvl2pPr>
-      <a:lvl3pPr lvl="2" marR="0" rtl="0" algn="l">
+      <a:lvl3pPr marR="0" lvl="2" algn="l" rtl="0">
         <a:lnSpc>
           <a:spcPct val="100000"/>
         </a:lnSpc>
@@ -7336,7 +7504,7 @@
           <a:srgbClr val="000000"/>
         </a:buClr>
         <a:buFont typeface="Arial"/>
-        <a:defRPr b="0" i="0" sz="1400" u="none" cap="none" strike="noStrike">
+        <a:defRPr sz="1400" b="0" i="0" u="none" strike="noStrike" cap="none">
           <a:solidFill>
             <a:srgbClr val="000000"/>
           </a:solidFill>
@@ -7346,7 +7514,7 @@
           <a:sym typeface="Arial"/>
         </a:defRPr>
       </a:lvl3pPr>
-      <a:lvl4pPr lvl="3" marR="0" rtl="0" algn="l">
+      <a:lvl4pPr marR="0" lvl="3" algn="l" rtl="0">
         <a:lnSpc>
           <a:spcPct val="100000"/>
         </a:lnSpc>
@@ -7360,7 +7528,7 @@
           <a:srgbClr val="000000"/>
         </a:buClr>
         <a:buFont typeface="Arial"/>
-        <a:defRPr b="0" i="0" sz="1400" u="none" cap="none" strike="noStrike">
+        <a:defRPr sz="1400" b="0" i="0" u="none" strike="noStrike" cap="none">
           <a:solidFill>
             <a:srgbClr val="000000"/>
           </a:solidFill>
@@ -7370,7 +7538,7 @@
           <a:sym typeface="Arial"/>
         </a:defRPr>
       </a:lvl4pPr>
-      <a:lvl5pPr lvl="4" marR="0" rtl="0" algn="l">
+      <a:lvl5pPr marR="0" lvl="4" algn="l" rtl="0">
         <a:lnSpc>
           <a:spcPct val="100000"/>
         </a:lnSpc>
@@ -7384,7 +7552,7 @@
           <a:srgbClr val="000000"/>
         </a:buClr>
         <a:buFont typeface="Arial"/>
-        <a:defRPr b="0" i="0" sz="1400" u="none" cap="none" strike="noStrike">
+        <a:defRPr sz="1400" b="0" i="0" u="none" strike="noStrike" cap="none">
           <a:solidFill>
             <a:srgbClr val="000000"/>
           </a:solidFill>
@@ -7394,7 +7562,7 @@
           <a:sym typeface="Arial"/>
         </a:defRPr>
       </a:lvl5pPr>
-      <a:lvl6pPr lvl="5" marR="0" rtl="0" algn="l">
+      <a:lvl6pPr marR="0" lvl="5" algn="l" rtl="0">
         <a:lnSpc>
           <a:spcPct val="100000"/>
         </a:lnSpc>
@@ -7408,7 +7576,7 @@
           <a:srgbClr val="000000"/>
         </a:buClr>
         <a:buFont typeface="Arial"/>
-        <a:defRPr b="0" i="0" sz="1400" u="none" cap="none" strike="noStrike">
+        <a:defRPr sz="1400" b="0" i="0" u="none" strike="noStrike" cap="none">
           <a:solidFill>
             <a:srgbClr val="000000"/>
           </a:solidFill>
@@ -7418,7 +7586,7 @@
           <a:sym typeface="Arial"/>
         </a:defRPr>
       </a:lvl6pPr>
-      <a:lvl7pPr lvl="6" marR="0" rtl="0" algn="l">
+      <a:lvl7pPr marR="0" lvl="6" algn="l" rtl="0">
         <a:lnSpc>
           <a:spcPct val="100000"/>
         </a:lnSpc>
@@ -7432,7 +7600,7 @@
           <a:srgbClr val="000000"/>
         </a:buClr>
         <a:buFont typeface="Arial"/>
-        <a:defRPr b="0" i="0" sz="1400" u="none" cap="none" strike="noStrike">
+        <a:defRPr sz="1400" b="0" i="0" u="none" strike="noStrike" cap="none">
           <a:solidFill>
             <a:srgbClr val="000000"/>
           </a:solidFill>
@@ -7442,7 +7610,7 @@
           <a:sym typeface="Arial"/>
         </a:defRPr>
       </a:lvl7pPr>
-      <a:lvl8pPr lvl="7" marR="0" rtl="0" algn="l">
+      <a:lvl8pPr marR="0" lvl="7" algn="l" rtl="0">
         <a:lnSpc>
           <a:spcPct val="100000"/>
         </a:lnSpc>
@@ -7456,7 +7624,7 @@
           <a:srgbClr val="000000"/>
         </a:buClr>
         <a:buFont typeface="Arial"/>
-        <a:defRPr b="0" i="0" sz="1400" u="none" cap="none" strike="noStrike">
+        <a:defRPr sz="1400" b="0" i="0" u="none" strike="noStrike" cap="none">
           <a:solidFill>
             <a:srgbClr val="000000"/>
           </a:solidFill>
@@ -7466,7 +7634,7 @@
           <a:sym typeface="Arial"/>
         </a:defRPr>
       </a:lvl8pPr>
-      <a:lvl9pPr lvl="8" marR="0" rtl="0" algn="l">
+      <a:lvl9pPr marR="0" lvl="8" algn="l" rtl="0">
         <a:lnSpc>
           <a:spcPct val="100000"/>
         </a:lnSpc>
@@ -7480,7 +7648,7 @@
           <a:srgbClr val="000000"/>
         </a:buClr>
         <a:buFont typeface="Arial"/>
-        <a:defRPr b="0" i="0" sz="1400" u="none" cap="none" strike="noStrike">
+        <a:defRPr sz="1400" b="0" i="0" u="none" strike="noStrike" cap="none">
           <a:solidFill>
             <a:srgbClr val="000000"/>
           </a:solidFill>
@@ -7496,11 +7664,11 @@
 </file>
 
 <file path=ppt/slides/slide1.xml><?xml version="1.0" encoding="utf-8"?>
-<p:sld xmlns:a="http://schemas.openxmlformats.org/drawingml/2006/main" xmlns:r="http://schemas.openxmlformats.org/officeDocument/2006/relationships" xmlns:mc="http://schemas.openxmlformats.org/markup-compatibility/2006" xmlns:mv="urn:schemas-microsoft-com:mac:vml" xmlns:p="http://schemas.openxmlformats.org/presentationml/2006/main" xmlns:c="http://schemas.openxmlformats.org/drawingml/2006/chart" xmlns:dgm="http://schemas.openxmlformats.org/drawingml/2006/diagram" xmlns:o="urn:schemas-microsoft-com:office:office" xmlns:v="urn:schemas-microsoft-com:vml" xmlns:pvml="urn:schemas-microsoft-com:office:powerpoint" xmlns:com="http://schemas.openxmlformats.org/drawingml/2006/compatibility" xmlns:p14="http://schemas.microsoft.com/office/powerpoint/2010/main" xmlns:p15="http://schemas.microsoft.com/office/powerpoint/2012/main">
+<p:sld xmlns:a="http://schemas.openxmlformats.org/drawingml/2006/main" xmlns:r="http://schemas.openxmlformats.org/officeDocument/2006/relationships" xmlns:p="http://schemas.openxmlformats.org/presentationml/2006/main">
   <p:cSld>
     <p:spTree>
       <p:nvGrpSpPr>
-        <p:cNvPr id="71" name="Shape 71"/>
+        <p:cNvPr id="1" name="Shape 71"/>
         <p:cNvGrpSpPr/>
         <p:nvPr/>
       </p:nvGrpSpPr>
@@ -7515,7 +7683,9 @@
       <p:sp>
         <p:nvSpPr>
           <p:cNvPr id="72" name="Google Shape;72;p13"/>
-          <p:cNvSpPr txBox="1"/>
+          <p:cNvSpPr txBox="1">
+            <a:spLocks noGrp="1"/>
+          </p:cNvSpPr>
           <p:nvPr>
             <p:ph type="ctrTitle"/>
           </p:nvPr>
@@ -7530,12 +7700,12 @@
           </a:prstGeom>
         </p:spPr>
         <p:txBody>
-          <a:bodyPr anchorCtr="0" anchor="t" bIns="91425" lIns="91425" spcFirstLastPara="1" rIns="91425" wrap="square" tIns="91425">
+          <a:bodyPr spcFirstLastPara="1" wrap="square" lIns="91425" tIns="91425" rIns="91425" bIns="91425" anchor="t" anchorCtr="0">
             <a:noAutofit/>
           </a:bodyPr>
           <a:lstStyle/>
           <a:p>
-            <a:pPr indent="0" lvl="0" marL="0" rtl="0" algn="ctr">
+            <a:pPr marL="0" lvl="0" indent="0" algn="ctr" rtl="0">
               <a:spcBef>
                 <a:spcPts val="0"/>
               </a:spcBef>
@@ -7551,7 +7721,7 @@
             <a:endParaRPr/>
           </a:p>
           <a:p>
-            <a:pPr indent="0" lvl="0" marL="0" rtl="0" algn="ctr">
+            <a:pPr marL="0" lvl="0" indent="0" algn="ctr" rtl="0">
               <a:spcBef>
                 <a:spcPts val="0"/>
               </a:spcBef>
@@ -7571,9 +7741,11 @@
       <p:sp>
         <p:nvSpPr>
           <p:cNvPr id="73" name="Google Shape;73;p13"/>
-          <p:cNvSpPr txBox="1"/>
+          <p:cNvSpPr txBox="1">
+            <a:spLocks noGrp="1"/>
+          </p:cNvSpPr>
           <p:nvPr>
-            <p:ph idx="1" type="subTitle"/>
+            <p:ph type="subTitle" idx="1"/>
           </p:nvPr>
         </p:nvSpPr>
         <p:spPr>
@@ -7586,12 +7758,12 @@
           </a:prstGeom>
         </p:spPr>
         <p:txBody>
-          <a:bodyPr anchorCtr="0" anchor="b" bIns="91425" lIns="91425" spcFirstLastPara="1" rIns="91425" wrap="square" tIns="91425">
+          <a:bodyPr spcFirstLastPara="1" wrap="square" lIns="91425" tIns="91425" rIns="91425" bIns="91425" anchor="b" anchorCtr="0">
             <a:noAutofit/>
           </a:bodyPr>
           <a:lstStyle/>
           <a:p>
-            <a:pPr indent="0" lvl="0" marL="0" rtl="0" algn="l">
+            <a:pPr marL="0" lvl="0" indent="0" algn="l" rtl="0">
               <a:spcBef>
                 <a:spcPts val="0"/>
               </a:spcBef>
@@ -7604,10 +7776,40 @@
               <a:rPr lang="en" sz="2400"/>
               <a:t>By Tejaswini, Mayank and Aditya</a:t>
             </a:r>
-            <a:endParaRPr b="1" sz="2400"/>
+            <a:endParaRPr sz="2400" b="1"/>
           </a:p>
         </p:txBody>
       </p:sp>
+      <p:pic>
+        <p:nvPicPr>
+          <p:cNvPr id="2" name="Picture 1"/>
+          <p:cNvPicPr>
+            <a:picLocks noChangeAspect="1"/>
+          </p:cNvPicPr>
+          <p:nvPr/>
+        </p:nvPicPr>
+        <p:blipFill>
+          <a:blip r:embed="rId3">
+            <a:extLst>
+              <a:ext uri="{28A0092B-C50C-407E-A947-70E740481C1C}">
+                <a14:useLocalDpi xmlns:a14="http://schemas.microsoft.com/office/drawing/2010/main" val="0"/>
+              </a:ext>
+            </a:extLst>
+          </a:blip>
+          <a:stretch>
+            <a:fillRect/>
+          </a:stretch>
+        </p:blipFill>
+        <p:spPr>
+          <a:xfrm>
+            <a:off x="3008638" y="2350504"/>
+            <a:ext cx="2877434" cy="1503460"/>
+          </a:xfrm>
+          <a:prstGeom prst="rect">
+            <a:avLst/>
+          </a:prstGeom>
+        </p:spPr>
+      </p:pic>
     </p:spTree>
   </p:cSld>
   <p:clrMapOvr>
@@ -7617,11 +7819,11 @@
 </file>
 
 <file path=ppt/slides/slide2.xml><?xml version="1.0" encoding="utf-8"?>
-<p:sld xmlns:a="http://schemas.openxmlformats.org/drawingml/2006/main" xmlns:r="http://schemas.openxmlformats.org/officeDocument/2006/relationships" xmlns:mc="http://schemas.openxmlformats.org/markup-compatibility/2006" xmlns:mv="urn:schemas-microsoft-com:mac:vml" xmlns:p="http://schemas.openxmlformats.org/presentationml/2006/main" xmlns:c="http://schemas.openxmlformats.org/drawingml/2006/chart" xmlns:dgm="http://schemas.openxmlformats.org/drawingml/2006/diagram" xmlns:o="urn:schemas-microsoft-com:office:office" xmlns:v="urn:schemas-microsoft-com:vml" xmlns:pvml="urn:schemas-microsoft-com:office:powerpoint" xmlns:com="http://schemas.openxmlformats.org/drawingml/2006/compatibility" xmlns:p14="http://schemas.microsoft.com/office/powerpoint/2010/main" xmlns:p15="http://schemas.microsoft.com/office/powerpoint/2012/main">
+<p:sld xmlns:a="http://schemas.openxmlformats.org/drawingml/2006/main" xmlns:r="http://schemas.openxmlformats.org/officeDocument/2006/relationships" xmlns:p="http://schemas.openxmlformats.org/presentationml/2006/main">
   <p:cSld>
     <p:spTree>
       <p:nvGrpSpPr>
-        <p:cNvPr id="77" name="Shape 77"/>
+        <p:cNvPr id="1" name="Shape 77"/>
         <p:cNvGrpSpPr/>
         <p:nvPr/>
       </p:nvGrpSpPr>
@@ -7636,9 +7838,11 @@
       <p:sp>
         <p:nvSpPr>
           <p:cNvPr id="78" name="Google Shape;78;p14"/>
-          <p:cNvSpPr txBox="1"/>
+          <p:cNvSpPr txBox="1">
+            <a:spLocks noGrp="1"/>
+          </p:cNvSpPr>
           <p:nvPr>
-            <p:ph idx="4294967295" type="title"/>
+            <p:ph type="title" idx="4294967295"/>
           </p:nvPr>
         </p:nvSpPr>
         <p:spPr>
@@ -7651,12 +7855,12 @@
           </a:prstGeom>
         </p:spPr>
         <p:txBody>
-          <a:bodyPr anchorCtr="0" anchor="t" bIns="91425" lIns="91425" spcFirstLastPara="1" rIns="91425" wrap="square" tIns="91425">
+          <a:bodyPr spcFirstLastPara="1" wrap="square" lIns="91425" tIns="91425" rIns="91425" bIns="91425" anchor="t" anchorCtr="0">
             <a:noAutofit/>
           </a:bodyPr>
           <a:lstStyle/>
           <a:p>
-            <a:pPr indent="0" lvl="0" marL="0" rtl="0" algn="l">
+            <a:pPr marL="0" lvl="0" indent="0" algn="l" rtl="0">
               <a:spcBef>
                 <a:spcPts val="0"/>
               </a:spcBef>
@@ -7680,9 +7884,11 @@
       <p:sp>
         <p:nvSpPr>
           <p:cNvPr id="79" name="Google Shape;79;p14"/>
-          <p:cNvSpPr txBox="1"/>
+          <p:cNvSpPr txBox="1">
+            <a:spLocks noGrp="1"/>
+          </p:cNvSpPr>
           <p:nvPr>
-            <p:ph idx="4294967295" type="title"/>
+            <p:ph type="title" idx="4294967295"/>
           </p:nvPr>
         </p:nvSpPr>
         <p:spPr>
@@ -7695,12 +7901,12 @@
           </a:prstGeom>
         </p:spPr>
         <p:txBody>
-          <a:bodyPr anchorCtr="0" anchor="t" bIns="91425" lIns="91425" spcFirstLastPara="1" rIns="91425" wrap="square" tIns="91425">
+          <a:bodyPr spcFirstLastPara="1" wrap="square" lIns="91425" tIns="91425" rIns="91425" bIns="91425" anchor="t" anchorCtr="0">
             <a:noAutofit/>
           </a:bodyPr>
           <a:lstStyle/>
           <a:p>
-            <a:pPr indent="-336550" lvl="0" marL="457200" rtl="0" algn="l">
+            <a:pPr marL="457200" lvl="0" indent="-336550" algn="l" rtl="0">
               <a:lnSpc>
                 <a:spcPct val="115000"/>
               </a:lnSpc>
@@ -7715,7 +7921,7 @@
               <a:buAutoNum type="arabicPeriod"/>
             </a:pPr>
             <a:r>
-              <a:rPr b="0" lang="en" sz="1800">
+              <a:rPr lang="en" sz="1800" b="0">
                 <a:latin typeface="Lato"/>
                 <a:ea typeface="Lato"/>
                 <a:cs typeface="Lato"/>
@@ -7723,7 +7929,7 @@
               </a:rPr>
               <a:t>Java 8 (base programming language)</a:t>
             </a:r>
-            <a:endParaRPr b="0" sz="1800">
+            <a:endParaRPr sz="1800" b="0">
               <a:latin typeface="Lato"/>
               <a:ea typeface="Lato"/>
               <a:cs typeface="Lato"/>
@@ -7731,7 +7937,7 @@
             </a:endParaRPr>
           </a:p>
           <a:p>
-            <a:pPr indent="-342900" lvl="0" marL="457200" rtl="0" algn="l">
+            <a:pPr marL="457200" lvl="0" indent="-342900" algn="l" rtl="0">
               <a:lnSpc>
                 <a:spcPct val="115000"/>
               </a:lnSpc>
@@ -7746,7 +7952,7 @@
               <a:buAutoNum type="arabicPeriod"/>
             </a:pPr>
             <a:r>
-              <a:rPr b="0" lang="en" sz="1800">
+              <a:rPr lang="en" sz="1800" b="0">
                 <a:latin typeface="Lato"/>
                 <a:ea typeface="Lato"/>
                 <a:cs typeface="Lato"/>
@@ -7754,7 +7960,7 @@
               </a:rPr>
               <a:t>Hibernate (JPA implementation)</a:t>
             </a:r>
-            <a:endParaRPr b="0" sz="1800">
+            <a:endParaRPr sz="1800" b="0">
               <a:latin typeface="Lato"/>
               <a:ea typeface="Lato"/>
               <a:cs typeface="Lato"/>
@@ -7762,7 +7968,7 @@
             </a:endParaRPr>
           </a:p>
           <a:p>
-            <a:pPr indent="-342900" lvl="0" marL="457200" rtl="0" algn="l">
+            <a:pPr marL="457200" lvl="0" indent="-342900" algn="l" rtl="0">
               <a:lnSpc>
                 <a:spcPct val="115000"/>
               </a:lnSpc>
@@ -7777,7 +7983,7 @@
               <a:buAutoNum type="arabicPeriod"/>
             </a:pPr>
             <a:r>
-              <a:rPr b="0" lang="en" sz="1800">
+              <a:rPr lang="en" sz="1800" b="0">
                 <a:latin typeface="Lato"/>
                 <a:ea typeface="Lato"/>
                 <a:cs typeface="Lato"/>
@@ -7785,7 +7991,7 @@
               </a:rPr>
               <a:t>MySQL (database storage)</a:t>
             </a:r>
-            <a:endParaRPr b="0" sz="1800">
+            <a:endParaRPr sz="1800" b="0">
               <a:latin typeface="Lato"/>
               <a:ea typeface="Lato"/>
               <a:cs typeface="Lato"/>
@@ -7793,7 +7999,7 @@
             </a:endParaRPr>
           </a:p>
           <a:p>
-            <a:pPr indent="-342900" lvl="0" marL="457200" rtl="0" algn="l">
+            <a:pPr marL="457200" lvl="0" indent="-342900" algn="l" rtl="0">
               <a:lnSpc>
                 <a:spcPct val="115000"/>
               </a:lnSpc>
@@ -7808,7 +8014,7 @@
               <a:buAutoNum type="arabicPeriod"/>
             </a:pPr>
             <a:r>
-              <a:rPr b="0" lang="en" sz="1800">
+              <a:rPr lang="en" sz="1800" b="0">
                 <a:latin typeface="Lato"/>
                 <a:ea typeface="Lato"/>
                 <a:cs typeface="Lato"/>
@@ -7816,7 +8022,7 @@
               </a:rPr>
               <a:t>Tomcat 8.5 (hosting server)</a:t>
             </a:r>
-            <a:endParaRPr b="0" sz="1800">
+            <a:endParaRPr sz="1800" b="0">
               <a:latin typeface="Lato"/>
               <a:ea typeface="Lato"/>
               <a:cs typeface="Lato"/>
@@ -7824,7 +8030,7 @@
             </a:endParaRPr>
           </a:p>
           <a:p>
-            <a:pPr indent="-342900" lvl="0" marL="457200" rtl="0" algn="l">
+            <a:pPr marL="457200" lvl="0" indent="-342900" algn="l" rtl="0">
               <a:lnSpc>
                 <a:spcPct val="115000"/>
               </a:lnSpc>
@@ -7839,7 +8045,7 @@
               <a:buAutoNum type="arabicPeriod"/>
             </a:pPr>
             <a:r>
-              <a:rPr b="0" lang="en" sz="1800">
+              <a:rPr lang="en" sz="1800" b="0">
                 <a:latin typeface="Lato"/>
                 <a:ea typeface="Lato"/>
                 <a:cs typeface="Lato"/>
@@ -7847,7 +8053,7 @@
               </a:rPr>
               <a:t>Spring framework (providing the necessary tools)</a:t>
             </a:r>
-            <a:endParaRPr b="0" sz="1800">
+            <a:endParaRPr sz="1800" b="0">
               <a:latin typeface="Lato"/>
               <a:ea typeface="Lato"/>
               <a:cs typeface="Lato"/>
@@ -7866,7 +8072,7 @@
           <a:blip r:embed="rId3">
             <a:alphaModFix/>
           </a:blip>
-          <a:srcRect b="0" l="30489" r="27879" t="0"/>
+          <a:srcRect l="30489" r="27879"/>
           <a:stretch/>
         </p:blipFill>
         <p:spPr>
@@ -7892,18 +8098,19 @@
 </file>
 
 <file path=ppt/slides/slide3.xml><?xml version="1.0" encoding="utf-8"?>
-<p:sld xmlns:a="http://schemas.openxmlformats.org/drawingml/2006/main" xmlns:r="http://schemas.openxmlformats.org/officeDocument/2006/relationships" xmlns:mc="http://schemas.openxmlformats.org/markup-compatibility/2006" xmlns:mv="urn:schemas-microsoft-com:mac:vml" xmlns:p="http://schemas.openxmlformats.org/presentationml/2006/main" xmlns:c="http://schemas.openxmlformats.org/drawingml/2006/chart" xmlns:dgm="http://schemas.openxmlformats.org/drawingml/2006/diagram" xmlns:o="urn:schemas-microsoft-com:office:office" xmlns:v="urn:schemas-microsoft-com:vml" xmlns:pvml="urn:schemas-microsoft-com:office:powerpoint" xmlns:com="http://schemas.openxmlformats.org/drawingml/2006/compatibility" xmlns:p14="http://schemas.microsoft.com/office/powerpoint/2010/main" xmlns:p15="http://schemas.microsoft.com/office/powerpoint/2012/main">
+<p:sld xmlns:a="http://schemas.openxmlformats.org/drawingml/2006/main" xmlns:r="http://schemas.openxmlformats.org/officeDocument/2006/relationships" xmlns:p="http://schemas.openxmlformats.org/presentationml/2006/main">
   <p:cSld>
     <p:bg>
       <p:bgPr>
         <a:solidFill>
           <a:schemeClr val="dk1"/>
         </a:solidFill>
+        <a:effectLst/>
       </p:bgPr>
     </p:bg>
     <p:spTree>
       <p:nvGrpSpPr>
-        <p:cNvPr id="84" name="Shape 84"/>
+        <p:cNvPr id="1" name="Shape 84"/>
         <p:cNvGrpSpPr/>
         <p:nvPr/>
       </p:nvGrpSpPr>
@@ -7945,7 +8152,7 @@
       </p:pic>
       <p:pic>
         <p:nvPicPr>
-          <p:cNvPr descr="Piece of duct tape sticking a note to the slide" id="86" name="Google Shape;86;p15"/>
+          <p:cNvPr id="86" name="Google Shape;86;p15" descr="Piece of duct tape sticking a note to the slide"/>
           <p:cNvPicPr preferRelativeResize="0"/>
           <p:nvPr/>
         </p:nvPicPr>
@@ -7953,7 +8160,7 @@
           <a:blip r:embed="rId4">
             <a:alphaModFix/>
           </a:blip>
-          <a:srcRect b="10011" l="9244" r="2118" t="5926"/>
+          <a:srcRect l="9244" t="5926" r="2118" b="10011"/>
           <a:stretch/>
         </p:blipFill>
         <p:spPr>
@@ -7990,12 +8197,12 @@
           </a:ln>
         </p:spPr>
         <p:txBody>
-          <a:bodyPr anchorCtr="0" anchor="b" bIns="91425" lIns="91425" spcFirstLastPara="1" rIns="91425" wrap="square" tIns="91425">
+          <a:bodyPr spcFirstLastPara="1" wrap="square" lIns="91425" tIns="91425" rIns="91425" bIns="91425" anchor="b" anchorCtr="0">
             <a:noAutofit/>
           </a:bodyPr>
           <a:lstStyle/>
           <a:p>
-            <a:pPr indent="0" lvl="0" marL="0" rtl="0" algn="l">
+            <a:pPr marL="0" lvl="0" indent="0" algn="l" rtl="0">
               <a:spcBef>
                 <a:spcPts val="0"/>
               </a:spcBef>
@@ -8005,7 +8212,7 @@
               <a:buNone/>
             </a:pPr>
             <a:r>
-              <a:rPr b="1" lang="en" sz="3000">
+              <a:rPr lang="en" sz="3000" b="1">
                 <a:solidFill>
                   <a:schemeClr val="lt2"/>
                 </a:solidFill>
@@ -8016,7 +8223,7 @@
               </a:rPr>
               <a:t>1. Intro</a:t>
             </a:r>
-            <a:endParaRPr b="1" sz="3000">
+            <a:endParaRPr sz="3000" b="1">
               <a:solidFill>
                 <a:schemeClr val="lt2"/>
               </a:solidFill>
@@ -8031,9 +8238,11 @@
       <p:sp>
         <p:nvSpPr>
           <p:cNvPr id="88" name="Google Shape;88;p15"/>
-          <p:cNvSpPr txBox="1"/>
+          <p:cNvSpPr txBox="1">
+            <a:spLocks noGrp="1"/>
+          </p:cNvSpPr>
           <p:nvPr>
-            <p:ph idx="4294967295" type="body"/>
+            <p:ph type="body" idx="4294967295"/>
           </p:nvPr>
         </p:nvSpPr>
         <p:spPr>
@@ -8046,12 +8255,12 @@
           </a:prstGeom>
         </p:spPr>
         <p:txBody>
-          <a:bodyPr anchorCtr="0" anchor="t" bIns="91425" lIns="91425" spcFirstLastPara="1" rIns="91425" wrap="square" tIns="91425">
+          <a:bodyPr spcFirstLastPara="1" wrap="square" lIns="91425" tIns="91425" rIns="91425" bIns="91425" anchor="t" anchorCtr="0">
             <a:noAutofit/>
           </a:bodyPr>
           <a:lstStyle/>
           <a:p>
-            <a:pPr indent="0" lvl="0" marL="0" rtl="0" algn="l">
+            <a:pPr marL="0" lvl="0" indent="0" algn="l" rtl="0">
               <a:spcBef>
                 <a:spcPts val="0"/>
               </a:spcBef>
@@ -8061,7 +8270,7 @@
               <a:buNone/>
             </a:pPr>
             <a:r>
-              <a:rPr b="1" lang="en" sz="1200">
+              <a:rPr lang="en" sz="1200" b="1">
                 <a:latin typeface="Raleway"/>
                 <a:ea typeface="Raleway"/>
                 <a:cs typeface="Raleway"/>
@@ -8089,7 +8298,7 @@
             </a:endParaRPr>
           </a:p>
           <a:p>
-            <a:pPr indent="-317500" lvl="0" marL="457200" rtl="0" algn="l">
+            <a:pPr marL="457200" lvl="0" indent="-317500" algn="l" rtl="0">
               <a:spcBef>
                 <a:spcPts val="1600"/>
               </a:spcBef>
@@ -8104,7 +8313,7 @@
               <a:buChar char="➔"/>
             </a:pPr>
             <a:r>
-              <a:rPr b="1" lang="en" sz="1400">
+              <a:rPr lang="en" sz="1400" b="1">
                 <a:solidFill>
                   <a:schemeClr val="dk1"/>
                 </a:solidFill>
@@ -8114,6 +8323,15 @@
                 <a:sym typeface="Raleway"/>
               </a:rPr>
               <a:t>Book</a:t>
+            </a:r>
+            <a:r>
+              <a:rPr lang="en" sz="1400">
+                <a:latin typeface="Raleway"/>
+                <a:ea typeface="Raleway"/>
+                <a:cs typeface="Raleway"/>
+                <a:sym typeface="Raleway"/>
+              </a:rPr>
+              <a:t/>
             </a:r>
             <a:br>
               <a:rPr lang="en" sz="1400">
@@ -8140,7 +8358,7 @@
             </a:endParaRPr>
           </a:p>
           <a:p>
-            <a:pPr indent="-317500" lvl="0" marL="457200" rtl="0" algn="l">
+            <a:pPr marL="457200" lvl="0" indent="-317500" algn="l" rtl="0">
               <a:spcBef>
                 <a:spcPts val="1000"/>
               </a:spcBef>
@@ -8155,7 +8373,7 @@
               <a:buChar char="➔"/>
             </a:pPr>
             <a:r>
-              <a:rPr b="1" lang="en" sz="1400">
+              <a:rPr lang="en" sz="1400" b="1">
                 <a:solidFill>
                   <a:schemeClr val="dk1"/>
                 </a:solidFill>
@@ -8165,6 +8383,15 @@
                 <a:sym typeface="Raleway"/>
               </a:rPr>
               <a:t>View</a:t>
+            </a:r>
+            <a:r>
+              <a:rPr lang="en" sz="1400">
+                <a:latin typeface="Raleway"/>
+                <a:ea typeface="Raleway"/>
+                <a:cs typeface="Raleway"/>
+                <a:sym typeface="Raleway"/>
+              </a:rPr>
+              <a:t/>
             </a:r>
             <a:br>
               <a:rPr lang="en" sz="1400">
@@ -8191,7 +8418,7 @@
             </a:endParaRPr>
           </a:p>
           <a:p>
-            <a:pPr indent="-317500" lvl="0" marL="457200" rtl="0" algn="l">
+            <a:pPr marL="457200" lvl="0" indent="-317500" algn="l" rtl="0">
               <a:spcBef>
                 <a:spcPts val="1000"/>
               </a:spcBef>
@@ -8206,7 +8433,7 @@
               <a:buChar char="➔"/>
             </a:pPr>
             <a:r>
-              <a:rPr b="1" lang="en" sz="1400">
+              <a:rPr lang="en" sz="1400" b="1">
                 <a:solidFill>
                   <a:schemeClr val="dk1"/>
                 </a:solidFill>
@@ -8216,6 +8443,15 @@
                 <a:sym typeface="Raleway"/>
               </a:rPr>
               <a:t>Cancel</a:t>
+            </a:r>
+            <a:r>
+              <a:rPr lang="en" sz="1400">
+                <a:latin typeface="Raleway"/>
+                <a:ea typeface="Raleway"/>
+                <a:cs typeface="Raleway"/>
+                <a:sym typeface="Raleway"/>
+              </a:rPr>
+              <a:t/>
             </a:r>
             <a:br>
               <a:rPr lang="en" sz="1400">
@@ -8255,11 +8491,11 @@
 </file>
 
 <file path=ppt/slides/slide4.xml><?xml version="1.0" encoding="utf-8"?>
-<p:sld xmlns:a="http://schemas.openxmlformats.org/drawingml/2006/main" xmlns:r="http://schemas.openxmlformats.org/officeDocument/2006/relationships" xmlns:mc="http://schemas.openxmlformats.org/markup-compatibility/2006" xmlns:mv="urn:schemas-microsoft-com:mac:vml" xmlns:p="http://schemas.openxmlformats.org/presentationml/2006/main" xmlns:c="http://schemas.openxmlformats.org/drawingml/2006/chart" xmlns:dgm="http://schemas.openxmlformats.org/drawingml/2006/diagram" xmlns:o="urn:schemas-microsoft-com:office:office" xmlns:v="urn:schemas-microsoft-com:vml" xmlns:pvml="urn:schemas-microsoft-com:office:powerpoint" xmlns:com="http://schemas.openxmlformats.org/drawingml/2006/compatibility" xmlns:p14="http://schemas.microsoft.com/office/powerpoint/2010/main" xmlns:p15="http://schemas.microsoft.com/office/powerpoint/2012/main">
+<p:sld xmlns:a="http://schemas.openxmlformats.org/drawingml/2006/main" xmlns:r="http://schemas.openxmlformats.org/officeDocument/2006/relationships" xmlns:p="http://schemas.openxmlformats.org/presentationml/2006/main">
   <p:cSld>
     <p:spTree>
       <p:nvGrpSpPr>
-        <p:cNvPr id="92" name="Shape 92"/>
+        <p:cNvPr id="1" name="Shape 92"/>
         <p:cNvGrpSpPr/>
         <p:nvPr/>
       </p:nvGrpSpPr>
@@ -8274,7 +8510,9 @@
       <p:sp>
         <p:nvSpPr>
           <p:cNvPr id="93" name="Google Shape;93;p16"/>
-          <p:cNvSpPr txBox="1"/>
+          <p:cNvSpPr txBox="1">
+            <a:spLocks noGrp="1"/>
+          </p:cNvSpPr>
           <p:nvPr>
             <p:ph type="title"/>
           </p:nvPr>
@@ -8289,12 +8527,12 @@
           </a:prstGeom>
         </p:spPr>
         <p:txBody>
-          <a:bodyPr anchorCtr="0" anchor="t" bIns="91425" lIns="91425" spcFirstLastPara="1" rIns="91425" wrap="square" tIns="91425">
+          <a:bodyPr spcFirstLastPara="1" wrap="square" lIns="91425" tIns="91425" rIns="91425" bIns="91425" anchor="t" anchorCtr="0">
             <a:noAutofit/>
           </a:bodyPr>
           <a:lstStyle/>
           <a:p>
-            <a:pPr indent="0" lvl="0" marL="0" rtl="0" algn="l">
+            <a:pPr marL="0" lvl="0" indent="0" algn="l" rtl="0">
               <a:spcBef>
                 <a:spcPts val="0"/>
               </a:spcBef>
@@ -8310,7 +8548,7 @@
             <a:endParaRPr/>
           </a:p>
           <a:p>
-            <a:pPr indent="-457200" lvl="0" marL="457200" rtl="0" algn="l">
+            <a:pPr marL="457200" lvl="0" indent="-457200" algn="l" rtl="0">
               <a:spcBef>
                 <a:spcPts val="0"/>
               </a:spcBef>
@@ -8338,7 +8576,7 @@
             </a:endParaRPr>
           </a:p>
           <a:p>
-            <a:pPr indent="-457200" lvl="0" marL="457200" rtl="0" algn="l">
+            <a:pPr marL="457200" lvl="0" indent="-457200" algn="l" rtl="0">
               <a:spcBef>
                 <a:spcPts val="0"/>
               </a:spcBef>
@@ -8366,7 +8604,7 @@
             </a:endParaRPr>
           </a:p>
           <a:p>
-            <a:pPr indent="-457200" lvl="0" marL="457200" rtl="0" algn="l">
+            <a:pPr marL="457200" lvl="0" indent="-457200" algn="l" rtl="0">
               <a:spcBef>
                 <a:spcPts val="0"/>
               </a:spcBef>
@@ -8439,7 +8677,7 @@
         </p:pic>
         <p:pic>
           <p:nvPicPr>
-            <p:cNvPr descr="Piece of duct tape sticking a note to the slide" id="96" name="Google Shape;96;p16"/>
+            <p:cNvPr id="96" name="Google Shape;96;p16" descr="Piece of duct tape sticking a note to the slide"/>
             <p:cNvPicPr preferRelativeResize="0"/>
             <p:nvPr/>
           </p:nvPicPr>
@@ -8447,7 +8685,7 @@
             <a:blip r:embed="rId4">
               <a:alphaModFix/>
             </a:blip>
-            <a:srcRect b="10011" l="9244" r="2118" t="5926"/>
+            <a:srcRect l="9244" t="5926" r="2118" b="10011"/>
             <a:stretch/>
           </p:blipFill>
           <p:spPr>
@@ -8484,12 +8722,12 @@
             </a:ln>
           </p:spPr>
           <p:txBody>
-            <a:bodyPr anchorCtr="0" anchor="t" bIns="91425" lIns="91425" spcFirstLastPara="1" rIns="91425" wrap="square" tIns="91425">
+            <a:bodyPr spcFirstLastPara="1" wrap="square" lIns="91425" tIns="91425" rIns="91425" bIns="91425" anchor="t" anchorCtr="0">
               <a:noAutofit/>
             </a:bodyPr>
             <a:lstStyle/>
             <a:p>
-              <a:pPr indent="0" lvl="0" marL="0" rtl="0" algn="l">
+              <a:pPr marL="0" lvl="0" indent="0" algn="l" rtl="0">
                 <a:spcBef>
                   <a:spcPts val="0"/>
                 </a:spcBef>
@@ -8504,7 +8742,7 @@
                 <a:buNone/>
               </a:pPr>
               <a:r>
-                <a:rPr b="1" lang="en">
+                <a:rPr lang="en" b="1">
                   <a:solidFill>
                     <a:schemeClr val="dk1"/>
                   </a:solidFill>
@@ -8526,7 +8764,7 @@
               </a:endParaRPr>
             </a:p>
             <a:p>
-              <a:pPr indent="0" lvl="0" marL="0" rtl="0" algn="l">
+              <a:pPr marL="0" lvl="0" indent="0" algn="l" rtl="0">
                 <a:spcBef>
                   <a:spcPts val="800"/>
                 </a:spcBef>
@@ -8553,7 +8791,7 @@
                 <a:t>We moved to Spring to not hardcode object creation and </a:t>
               </a:r>
               <a:r>
-                <a:rPr b="1" lang="en" sz="1200">
+                <a:rPr lang="en" sz="1200" b="1">
                   <a:solidFill>
                     <a:schemeClr val="dk2"/>
                   </a:solidFill>
@@ -8614,11 +8852,11 @@
 </file>
 
 <file path=ppt/slides/slide5.xml><?xml version="1.0" encoding="utf-8"?>
-<p:sld xmlns:a="http://schemas.openxmlformats.org/drawingml/2006/main" xmlns:r="http://schemas.openxmlformats.org/officeDocument/2006/relationships" xmlns:mc="http://schemas.openxmlformats.org/markup-compatibility/2006" xmlns:mv="urn:schemas-microsoft-com:mac:vml" xmlns:p="http://schemas.openxmlformats.org/presentationml/2006/main" xmlns:c="http://schemas.openxmlformats.org/drawingml/2006/chart" xmlns:dgm="http://schemas.openxmlformats.org/drawingml/2006/diagram" xmlns:o="urn:schemas-microsoft-com:office:office" xmlns:v="urn:schemas-microsoft-com:vml" xmlns:pvml="urn:schemas-microsoft-com:office:powerpoint" xmlns:com="http://schemas.openxmlformats.org/drawingml/2006/compatibility" xmlns:p14="http://schemas.microsoft.com/office/powerpoint/2010/main" xmlns:p15="http://schemas.microsoft.com/office/powerpoint/2012/main">
+<p:sld xmlns:a="http://schemas.openxmlformats.org/drawingml/2006/main" xmlns:r="http://schemas.openxmlformats.org/officeDocument/2006/relationships" xmlns:p="http://schemas.openxmlformats.org/presentationml/2006/main">
   <p:cSld>
     <p:spTree>
       <p:nvGrpSpPr>
-        <p:cNvPr id="102" name="Shape 102"/>
+        <p:cNvPr id="1" name="Shape 102"/>
         <p:cNvGrpSpPr/>
         <p:nvPr/>
       </p:nvGrpSpPr>
@@ -8633,7 +8871,9 @@
       <p:sp>
         <p:nvSpPr>
           <p:cNvPr id="103" name="Google Shape;103;p17"/>
-          <p:cNvSpPr txBox="1"/>
+          <p:cNvSpPr txBox="1">
+            <a:spLocks noGrp="1"/>
+          </p:cNvSpPr>
           <p:nvPr>
             <p:ph type="title"/>
           </p:nvPr>
@@ -8648,12 +8888,12 @@
           </a:prstGeom>
         </p:spPr>
         <p:txBody>
-          <a:bodyPr anchorCtr="0" anchor="t" bIns="91425" lIns="91425" spcFirstLastPara="1" rIns="91425" wrap="square" tIns="91425">
+          <a:bodyPr spcFirstLastPara="1" wrap="square" lIns="91425" tIns="91425" rIns="91425" bIns="91425" anchor="t" anchorCtr="0">
             <a:noAutofit/>
           </a:bodyPr>
           <a:lstStyle/>
           <a:p>
-            <a:pPr indent="0" lvl="0" marL="0" rtl="0" algn="l">
+            <a:pPr marL="0" lvl="0" indent="0" algn="l" rtl="0">
               <a:spcBef>
                 <a:spcPts val="0"/>
               </a:spcBef>
@@ -8663,21 +8903,29 @@
               <a:buNone/>
             </a:pPr>
             <a:r>
-              <a:rPr lang="en">
+              <a:rPr lang="en" dirty="0" smtClean="0">
                 <a:solidFill>
                   <a:schemeClr val="accent5"/>
                 </a:solidFill>
               </a:rPr>
-              <a:t>Hibernate:</a:t>
+              <a:t>JPA-Hibernate</a:t>
             </a:r>
-            <a:endParaRPr>
+            <a:r>
+              <a:rPr lang="en" dirty="0">
+                <a:solidFill>
+                  <a:schemeClr val="accent5"/>
+                </a:solidFill>
+              </a:rPr>
+              <a:t>:</a:t>
+            </a:r>
+            <a:endParaRPr dirty="0">
               <a:solidFill>
                 <a:schemeClr val="accent5"/>
               </a:solidFill>
             </a:endParaRPr>
           </a:p>
           <a:p>
-            <a:pPr indent="0" lvl="0" marL="0" rtl="0" algn="l">
+            <a:pPr marL="0" lvl="0" indent="0" algn="l" rtl="0">
               <a:spcBef>
                 <a:spcPts val="1000"/>
               </a:spcBef>
@@ -8687,13 +8935,13 @@
               <a:buNone/>
             </a:pPr>
             <a:r>
-              <a:rPr lang="en"/>
+              <a:rPr lang="en" dirty="0"/>
               <a:t>For Object Relational Mapping</a:t>
             </a:r>
-            <a:endParaRPr/>
+            <a:endParaRPr dirty="0"/>
           </a:p>
           <a:p>
-            <a:pPr indent="0" lvl="0" marL="0" rtl="0" algn="l">
+            <a:pPr marL="0" lvl="0" indent="0" algn="l" rtl="0">
               <a:spcBef>
                 <a:spcPts val="1000"/>
               </a:spcBef>
@@ -8703,13 +8951,13 @@
               <a:buNone/>
             </a:pPr>
             <a:r>
-              <a:rPr b="0" lang="en" sz="2400"/>
+              <a:rPr lang="en" sz="2400" b="0" dirty="0"/>
               <a:t>Saving our entities into the database</a:t>
             </a:r>
-            <a:endParaRPr b="0" sz="2400"/>
+            <a:endParaRPr sz="2400" b="0" dirty="0"/>
           </a:p>
           <a:p>
-            <a:pPr indent="0" lvl="0" marL="0" rtl="0" algn="l">
+            <a:pPr marL="0" lvl="0" indent="0" algn="l" rtl="0">
               <a:spcBef>
                 <a:spcPts val="1000"/>
               </a:spcBef>
@@ -8719,10 +8967,10 @@
               <a:buNone/>
             </a:pPr>
             <a:r>
-              <a:rPr b="0" lang="en" sz="2400"/>
+              <a:rPr lang="en" sz="2400" b="0" dirty="0"/>
               <a:t>with ease</a:t>
             </a:r>
-            <a:endParaRPr b="0" sz="2400"/>
+            <a:endParaRPr sz="2400" b="0" dirty="0"/>
           </a:p>
         </p:txBody>
       </p:sp>
@@ -8770,7 +9018,7 @@
         </p:pic>
         <p:pic>
           <p:nvPicPr>
-            <p:cNvPr descr="Piece of duct tape sticking a note to the slide" id="106" name="Google Shape;106;p17"/>
+            <p:cNvPr id="106" name="Google Shape;106;p17" descr="Piece of duct tape sticking a note to the slide"/>
             <p:cNvPicPr preferRelativeResize="0"/>
             <p:nvPr/>
           </p:nvPicPr>
@@ -8778,7 +9026,7 @@
             <a:blip r:embed="rId4">
               <a:alphaModFix/>
             </a:blip>
-            <a:srcRect b="10011" l="9244" r="2118" t="5926"/>
+            <a:srcRect l="9244" t="5926" r="2118" b="10011"/>
             <a:stretch/>
           </p:blipFill>
           <p:spPr>
@@ -8815,12 +9063,12 @@
             </a:ln>
           </p:spPr>
           <p:txBody>
-            <a:bodyPr anchorCtr="0" anchor="t" bIns="91425" lIns="91425" spcFirstLastPara="1" rIns="91425" wrap="square" tIns="91425">
+            <a:bodyPr spcFirstLastPara="1" wrap="square" lIns="91425" tIns="91425" rIns="91425" bIns="91425" anchor="t" anchorCtr="0">
               <a:noAutofit/>
             </a:bodyPr>
             <a:lstStyle/>
             <a:p>
-              <a:pPr indent="0" lvl="0" marL="0" rtl="0" algn="l">
+              <a:pPr marL="0" lvl="0" indent="0" algn="l" rtl="0">
                 <a:spcBef>
                   <a:spcPts val="0"/>
                 </a:spcBef>
@@ -8835,7 +9083,7 @@
                 <a:buNone/>
               </a:pPr>
               <a:r>
-                <a:rPr b="1" lang="en">
+                <a:rPr lang="en" b="1">
                   <a:solidFill>
                     <a:schemeClr val="dk1"/>
                   </a:solidFill>
@@ -8857,7 +9105,7 @@
               </a:endParaRPr>
             </a:p>
             <a:p>
-              <a:pPr indent="0" lvl="0" marL="0" rtl="0" algn="l">
+              <a:pPr marL="0" lvl="0" indent="0" algn="l" rtl="0">
                 <a:spcBef>
                   <a:spcPts val="800"/>
                 </a:spcBef>
@@ -8889,7 +9137,7 @@
               </a:endParaRPr>
             </a:p>
             <a:p>
-              <a:pPr indent="0" lvl="0" marL="0" rtl="0" algn="l">
+              <a:pPr marL="0" lvl="0" indent="0" algn="l" rtl="0">
                 <a:spcBef>
                   <a:spcPts val="800"/>
                 </a:spcBef>
@@ -8910,7 +9158,7 @@
                 </a:rPr>
                 <a:t>Later, that was extended into MySQL database and JDBC was used to connectivity to database.</a:t>
               </a:r>
-              <a:endParaRPr b="1" sz="1200">
+              <a:endParaRPr sz="1200" b="1">
                 <a:solidFill>
                   <a:schemeClr val="dk2"/>
                 </a:solidFill>
@@ -8960,11 +9208,11 @@
 </file>
 
 <file path=ppt/slides/slide6.xml><?xml version="1.0" encoding="utf-8"?>
-<p:sld xmlns:a="http://schemas.openxmlformats.org/drawingml/2006/main" xmlns:r="http://schemas.openxmlformats.org/officeDocument/2006/relationships" xmlns:mc="http://schemas.openxmlformats.org/markup-compatibility/2006" xmlns:mv="urn:schemas-microsoft-com:mac:vml" xmlns:p="http://schemas.openxmlformats.org/presentationml/2006/main" xmlns:c="http://schemas.openxmlformats.org/drawingml/2006/chart" xmlns:dgm="http://schemas.openxmlformats.org/drawingml/2006/diagram" xmlns:o="urn:schemas-microsoft-com:office:office" xmlns:v="urn:schemas-microsoft-com:vml" xmlns:pvml="urn:schemas-microsoft-com:office:powerpoint" xmlns:com="http://schemas.openxmlformats.org/drawingml/2006/compatibility" xmlns:p14="http://schemas.microsoft.com/office/powerpoint/2010/main" xmlns:p15="http://schemas.microsoft.com/office/powerpoint/2012/main">
+<p:sld xmlns:a="http://schemas.openxmlformats.org/drawingml/2006/main" xmlns:r="http://schemas.openxmlformats.org/officeDocument/2006/relationships" xmlns:p="http://schemas.openxmlformats.org/presentationml/2006/main">
   <p:cSld>
     <p:spTree>
       <p:nvGrpSpPr>
-        <p:cNvPr id="112" name="Shape 112"/>
+        <p:cNvPr id="1" name="Shape 112"/>
         <p:cNvGrpSpPr/>
         <p:nvPr/>
       </p:nvGrpSpPr>
@@ -8979,7 +9227,9 @@
       <p:sp>
         <p:nvSpPr>
           <p:cNvPr id="113" name="Google Shape;113;p18"/>
-          <p:cNvSpPr txBox="1"/>
+          <p:cNvSpPr txBox="1">
+            <a:spLocks noGrp="1"/>
+          </p:cNvSpPr>
           <p:nvPr>
             <p:ph type="title"/>
           </p:nvPr>
@@ -8994,12 +9244,12 @@
           </a:prstGeom>
         </p:spPr>
         <p:txBody>
-          <a:bodyPr anchorCtr="0" anchor="ctr" bIns="91425" lIns="91425" spcFirstLastPara="1" rIns="91425" wrap="square" tIns="91425">
+          <a:bodyPr spcFirstLastPara="1" wrap="square" lIns="91425" tIns="91425" rIns="91425" bIns="91425" anchor="ctr" anchorCtr="0">
             <a:noAutofit/>
           </a:bodyPr>
           <a:lstStyle/>
           <a:p>
-            <a:pPr indent="0" lvl="0" marL="0" rtl="0" algn="l">
+            <a:pPr marL="0" lvl="0" indent="0" algn="l" rtl="0">
               <a:spcBef>
                 <a:spcPts val="0"/>
               </a:spcBef>
@@ -9017,20 +9267,12 @@
               <a:t>MySQL</a:t>
             </a:r>
             <a:r>
-              <a:rPr b="0" lang="en" sz="2400">
+              <a:rPr lang="en" sz="2400" b="0">
                 <a:solidFill>
                   <a:schemeClr val="dk2"/>
                 </a:solidFill>
               </a:rPr>
-              <a:t> is an open source database used to store our data.</a:t>
-            </a:r>
-            <a:r>
-              <a:rPr b="0" lang="en" sz="2400">
-                <a:solidFill>
-                  <a:schemeClr val="dk2"/>
-                </a:solidFill>
-              </a:rPr>
-              <a:t> It is a </a:t>
+              <a:t> is an open source database used to store our data. It is a </a:t>
             </a:r>
             <a:r>
               <a:rPr lang="en" sz="2600"/>
@@ -9041,14 +9283,14 @@
               <a:t> </a:t>
             </a:r>
             <a:r>
-              <a:rPr b="0" lang="en" sz="2400">
+              <a:rPr lang="en" sz="2400" b="0">
                 <a:solidFill>
                   <a:schemeClr val="dk2"/>
                 </a:solidFill>
               </a:rPr>
               <a:t>allowing data to be stored in a related format, thereby improving insertion, updation and deletion operations and reducing redundancy.</a:t>
             </a:r>
-            <a:endParaRPr b="0" sz="2400">
+            <a:endParaRPr sz="2400" b="0">
               <a:solidFill>
                 <a:schemeClr val="dk2"/>
               </a:solidFill>
@@ -9100,7 +9342,7 @@
         </p:pic>
         <p:pic>
           <p:nvPicPr>
-            <p:cNvPr descr="Piece of duct tape sticking a note to the slide" id="116" name="Google Shape;116;p18"/>
+            <p:cNvPr id="116" name="Google Shape;116;p18" descr="Piece of duct tape sticking a note to the slide"/>
             <p:cNvPicPr preferRelativeResize="0"/>
             <p:nvPr/>
           </p:nvPicPr>
@@ -9108,7 +9350,7 @@
             <a:blip r:embed="rId4">
               <a:alphaModFix/>
             </a:blip>
-            <a:srcRect b="10011" l="9244" r="2118" t="5926"/>
+            <a:srcRect l="9244" t="5926" r="2118" b="10011"/>
             <a:stretch/>
           </p:blipFill>
           <p:spPr>
@@ -9145,12 +9387,12 @@
             </a:ln>
           </p:spPr>
           <p:txBody>
-            <a:bodyPr anchorCtr="0" anchor="t" bIns="91425" lIns="91425" spcFirstLastPara="1" rIns="91425" wrap="square" tIns="91425">
+            <a:bodyPr spcFirstLastPara="1" wrap="square" lIns="91425" tIns="91425" rIns="91425" bIns="91425" anchor="t" anchorCtr="0">
               <a:noAutofit/>
             </a:bodyPr>
             <a:lstStyle/>
             <a:p>
-              <a:pPr indent="0" lvl="0" marL="0" rtl="0" algn="l">
+              <a:pPr marL="0" lvl="0" indent="0" algn="l" rtl="0">
                 <a:spcBef>
                   <a:spcPts val="0"/>
                 </a:spcBef>
@@ -9165,7 +9407,7 @@
                 <a:buNone/>
               </a:pPr>
               <a:r>
-                <a:rPr b="1" lang="en">
+                <a:rPr lang="en" b="1">
                   <a:solidFill>
                     <a:schemeClr val="dk1"/>
                   </a:solidFill>
@@ -9187,7 +9429,7 @@
               </a:endParaRPr>
             </a:p>
             <a:p>
-              <a:pPr indent="0" lvl="0" marL="0" rtl="0" algn="l">
+              <a:pPr marL="0" lvl="0" indent="0" algn="l" rtl="0">
                 <a:spcBef>
                   <a:spcPts val="800"/>
                 </a:spcBef>
@@ -9213,7 +9455,7 @@
                 </a:rPr>
                 <a:t>We had to use JDBC Driver to connect initially but since JPA allows us to map entities into database directly, we utilized Hiberate’s JPA implementation.</a:t>
               </a:r>
-              <a:endParaRPr b="1" sz="1200">
+              <a:endParaRPr sz="1200" b="1">
                 <a:solidFill>
                   <a:schemeClr val="dk1"/>
                 </a:solidFill>
@@ -9263,11 +9505,11 @@
 </file>
 
 <file path=ppt/slides/slide7.xml><?xml version="1.0" encoding="utf-8"?>
-<p:sld xmlns:a="http://schemas.openxmlformats.org/drawingml/2006/main" xmlns:r="http://schemas.openxmlformats.org/officeDocument/2006/relationships" xmlns:mc="http://schemas.openxmlformats.org/markup-compatibility/2006" xmlns:mv="urn:schemas-microsoft-com:mac:vml" xmlns:p="http://schemas.openxmlformats.org/presentationml/2006/main" xmlns:c="http://schemas.openxmlformats.org/drawingml/2006/chart" xmlns:dgm="http://schemas.openxmlformats.org/drawingml/2006/diagram" xmlns:o="urn:schemas-microsoft-com:office:office" xmlns:v="urn:schemas-microsoft-com:vml" xmlns:pvml="urn:schemas-microsoft-com:office:powerpoint" xmlns:com="http://schemas.openxmlformats.org/drawingml/2006/compatibility" xmlns:p14="http://schemas.microsoft.com/office/powerpoint/2010/main" xmlns:p15="http://schemas.microsoft.com/office/powerpoint/2012/main">
+<p:sld xmlns:a="http://schemas.openxmlformats.org/drawingml/2006/main" xmlns:r="http://schemas.openxmlformats.org/officeDocument/2006/relationships" xmlns:p="http://schemas.openxmlformats.org/presentationml/2006/main">
   <p:cSld>
     <p:spTree>
       <p:nvGrpSpPr>
-        <p:cNvPr id="122" name="Shape 122"/>
+        <p:cNvPr id="1" name="Shape 122"/>
         <p:cNvGrpSpPr/>
         <p:nvPr/>
       </p:nvGrpSpPr>
@@ -9282,7 +9524,9 @@
       <p:sp>
         <p:nvSpPr>
           <p:cNvPr id="123" name="Google Shape;123;p19"/>
-          <p:cNvSpPr txBox="1"/>
+          <p:cNvSpPr txBox="1">
+            <a:spLocks noGrp="1"/>
+          </p:cNvSpPr>
           <p:nvPr>
             <p:ph type="title"/>
           </p:nvPr>
@@ -9297,12 +9541,12 @@
           </a:prstGeom>
         </p:spPr>
         <p:txBody>
-          <a:bodyPr anchorCtr="0" anchor="ctr" bIns="91425" lIns="91425" spcFirstLastPara="1" rIns="91425" wrap="square" tIns="91425">
+          <a:bodyPr spcFirstLastPara="1" wrap="square" lIns="91425" tIns="91425" rIns="91425" bIns="91425" anchor="ctr" anchorCtr="0">
             <a:noAutofit/>
           </a:bodyPr>
           <a:lstStyle/>
           <a:p>
-            <a:pPr indent="0" lvl="0" marL="0" rtl="0" algn="l">
+            <a:pPr marL="0" lvl="0" indent="0" algn="l" rtl="0">
               <a:spcBef>
                 <a:spcPts val="0"/>
               </a:spcBef>
@@ -9320,7 +9564,7 @@
               <a:t>Tomcat v8.5</a:t>
             </a:r>
             <a:r>
-              <a:rPr b="0" lang="en" sz="2400">
+              <a:rPr lang="en" sz="2400" b="0">
                 <a:solidFill>
                   <a:schemeClr val="dk2"/>
                 </a:solidFill>
@@ -9336,29 +9580,21 @@
               <a:t>HOSTING </a:t>
             </a:r>
             <a:r>
-              <a:rPr b="0" lang="en" sz="2400">
+              <a:rPr lang="en" sz="2400" b="0">
                 <a:solidFill>
                   <a:schemeClr val="dk2"/>
                 </a:solidFill>
               </a:rPr>
-              <a:t>our application online, a</a:t>
+              <a:t>our application online, allowing users to interact via webpages.</a:t>
             </a:r>
-            <a:r>
-              <a:rPr b="0" lang="en" sz="2400">
-                <a:solidFill>
-                  <a:schemeClr val="dk2"/>
-                </a:solidFill>
-              </a:rPr>
-              <a:t>llowing users to interact via webpages.</a:t>
-            </a:r>
-            <a:endParaRPr b="0" sz="2400">
+            <a:endParaRPr sz="2400" b="0">
               <a:solidFill>
                 <a:schemeClr val="dk2"/>
               </a:solidFill>
             </a:endParaRPr>
           </a:p>
           <a:p>
-            <a:pPr indent="0" lvl="0" marL="0" rtl="0" algn="l">
+            <a:pPr marL="0" lvl="0" indent="0" algn="l" rtl="0">
               <a:spcBef>
                 <a:spcPts val="0"/>
               </a:spcBef>
@@ -9368,14 +9604,14 @@
               <a:buNone/>
             </a:pPr>
             <a:r>
-              <a:rPr b="0" lang="en" sz="2400">
+              <a:rPr lang="en" sz="2400" b="0">
                 <a:solidFill>
                   <a:schemeClr val="dk2"/>
                 </a:solidFill>
               </a:rPr>
               <a:t>Spring MVC framework is used to create web app.</a:t>
             </a:r>
-            <a:endParaRPr b="0" sz="2400">
+            <a:endParaRPr sz="2400" b="0">
               <a:solidFill>
                 <a:schemeClr val="dk2"/>
               </a:solidFill>
@@ -9427,7 +9663,7 @@
         </p:pic>
         <p:pic>
           <p:nvPicPr>
-            <p:cNvPr descr="Piece of duct tape sticking a note to the slide" id="126" name="Google Shape;126;p19"/>
+            <p:cNvPr id="126" name="Google Shape;126;p19" descr="Piece of duct tape sticking a note to the slide"/>
             <p:cNvPicPr preferRelativeResize="0"/>
             <p:nvPr/>
           </p:nvPicPr>
@@ -9435,7 +9671,7 @@
             <a:blip r:embed="rId4">
               <a:alphaModFix/>
             </a:blip>
-            <a:srcRect b="10011" l="9244" r="2118" t="5926"/>
+            <a:srcRect l="9244" t="5926" r="2118" b="10011"/>
             <a:stretch/>
           </p:blipFill>
           <p:spPr>
@@ -9472,12 +9708,12 @@
             </a:ln>
           </p:spPr>
           <p:txBody>
-            <a:bodyPr anchorCtr="0" anchor="t" bIns="91425" lIns="91425" spcFirstLastPara="1" rIns="91425" wrap="square" tIns="91425">
+            <a:bodyPr spcFirstLastPara="1" wrap="square" lIns="91425" tIns="91425" rIns="91425" bIns="91425" anchor="t" anchorCtr="0">
               <a:noAutofit/>
             </a:bodyPr>
             <a:lstStyle/>
             <a:p>
-              <a:pPr indent="0" lvl="0" marL="0" rtl="0" algn="l">
+              <a:pPr marL="0" lvl="0" indent="0" algn="l" rtl="0">
                 <a:spcBef>
                   <a:spcPts val="0"/>
                 </a:spcBef>
@@ -9492,7 +9728,7 @@
                 <a:buNone/>
               </a:pPr>
               <a:r>
-                <a:rPr b="1" lang="en">
+                <a:rPr lang="en" b="1">
                   <a:solidFill>
                     <a:schemeClr val="dk1"/>
                   </a:solidFill>
@@ -9514,7 +9750,7 @@
               </a:endParaRPr>
             </a:p>
             <a:p>
-              <a:pPr indent="0" lvl="0" marL="0" rtl="0" algn="l">
+              <a:pPr marL="0" lvl="0" indent="0" algn="l" rtl="0">
                 <a:spcBef>
                   <a:spcPts val="800"/>
                 </a:spcBef>
@@ -9540,7 +9776,7 @@
                 </a:rPr>
                 <a:t>Using this, we transmit data (Model) from webpage to Java application (Controller), process the data and return via webpages (View).</a:t>
               </a:r>
-              <a:endParaRPr b="1" sz="1200">
+              <a:endParaRPr sz="1200" b="1">
                 <a:solidFill>
                   <a:schemeClr val="dk1"/>
                 </a:solidFill>
@@ -9590,18 +9826,19 @@
 </file>
 
 <file path=ppt/slides/slide8.xml><?xml version="1.0" encoding="utf-8"?>
-<p:sld xmlns:a="http://schemas.openxmlformats.org/drawingml/2006/main" xmlns:r="http://schemas.openxmlformats.org/officeDocument/2006/relationships" xmlns:mc="http://schemas.openxmlformats.org/markup-compatibility/2006" xmlns:mv="urn:schemas-microsoft-com:mac:vml" xmlns:p="http://schemas.openxmlformats.org/presentationml/2006/main" xmlns:c="http://schemas.openxmlformats.org/drawingml/2006/chart" xmlns:dgm="http://schemas.openxmlformats.org/drawingml/2006/diagram" xmlns:o="urn:schemas-microsoft-com:office:office" xmlns:v="urn:schemas-microsoft-com:vml" xmlns:pvml="urn:schemas-microsoft-com:office:powerpoint" xmlns:com="http://schemas.openxmlformats.org/drawingml/2006/compatibility" xmlns:p14="http://schemas.microsoft.com/office/powerpoint/2010/main" xmlns:p15="http://schemas.microsoft.com/office/powerpoint/2012/main">
+<p:sld xmlns:a="http://schemas.openxmlformats.org/drawingml/2006/main" xmlns:r="http://schemas.openxmlformats.org/officeDocument/2006/relationships" xmlns:p="http://schemas.openxmlformats.org/presentationml/2006/main">
   <p:cSld>
     <p:bg>
       <p:bgPr>
         <a:solidFill>
           <a:schemeClr val="dk1"/>
         </a:solidFill>
+        <a:effectLst/>
       </p:bgPr>
     </p:bg>
     <p:spTree>
       <p:nvGrpSpPr>
-        <p:cNvPr id="132" name="Shape 132"/>
+        <p:cNvPr id="1" name="Shape 132"/>
         <p:cNvGrpSpPr/>
         <p:nvPr/>
       </p:nvGrpSpPr>
@@ -9643,7 +9880,7 @@
       </p:pic>
       <p:pic>
         <p:nvPicPr>
-          <p:cNvPr descr="Piece of duct tape sticking a note to the slide" id="134" name="Google Shape;134;p20"/>
+          <p:cNvPr id="134" name="Google Shape;134;p20" descr="Piece of duct tape sticking a note to the slide"/>
           <p:cNvPicPr preferRelativeResize="0"/>
           <p:nvPr/>
         </p:nvPicPr>
@@ -9651,7 +9888,7 @@
           <a:blip r:embed="rId4">
             <a:alphaModFix/>
           </a:blip>
-          <a:srcRect b="10011" l="9244" r="2118" t="5926"/>
+          <a:srcRect l="9244" t="5926" r="2118" b="10011"/>
           <a:stretch/>
         </p:blipFill>
         <p:spPr>
@@ -9688,12 +9925,12 @@
           </a:ln>
         </p:spPr>
         <p:txBody>
-          <a:bodyPr anchorCtr="0" anchor="b" bIns="91425" lIns="91425" spcFirstLastPara="1" rIns="91425" wrap="square" tIns="91425">
+          <a:bodyPr spcFirstLastPara="1" wrap="square" lIns="91425" tIns="91425" rIns="91425" bIns="91425" anchor="b" anchorCtr="0">
             <a:noAutofit/>
           </a:bodyPr>
           <a:lstStyle/>
           <a:p>
-            <a:pPr indent="0" lvl="0" marL="0" rtl="0" algn="l">
+            <a:pPr marL="0" lvl="0" indent="0" algn="l" rtl="0">
               <a:spcBef>
                 <a:spcPts val="0"/>
               </a:spcBef>
@@ -9703,7 +9940,7 @@
               <a:buNone/>
             </a:pPr>
             <a:r>
-              <a:rPr b="1" lang="en" sz="3000">
+              <a:rPr lang="en" sz="3000" b="1">
                 <a:solidFill>
                   <a:schemeClr val="lt2"/>
                 </a:solidFill>
@@ -9714,7 +9951,7 @@
               </a:rPr>
               <a:t>Team</a:t>
             </a:r>
-            <a:endParaRPr b="1" sz="3000">
+            <a:endParaRPr sz="3000" b="1">
               <a:solidFill>
                 <a:schemeClr val="lt2"/>
               </a:solidFill>
@@ -9729,9 +9966,11 @@
       <p:sp>
         <p:nvSpPr>
           <p:cNvPr id="136" name="Google Shape;136;p20"/>
-          <p:cNvSpPr txBox="1"/>
+          <p:cNvSpPr txBox="1">
+            <a:spLocks noGrp="1"/>
+          </p:cNvSpPr>
           <p:nvPr>
-            <p:ph idx="4294967295" type="body"/>
+            <p:ph type="body" idx="4294967295"/>
           </p:nvPr>
         </p:nvSpPr>
         <p:spPr>
@@ -9744,12 +9983,12 @@
           </a:prstGeom>
         </p:spPr>
         <p:txBody>
-          <a:bodyPr anchorCtr="0" anchor="t" bIns="91425" lIns="91425" spcFirstLastPara="1" rIns="91425" wrap="square" tIns="91425">
+          <a:bodyPr spcFirstLastPara="1" wrap="square" lIns="91425" tIns="91425" rIns="91425" bIns="91425" anchor="t" anchorCtr="0">
             <a:noAutofit/>
           </a:bodyPr>
           <a:lstStyle/>
           <a:p>
-            <a:pPr indent="0" lvl="0" marL="0" rtl="0" algn="l">
+            <a:pPr marL="0" lvl="0" indent="0" algn="l" rtl="0">
               <a:spcBef>
                 <a:spcPts val="0"/>
               </a:spcBef>
@@ -9780,7 +10019,7 @@
             </a:endParaRPr>
           </a:p>
           <a:p>
-            <a:pPr indent="-317500" lvl="0" marL="457200" rtl="0" algn="l">
+            <a:pPr marL="457200" lvl="0" indent="-317500" algn="l" rtl="0">
               <a:spcBef>
                 <a:spcPts val="1600"/>
               </a:spcBef>
@@ -9795,7 +10034,7 @@
               <a:buChar char="➔"/>
             </a:pPr>
             <a:r>
-              <a:rPr b="1" lang="en" sz="1400">
+              <a:rPr lang="en" sz="1400" b="1">
                 <a:solidFill>
                   <a:schemeClr val="dk1"/>
                 </a:solidFill>
@@ -9805,6 +10044,15 @@
                 <a:sym typeface="Raleway"/>
               </a:rPr>
               <a:t>Tejaswini</a:t>
+            </a:r>
+            <a:r>
+              <a:rPr lang="en" sz="1200">
+                <a:latin typeface="Raleway"/>
+                <a:ea typeface="Raleway"/>
+                <a:cs typeface="Raleway"/>
+                <a:sym typeface="Raleway"/>
+              </a:rPr>
+              <a:t/>
             </a:r>
             <a:br>
               <a:rPr lang="en" sz="1200">
@@ -9831,7 +10079,7 @@
             </a:endParaRPr>
           </a:p>
           <a:p>
-            <a:pPr indent="-317500" lvl="0" marL="457200" rtl="0" algn="l">
+            <a:pPr marL="457200" lvl="0" indent="-317500" algn="l" rtl="0">
               <a:spcBef>
                 <a:spcPts val="1000"/>
               </a:spcBef>
@@ -9846,7 +10094,7 @@
               <a:buChar char="➔"/>
             </a:pPr>
             <a:r>
-              <a:rPr b="1" lang="en" sz="1400">
+              <a:rPr lang="en" sz="1400" b="1">
                 <a:solidFill>
                   <a:schemeClr val="dk1"/>
                 </a:solidFill>
@@ -9856,6 +10104,15 @@
                 <a:sym typeface="Raleway"/>
               </a:rPr>
               <a:t>Aditya</a:t>
+            </a:r>
+            <a:r>
+              <a:rPr lang="en" sz="1400">
+                <a:latin typeface="Raleway"/>
+                <a:ea typeface="Raleway"/>
+                <a:cs typeface="Raleway"/>
+                <a:sym typeface="Raleway"/>
+              </a:rPr>
+              <a:t/>
             </a:r>
             <a:br>
               <a:rPr lang="en" sz="1400">
@@ -9882,7 +10139,7 @@
             </a:endParaRPr>
           </a:p>
           <a:p>
-            <a:pPr indent="-304800" lvl="0" marL="457200" rtl="0" algn="l">
+            <a:pPr marL="457200" lvl="0" indent="-304800" algn="l" rtl="0">
               <a:spcBef>
                 <a:spcPts val="1000"/>
               </a:spcBef>
@@ -9897,7 +10154,7 @@
               <a:buChar char="➔"/>
             </a:pPr>
             <a:r>
-              <a:rPr b="1" lang="en" sz="1400">
+              <a:rPr lang="en" sz="1400" b="1">
                 <a:solidFill>
                   <a:schemeClr val="dk1"/>
                 </a:solidFill>
@@ -9907,6 +10164,15 @@
                 <a:sym typeface="Raleway"/>
               </a:rPr>
               <a:t>Mayank</a:t>
+            </a:r>
+            <a:r>
+              <a:rPr lang="en" sz="1400">
+                <a:latin typeface="Raleway"/>
+                <a:ea typeface="Raleway"/>
+                <a:cs typeface="Raleway"/>
+                <a:sym typeface="Raleway"/>
+              </a:rPr>
+              <a:t/>
             </a:r>
             <a:br>
               <a:rPr lang="en" sz="1400">
@@ -9943,11 +10209,11 @@
 </file>
 
 <file path=ppt/slides/slide9.xml><?xml version="1.0" encoding="utf-8"?>
-<p:sld xmlns:a="http://schemas.openxmlformats.org/drawingml/2006/main" xmlns:r="http://schemas.openxmlformats.org/officeDocument/2006/relationships" xmlns:mc="http://schemas.openxmlformats.org/markup-compatibility/2006" xmlns:mv="urn:schemas-microsoft-com:mac:vml" xmlns:p="http://schemas.openxmlformats.org/presentationml/2006/main" xmlns:c="http://schemas.openxmlformats.org/drawingml/2006/chart" xmlns:dgm="http://schemas.openxmlformats.org/drawingml/2006/diagram" xmlns:o="urn:schemas-microsoft-com:office:office" xmlns:v="urn:schemas-microsoft-com:vml" xmlns:pvml="urn:schemas-microsoft-com:office:powerpoint" xmlns:com="http://schemas.openxmlformats.org/drawingml/2006/compatibility" xmlns:p14="http://schemas.microsoft.com/office/powerpoint/2010/main" xmlns:p15="http://schemas.microsoft.com/office/powerpoint/2012/main">
+<p:sld xmlns:a="http://schemas.openxmlformats.org/drawingml/2006/main" xmlns:r="http://schemas.openxmlformats.org/officeDocument/2006/relationships" xmlns:p="http://schemas.openxmlformats.org/presentationml/2006/main">
   <p:cSld>
     <p:spTree>
       <p:nvGrpSpPr>
-        <p:cNvPr id="140" name="Shape 140"/>
+        <p:cNvPr id="1" name="Shape 140"/>
         <p:cNvGrpSpPr/>
         <p:nvPr/>
       </p:nvGrpSpPr>
@@ -9969,7 +10235,7 @@
           <a:blip r:embed="rId3">
             <a:alphaModFix/>
           </a:blip>
-          <a:srcRect b="14093" l="2132" r="6751" t="6554"/>
+          <a:srcRect l="2132" t="6554" r="6751" b="14093"/>
           <a:stretch/>
         </p:blipFill>
         <p:spPr>
@@ -9989,7 +10255,9 @@
       <p:sp>
         <p:nvSpPr>
           <p:cNvPr id="142" name="Google Shape;142;p21"/>
-          <p:cNvSpPr txBox="1"/>
+          <p:cNvSpPr txBox="1">
+            <a:spLocks noGrp="1"/>
+          </p:cNvSpPr>
           <p:nvPr>
             <p:ph type="title"/>
           </p:nvPr>
@@ -10004,12 +10272,12 @@
           </a:prstGeom>
         </p:spPr>
         <p:txBody>
-          <a:bodyPr anchorCtr="0" anchor="t" bIns="91425" lIns="91425" spcFirstLastPara="1" rIns="91425" wrap="square" tIns="91425">
+          <a:bodyPr spcFirstLastPara="1" wrap="square" lIns="91425" tIns="91425" rIns="91425" bIns="91425" anchor="t" anchorCtr="0">
             <a:noAutofit/>
           </a:bodyPr>
           <a:lstStyle/>
           <a:p>
-            <a:pPr indent="0" lvl="0" marL="0" rtl="0" algn="l">
+            <a:pPr marL="0" lvl="0" indent="0" algn="l" rtl="0">
               <a:spcBef>
                 <a:spcPts val="0"/>
               </a:spcBef>
@@ -10035,7 +10303,288 @@
 </file>
 
 <file path=ppt/theme/theme1.xml><?xml version="1.0" encoding="utf-8"?>
-<a:theme xmlns:a="http://schemas.openxmlformats.org/drawingml/2006/main" xmlns:r="http://schemas.openxmlformats.org/officeDocument/2006/relationships">
+<a:theme xmlns:a="http://schemas.openxmlformats.org/drawingml/2006/main" name="Swiss">
+  <a:themeElements>
+    <a:clrScheme name="Swiss">
+      <a:dk1>
+        <a:srgbClr val="F46524"/>
+      </a:dk1>
+      <a:lt1>
+        <a:srgbClr val="FFFFFF"/>
+      </a:lt1>
+      <a:dk2>
+        <a:srgbClr val="000000"/>
+      </a:dk2>
+      <a:lt2>
+        <a:srgbClr val="757575"/>
+      </a:lt2>
+      <a:accent1>
+        <a:srgbClr val="01579B"/>
+      </a:accent1>
+      <a:accent2>
+        <a:srgbClr val="27C7BD"/>
+      </a:accent2>
+      <a:accent3>
+        <a:srgbClr val="0099E8"/>
+      </a:accent3>
+      <a:accent4>
+        <a:srgbClr val="51B9A3"/>
+      </a:accent4>
+      <a:accent5>
+        <a:srgbClr val="FB8C00"/>
+      </a:accent5>
+      <a:accent6>
+        <a:srgbClr val="FFAE88"/>
+      </a:accent6>
+      <a:hlink>
+        <a:srgbClr val="0277BD"/>
+      </a:hlink>
+      <a:folHlink>
+        <a:srgbClr val="0277BD"/>
+      </a:folHlink>
+    </a:clrScheme>
+    <a:fontScheme name="Office">
+      <a:majorFont>
+        <a:latin typeface="Arial"/>
+        <a:ea typeface=""/>
+        <a:cs typeface=""/>
+        <a:font script="Jpan" typeface="ＭＳ Ｐゴシック"/>
+        <a:font script="Hang" typeface="맑은 고딕"/>
+        <a:font script="Hans" typeface="宋体"/>
+        <a:font script="Hant" typeface="新細明體"/>
+        <a:font script="Arab" typeface="Times New Roman"/>
+        <a:font script="Hebr" typeface="Times New Roman"/>
+        <a:font script="Thai" typeface="Angsana New"/>
+        <a:font script="Ethi" typeface="Nyala"/>
+        <a:font script="Beng" typeface="Vrinda"/>
+        <a:font script="Gujr" typeface="Shruti"/>
+        <a:font script="Khmr" typeface="MoolBoran"/>
+        <a:font script="Knda" typeface="Tunga"/>
+        <a:font script="Guru" typeface="Raavi"/>
+        <a:font script="Cans" typeface="Euphemia"/>
+        <a:font script="Cher" typeface="Plantagenet Cherokee"/>
+        <a:font script="Yiii" typeface="Microsoft Yi Baiti"/>
+        <a:font script="Tibt" typeface="Microsoft Himalaya"/>
+        <a:font script="Thaa" typeface="MV Boli"/>
+        <a:font script="Deva" typeface="Mangal"/>
+        <a:font script="Telu" typeface="Gautami"/>
+        <a:font script="Taml" typeface="Latha"/>
+        <a:font script="Syrc" typeface="Estrangelo Edessa"/>
+        <a:font script="Orya" typeface="Kalinga"/>
+        <a:font script="Mlym" typeface="Kartika"/>
+        <a:font script="Laoo" typeface="DokChampa"/>
+        <a:font script="Sinh" typeface="Iskoola Pota"/>
+        <a:font script="Mong" typeface="Mongolian Baiti"/>
+        <a:font script="Viet" typeface="Times New Roman"/>
+        <a:font script="Uigh" typeface="Microsoft Uighur"/>
+        <a:font script="Geor" typeface="Sylfaen"/>
+      </a:majorFont>
+      <a:minorFont>
+        <a:latin typeface="Arial"/>
+        <a:ea typeface=""/>
+        <a:cs typeface=""/>
+        <a:font script="Jpan" typeface="ＭＳ Ｐゴシック"/>
+        <a:font script="Hang" typeface="맑은 고딕"/>
+        <a:font script="Hans" typeface="宋体"/>
+        <a:font script="Hant" typeface="新細明體"/>
+        <a:font script="Arab" typeface="Arial"/>
+        <a:font script="Hebr" typeface="Arial"/>
+        <a:font script="Thai" typeface="Cordia New"/>
+        <a:font script="Ethi" typeface="Nyala"/>
+        <a:font script="Beng" typeface="Vrinda"/>
+        <a:font script="Gujr" typeface="Shruti"/>
+        <a:font script="Khmr" typeface="DaunPenh"/>
+        <a:font script="Knda" typeface="Tunga"/>
+        <a:font script="Guru" typeface="Raavi"/>
+        <a:font script="Cans" typeface="Euphemia"/>
+        <a:font script="Cher" typeface="Plantagenet Cherokee"/>
+        <a:font script="Yiii" typeface="Microsoft Yi Baiti"/>
+        <a:font script="Tibt" typeface="Microsoft Himalaya"/>
+        <a:font script="Thaa" typeface="MV Boli"/>
+        <a:font script="Deva" typeface="Mangal"/>
+        <a:font script="Telu" typeface="Gautami"/>
+        <a:font script="Taml" typeface="Latha"/>
+        <a:font script="Syrc" typeface="Estrangelo Edessa"/>
+        <a:font script="Orya" typeface="Kalinga"/>
+        <a:font script="Mlym" typeface="Kartika"/>
+        <a:font script="Laoo" typeface="DokChampa"/>
+        <a:font script="Sinh" typeface="Iskoola Pota"/>
+        <a:font script="Mong" typeface="Mongolian Baiti"/>
+        <a:font script="Viet" typeface="Arial"/>
+        <a:font script="Uigh" typeface="Microsoft Uighur"/>
+        <a:font script="Geor" typeface="Sylfaen"/>
+      </a:minorFont>
+    </a:fontScheme>
+    <a:fmtScheme name="Office">
+      <a:fillStyleLst>
+        <a:solidFill>
+          <a:schemeClr val="phClr"/>
+        </a:solidFill>
+        <a:gradFill rotWithShape="1">
+          <a:gsLst>
+            <a:gs pos="0">
+              <a:schemeClr val="phClr">
+                <a:tint val="50000"/>
+                <a:satMod val="300000"/>
+              </a:schemeClr>
+            </a:gs>
+            <a:gs pos="35000">
+              <a:schemeClr val="phClr">
+                <a:tint val="37000"/>
+                <a:satMod val="300000"/>
+              </a:schemeClr>
+            </a:gs>
+            <a:gs pos="100000">
+              <a:schemeClr val="phClr">
+                <a:tint val="15000"/>
+                <a:satMod val="350000"/>
+              </a:schemeClr>
+            </a:gs>
+          </a:gsLst>
+          <a:lin ang="16200000" scaled="1"/>
+        </a:gradFill>
+        <a:gradFill rotWithShape="1">
+          <a:gsLst>
+            <a:gs pos="0">
+              <a:schemeClr val="phClr">
+                <a:tint val="100000"/>
+                <a:shade val="100000"/>
+                <a:satMod val="130000"/>
+              </a:schemeClr>
+            </a:gs>
+            <a:gs pos="100000">
+              <a:schemeClr val="phClr">
+                <a:tint val="50000"/>
+                <a:shade val="100000"/>
+                <a:satMod val="350000"/>
+              </a:schemeClr>
+            </a:gs>
+          </a:gsLst>
+          <a:lin ang="16200000" scaled="0"/>
+        </a:gradFill>
+      </a:fillStyleLst>
+      <a:lnStyleLst>
+        <a:ln w="9525" cap="flat" cmpd="sng" algn="ctr">
+          <a:solidFill>
+            <a:schemeClr val="phClr">
+              <a:shade val="95000"/>
+              <a:satMod val="105000"/>
+            </a:schemeClr>
+          </a:solidFill>
+          <a:prstDash val="solid"/>
+        </a:ln>
+        <a:ln w="25400" cap="flat" cmpd="sng" algn="ctr">
+          <a:solidFill>
+            <a:schemeClr val="phClr"/>
+          </a:solidFill>
+          <a:prstDash val="solid"/>
+        </a:ln>
+        <a:ln w="38100" cap="flat" cmpd="sng" algn="ctr">
+          <a:solidFill>
+            <a:schemeClr val="phClr"/>
+          </a:solidFill>
+          <a:prstDash val="solid"/>
+        </a:ln>
+      </a:lnStyleLst>
+      <a:effectStyleLst>
+        <a:effectStyle>
+          <a:effectLst>
+            <a:outerShdw blurRad="40000" dist="20000" dir="5400000" rotWithShape="0">
+              <a:srgbClr val="000000">
+                <a:alpha val="38000"/>
+              </a:srgbClr>
+            </a:outerShdw>
+          </a:effectLst>
+        </a:effectStyle>
+        <a:effectStyle>
+          <a:effectLst>
+            <a:outerShdw blurRad="40000" dist="23000" dir="5400000" rotWithShape="0">
+              <a:srgbClr val="000000">
+                <a:alpha val="35000"/>
+              </a:srgbClr>
+            </a:outerShdw>
+          </a:effectLst>
+        </a:effectStyle>
+        <a:effectStyle>
+          <a:effectLst>
+            <a:outerShdw blurRad="40000" dist="23000" dir="5400000" rotWithShape="0">
+              <a:srgbClr val="000000">
+                <a:alpha val="35000"/>
+              </a:srgbClr>
+            </a:outerShdw>
+          </a:effectLst>
+          <a:scene3d>
+            <a:camera prst="orthographicFront">
+              <a:rot lat="0" lon="0" rev="0"/>
+            </a:camera>
+            <a:lightRig rig="threePt" dir="t">
+              <a:rot lat="0" lon="0" rev="1200000"/>
+            </a:lightRig>
+          </a:scene3d>
+          <a:sp3d>
+            <a:bevelT w="63500" h="25400"/>
+          </a:sp3d>
+        </a:effectStyle>
+      </a:effectStyleLst>
+      <a:bgFillStyleLst>
+        <a:solidFill>
+          <a:schemeClr val="phClr"/>
+        </a:solidFill>
+        <a:gradFill rotWithShape="1">
+          <a:gsLst>
+            <a:gs pos="0">
+              <a:schemeClr val="phClr">
+                <a:tint val="40000"/>
+                <a:satMod val="350000"/>
+              </a:schemeClr>
+            </a:gs>
+            <a:gs pos="40000">
+              <a:schemeClr val="phClr">
+                <a:tint val="45000"/>
+                <a:shade val="99000"/>
+                <a:satMod val="350000"/>
+              </a:schemeClr>
+            </a:gs>
+            <a:gs pos="100000">
+              <a:schemeClr val="phClr">
+                <a:shade val="20000"/>
+                <a:satMod val="255000"/>
+              </a:schemeClr>
+            </a:gs>
+          </a:gsLst>
+          <a:path path="circle">
+            <a:fillToRect l="50000" t="-80000" r="50000" b="180000"/>
+          </a:path>
+        </a:gradFill>
+        <a:gradFill rotWithShape="1">
+          <a:gsLst>
+            <a:gs pos="0">
+              <a:schemeClr val="phClr">
+                <a:tint val="80000"/>
+                <a:satMod val="300000"/>
+              </a:schemeClr>
+            </a:gs>
+            <a:gs pos="100000">
+              <a:schemeClr val="phClr">
+                <a:shade val="30000"/>
+                <a:satMod val="200000"/>
+              </a:schemeClr>
+            </a:gs>
+          </a:gsLst>
+          <a:path path="circle">
+            <a:fillToRect l="50000" t="50000" r="50000" b="50000"/>
+          </a:path>
+        </a:gradFill>
+      </a:bgFillStyleLst>
+    </a:fmtScheme>
+  </a:themeElements>
+  <a:objectDefaults/>
+  <a:extraClrSchemeLst/>
+</a:theme>
+</file>
+
+<file path=ppt/theme/theme2.xml><?xml version="1.0" encoding="utf-8"?>
+<a:theme xmlns:a="http://schemas.openxmlformats.org/drawingml/2006/main">
   <a:themeElements>
     <a:clrScheme name="Default">
       <a:dk1>
@@ -10310,284 +10859,7 @@
       </a:bgFillStyleLst>
     </a:fmtScheme>
   </a:themeElements>
-</a:theme>
-</file>
-
-<file path=ppt/theme/theme2.xml><?xml version="1.0" encoding="utf-8"?>
-<a:theme xmlns:a="http://schemas.openxmlformats.org/drawingml/2006/main" xmlns:r="http://schemas.openxmlformats.org/officeDocument/2006/relationships" name="Swiss">
-  <a:themeElements>
-    <a:clrScheme name="Swiss">
-      <a:dk1>
-        <a:srgbClr val="F46524"/>
-      </a:dk1>
-      <a:lt1>
-        <a:srgbClr val="FFFFFF"/>
-      </a:lt1>
-      <a:dk2>
-        <a:srgbClr val="000000"/>
-      </a:dk2>
-      <a:lt2>
-        <a:srgbClr val="757575"/>
-      </a:lt2>
-      <a:accent1>
-        <a:srgbClr val="01579B"/>
-      </a:accent1>
-      <a:accent2>
-        <a:srgbClr val="27C7BD"/>
-      </a:accent2>
-      <a:accent3>
-        <a:srgbClr val="0099E8"/>
-      </a:accent3>
-      <a:accent4>
-        <a:srgbClr val="51B9A3"/>
-      </a:accent4>
-      <a:accent5>
-        <a:srgbClr val="FB8C00"/>
-      </a:accent5>
-      <a:accent6>
-        <a:srgbClr val="FFAE88"/>
-      </a:accent6>
-      <a:hlink>
-        <a:srgbClr val="0277BD"/>
-      </a:hlink>
-      <a:folHlink>
-        <a:srgbClr val="0277BD"/>
-      </a:folHlink>
-    </a:clrScheme>
-    <a:fontScheme name="Office">
-      <a:majorFont>
-        <a:latin typeface="Arial"/>
-        <a:ea typeface=""/>
-        <a:cs typeface=""/>
-        <a:font script="Jpan" typeface="ＭＳ Ｐゴシック"/>
-        <a:font script="Hang" typeface="맑은 고딕"/>
-        <a:font script="Hans" typeface="宋体"/>
-        <a:font script="Hant" typeface="新細明體"/>
-        <a:font script="Arab" typeface="Times New Roman"/>
-        <a:font script="Hebr" typeface="Times New Roman"/>
-        <a:font script="Thai" typeface="Angsana New"/>
-        <a:font script="Ethi" typeface="Nyala"/>
-        <a:font script="Beng" typeface="Vrinda"/>
-        <a:font script="Gujr" typeface="Shruti"/>
-        <a:font script="Khmr" typeface="MoolBoran"/>
-        <a:font script="Knda" typeface="Tunga"/>
-        <a:font script="Guru" typeface="Raavi"/>
-        <a:font script="Cans" typeface="Euphemia"/>
-        <a:font script="Cher" typeface="Plantagenet Cherokee"/>
-        <a:font script="Yiii" typeface="Microsoft Yi Baiti"/>
-        <a:font script="Tibt" typeface="Microsoft Himalaya"/>
-        <a:font script="Thaa" typeface="MV Boli"/>
-        <a:font script="Deva" typeface="Mangal"/>
-        <a:font script="Telu" typeface="Gautami"/>
-        <a:font script="Taml" typeface="Latha"/>
-        <a:font script="Syrc" typeface="Estrangelo Edessa"/>
-        <a:font script="Orya" typeface="Kalinga"/>
-        <a:font script="Mlym" typeface="Kartika"/>
-        <a:font script="Laoo" typeface="DokChampa"/>
-        <a:font script="Sinh" typeface="Iskoola Pota"/>
-        <a:font script="Mong" typeface="Mongolian Baiti"/>
-        <a:font script="Viet" typeface="Times New Roman"/>
-        <a:font script="Uigh" typeface="Microsoft Uighur"/>
-        <a:font script="Geor" typeface="Sylfaen"/>
-      </a:majorFont>
-      <a:minorFont>
-        <a:latin typeface="Arial"/>
-        <a:ea typeface=""/>
-        <a:cs typeface=""/>
-        <a:font script="Jpan" typeface="ＭＳ Ｐゴシック"/>
-        <a:font script="Hang" typeface="맑은 고딕"/>
-        <a:font script="Hans" typeface="宋体"/>
-        <a:font script="Hant" typeface="新細明體"/>
-        <a:font script="Arab" typeface="Arial"/>
-        <a:font script="Hebr" typeface="Arial"/>
-        <a:font script="Thai" typeface="Cordia New"/>
-        <a:font script="Ethi" typeface="Nyala"/>
-        <a:font script="Beng" typeface="Vrinda"/>
-        <a:font script="Gujr" typeface="Shruti"/>
-        <a:font script="Khmr" typeface="DaunPenh"/>
-        <a:font script="Knda" typeface="Tunga"/>
-        <a:font script="Guru" typeface="Raavi"/>
-        <a:font script="Cans" typeface="Euphemia"/>
-        <a:font script="Cher" typeface="Plantagenet Cherokee"/>
-        <a:font script="Yiii" typeface="Microsoft Yi Baiti"/>
-        <a:font script="Tibt" typeface="Microsoft Himalaya"/>
-        <a:font script="Thaa" typeface="MV Boli"/>
-        <a:font script="Deva" typeface="Mangal"/>
-        <a:font script="Telu" typeface="Gautami"/>
-        <a:font script="Taml" typeface="Latha"/>
-        <a:font script="Syrc" typeface="Estrangelo Edessa"/>
-        <a:font script="Orya" typeface="Kalinga"/>
-        <a:font script="Mlym" typeface="Kartika"/>
-        <a:font script="Laoo" typeface="DokChampa"/>
-        <a:font script="Sinh" typeface="Iskoola Pota"/>
-        <a:font script="Mong" typeface="Mongolian Baiti"/>
-        <a:font script="Viet" typeface="Arial"/>
-        <a:font script="Uigh" typeface="Microsoft Uighur"/>
-        <a:font script="Geor" typeface="Sylfaen"/>
-      </a:minorFont>
-    </a:fontScheme>
-    <a:fmtScheme name="Office">
-      <a:fillStyleLst>
-        <a:solidFill>
-          <a:schemeClr val="phClr"/>
-        </a:solidFill>
-        <a:gradFill rotWithShape="1">
-          <a:gsLst>
-            <a:gs pos="0">
-              <a:schemeClr val="phClr">
-                <a:tint val="50000"/>
-                <a:satMod val="300000"/>
-              </a:schemeClr>
-            </a:gs>
-            <a:gs pos="35000">
-              <a:schemeClr val="phClr">
-                <a:tint val="37000"/>
-                <a:satMod val="300000"/>
-              </a:schemeClr>
-            </a:gs>
-            <a:gs pos="100000">
-              <a:schemeClr val="phClr">
-                <a:tint val="15000"/>
-                <a:satMod val="350000"/>
-              </a:schemeClr>
-            </a:gs>
-          </a:gsLst>
-          <a:lin ang="16200000" scaled="1"/>
-        </a:gradFill>
-        <a:gradFill rotWithShape="1">
-          <a:gsLst>
-            <a:gs pos="0">
-              <a:schemeClr val="phClr">
-                <a:tint val="100000"/>
-                <a:shade val="100000"/>
-                <a:satMod val="130000"/>
-              </a:schemeClr>
-            </a:gs>
-            <a:gs pos="100000">
-              <a:schemeClr val="phClr">
-                <a:tint val="50000"/>
-                <a:shade val="100000"/>
-                <a:satMod val="350000"/>
-              </a:schemeClr>
-            </a:gs>
-          </a:gsLst>
-          <a:lin ang="16200000" scaled="0"/>
-        </a:gradFill>
-      </a:fillStyleLst>
-      <a:lnStyleLst>
-        <a:ln w="9525" cap="flat" cmpd="sng" algn="ctr">
-          <a:solidFill>
-            <a:schemeClr val="phClr">
-              <a:shade val="95000"/>
-              <a:satMod val="105000"/>
-            </a:schemeClr>
-          </a:solidFill>
-          <a:prstDash val="solid"/>
-        </a:ln>
-        <a:ln w="25400" cap="flat" cmpd="sng" algn="ctr">
-          <a:solidFill>
-            <a:schemeClr val="phClr"/>
-          </a:solidFill>
-          <a:prstDash val="solid"/>
-        </a:ln>
-        <a:ln w="38100" cap="flat" cmpd="sng" algn="ctr">
-          <a:solidFill>
-            <a:schemeClr val="phClr"/>
-          </a:solidFill>
-          <a:prstDash val="solid"/>
-        </a:ln>
-      </a:lnStyleLst>
-      <a:effectStyleLst>
-        <a:effectStyle>
-          <a:effectLst>
-            <a:outerShdw blurRad="40000" dist="20000" dir="5400000" rotWithShape="0">
-              <a:srgbClr val="000000">
-                <a:alpha val="38000"/>
-              </a:srgbClr>
-            </a:outerShdw>
-          </a:effectLst>
-        </a:effectStyle>
-        <a:effectStyle>
-          <a:effectLst>
-            <a:outerShdw blurRad="40000" dist="23000" dir="5400000" rotWithShape="0">
-              <a:srgbClr val="000000">
-                <a:alpha val="35000"/>
-              </a:srgbClr>
-            </a:outerShdw>
-          </a:effectLst>
-        </a:effectStyle>
-        <a:effectStyle>
-          <a:effectLst>
-            <a:outerShdw blurRad="40000" dist="23000" dir="5400000" rotWithShape="0">
-              <a:srgbClr val="000000">
-                <a:alpha val="35000"/>
-              </a:srgbClr>
-            </a:outerShdw>
-          </a:effectLst>
-          <a:scene3d>
-            <a:camera prst="orthographicFront">
-              <a:rot lat="0" lon="0" rev="0"/>
-            </a:camera>
-            <a:lightRig rig="threePt" dir="t">
-              <a:rot lat="0" lon="0" rev="1200000"/>
-            </a:lightRig>
-          </a:scene3d>
-          <a:sp3d>
-            <a:bevelT w="63500" h="25400"/>
-          </a:sp3d>
-        </a:effectStyle>
-      </a:effectStyleLst>
-      <a:bgFillStyleLst>
-        <a:solidFill>
-          <a:schemeClr val="phClr"/>
-        </a:solidFill>
-        <a:gradFill rotWithShape="1">
-          <a:gsLst>
-            <a:gs pos="0">
-              <a:schemeClr val="phClr">
-                <a:tint val="40000"/>
-                <a:satMod val="350000"/>
-              </a:schemeClr>
-            </a:gs>
-            <a:gs pos="40000">
-              <a:schemeClr val="phClr">
-                <a:tint val="45000"/>
-                <a:shade val="99000"/>
-                <a:satMod val="350000"/>
-              </a:schemeClr>
-            </a:gs>
-            <a:gs pos="100000">
-              <a:schemeClr val="phClr">
-                <a:shade val="20000"/>
-                <a:satMod val="255000"/>
-              </a:schemeClr>
-            </a:gs>
-          </a:gsLst>
-          <a:path path="circle">
-            <a:fillToRect l="50000" t="-80000" r="50000" b="180000"/>
-          </a:path>
-        </a:gradFill>
-        <a:gradFill rotWithShape="1">
-          <a:gsLst>
-            <a:gs pos="0">
-              <a:schemeClr val="phClr">
-                <a:tint val="80000"/>
-                <a:satMod val="300000"/>
-              </a:schemeClr>
-            </a:gs>
-            <a:gs pos="100000">
-              <a:schemeClr val="phClr">
-                <a:shade val="30000"/>
-                <a:satMod val="200000"/>
-              </a:schemeClr>
-            </a:gs>
-          </a:gsLst>
-          <a:path path="circle">
-            <a:fillToRect l="50000" t="50000" r="50000" b="50000"/>
-          </a:path>
-        </a:gradFill>
-      </a:bgFillStyleLst>
-    </a:fmtScheme>
-  </a:themeElements>
+  <a:objectDefaults/>
+  <a:extraClrSchemeLst/>
 </a:theme>
 </file>
--- a/BusNama.pptx
+++ b/BusNama.pptx
@@ -22,14 +22,14 @@
   <p:notesSz cx="6858000" cy="9144000"/>
   <p:embeddedFontLst>
     <p:embeddedFont>
-      <p:font typeface="Raleway" charset="0"/>
+      <p:font typeface="Lato" charset="0"/>
       <p:regular r:id="rId12"/>
       <p:bold r:id="rId13"/>
       <p:italic r:id="rId14"/>
       <p:boldItalic r:id="rId15"/>
     </p:embeddedFont>
     <p:embeddedFont>
-      <p:font typeface="Lato" charset="0"/>
+      <p:font typeface="Raleway" charset="0"/>
       <p:regular r:id="rId16"/>
       <p:bold r:id="rId17"/>
       <p:italic r:id="rId18"/>
@@ -267,7 +267,7 @@
   </p:defaultTextStyle>
   <p:extLst>
     <p:ext uri="{EFAFB233-063F-42B5-8137-9DF3F51BA10A}">
-      <p15:sldGuideLst xmlns:p15="http://schemas.microsoft.com/office/powerpoint/2012/main" xmlns:p14="http://schemas.microsoft.com/office/powerpoint/2010/main" xmlns:com="http://schemas.openxmlformats.org/drawingml/2006/compatibility" xmlns:pvml="urn:schemas-microsoft-com:office:powerpoint" xmlns:v="urn:schemas-microsoft-com:vml" xmlns:o="urn:schemas-microsoft-com:office:office" xmlns:dgm="http://schemas.openxmlformats.org/drawingml/2006/diagram" xmlns:c="http://schemas.openxmlformats.org/drawingml/2006/chart" xmlns:mv="urn:schemas-microsoft-com:mac:vml" xmlns:mc="http://schemas.openxmlformats.org/markup-compatibility/2006" xmlns="">
+      <p15:sldGuideLst xmlns="" xmlns:mc="http://schemas.openxmlformats.org/markup-compatibility/2006" xmlns:mv="urn:schemas-microsoft-com:mac:vml" xmlns:c="http://schemas.openxmlformats.org/drawingml/2006/chart" xmlns:dgm="http://schemas.openxmlformats.org/drawingml/2006/diagram" xmlns:o="urn:schemas-microsoft-com:office:office" xmlns:v="urn:schemas-microsoft-com:vml" xmlns:pvml="urn:schemas-microsoft-com:office:powerpoint" xmlns:com="http://schemas.openxmlformats.org/drawingml/2006/compatibility" xmlns:p14="http://schemas.microsoft.com/office/powerpoint/2010/main" xmlns:p15="http://schemas.microsoft.com/office/powerpoint/2012/main">
         <p15:guide id="1" orient="horz" pos="1620">
           <p15:clr>
             <a:srgbClr val="A4A3A4"/>
@@ -7782,7 +7782,7 @@
       </p:sp>
       <p:pic>
         <p:nvPicPr>
-          <p:cNvPr id="2" name="Picture 1"/>
+          <p:cNvPr id="3" name="Picture 2"/>
           <p:cNvPicPr>
             <a:picLocks noChangeAspect="1"/>
           </p:cNvPicPr>
@@ -7802,8 +7802,8 @@
         </p:blipFill>
         <p:spPr>
           <a:xfrm>
-            <a:off x="3008638" y="2350504"/>
-            <a:ext cx="2877434" cy="1503460"/>
+            <a:off x="2945306" y="1972243"/>
+            <a:ext cx="3237491" cy="2081244"/>
           </a:xfrm>
           <a:prstGeom prst="rect">
             <a:avLst/>
